--- a/Coding Dojo - Final Project - Adam Kolodny.pptx
+++ b/Coding Dojo - Final Project - Adam Kolodny.pptx
@@ -16,8 +16,10 @@
     <p:sldId id="266" r:id="rId10"/>
     <p:sldId id="263" r:id="rId11"/>
     <p:sldId id="264" r:id="rId12"/>
-    <p:sldId id="267" r:id="rId13"/>
-    <p:sldId id="261" r:id="rId14"/>
+    <p:sldId id="270" r:id="rId13"/>
+    <p:sldId id="271" r:id="rId14"/>
+    <p:sldId id="267" r:id="rId15"/>
+    <p:sldId id="261" r:id="rId16"/>
   </p:sldIdLst>
   <p:sldSz cx="12192000" cy="6858000"/>
   <p:notesSz cx="6858000" cy="9144000"/>
@@ -16068,7 +16070,14 @@
           <a:p>
             <a:r>
               <a:rPr lang="en-US" dirty="0"/>
-              <a:t>Results</a:t>
+              <a:t>Results </a:t>
+            </a:r>
+            <a:br>
+              <a:rPr lang="en-US" dirty="0"/>
+            </a:br>
+            <a:r>
+              <a:rPr lang="en-US" dirty="0"/>
+              <a:t> Pre balancing of data</a:t>
             </a:r>
           </a:p>
         </p:txBody>
@@ -16124,8 +16133,38 @@
         </p:blipFill>
         <p:spPr>
           <a:xfrm>
-            <a:off x="5306219" y="2538412"/>
+            <a:off x="5486769" y="4693032"/>
             <a:ext cx="5816600" cy="1778000"/>
+          </a:xfrm>
+          <a:prstGeom prst="rect">
+            <a:avLst/>
+          </a:prstGeom>
+        </p:spPr>
+      </p:pic>
+      <p:pic>
+        <p:nvPicPr>
+          <p:cNvPr id="13" name="Picture 12" descr="Chart, bar chart&#10;&#10;Description automatically generated">
+            <a:extLst>
+              <a:ext uri="{FF2B5EF4-FFF2-40B4-BE49-F238E27FC236}">
+                <a16:creationId xmlns:a16="http://schemas.microsoft.com/office/drawing/2014/main" id="{04A2BA3F-E98D-C442-B333-65DC0E403FD8}"/>
+              </a:ext>
+            </a:extLst>
+          </p:cNvPr>
+          <p:cNvPicPr>
+            <a:picLocks noChangeAspect="1"/>
+          </p:cNvPicPr>
+          <p:nvPr/>
+        </p:nvPicPr>
+        <p:blipFill>
+          <a:blip r:embed="rId4"/>
+          <a:stretch>
+            <a:fillRect/>
+          </a:stretch>
+        </p:blipFill>
+        <p:spPr>
+          <a:xfrm>
+            <a:off x="6218114" y="386968"/>
+            <a:ext cx="4353909" cy="4221263"/>
           </a:xfrm>
           <a:prstGeom prst="rect">
             <a:avLst/>
@@ -16146,6 +16185,283 @@
 </file>
 
 <file path=ppt/slides/slide12.xml><?xml version="1.0" encoding="utf-8"?>
+<p:sld xmlns:a="http://schemas.openxmlformats.org/drawingml/2006/main" xmlns:r="http://schemas.openxmlformats.org/officeDocument/2006/relationships" xmlns:p="http://schemas.openxmlformats.org/presentationml/2006/main">
+  <p:cSld>
+    <p:spTree>
+      <p:nvGrpSpPr>
+        <p:cNvPr id="1" name=""/>
+        <p:cNvGrpSpPr/>
+        <p:nvPr/>
+      </p:nvGrpSpPr>
+      <p:grpSpPr>
+        <a:xfrm>
+          <a:off x="0" y="0"/>
+          <a:ext cx="0" cy="0"/>
+          <a:chOff x="0" y="0"/>
+          <a:chExt cx="0" cy="0"/>
+        </a:xfrm>
+      </p:grpSpPr>
+      <p:sp>
+        <p:nvSpPr>
+          <p:cNvPr id="2" name="Title 1">
+            <a:extLst>
+              <a:ext uri="{FF2B5EF4-FFF2-40B4-BE49-F238E27FC236}">
+                <a16:creationId xmlns:a16="http://schemas.microsoft.com/office/drawing/2014/main" id="{96FF4527-EA73-2F4C-AAD3-885C535365FD}"/>
+              </a:ext>
+            </a:extLst>
+          </p:cNvPr>
+          <p:cNvSpPr>
+            <a:spLocks noGrp="1"/>
+          </p:cNvSpPr>
+          <p:nvPr>
+            <p:ph type="title"/>
+          </p:nvPr>
+        </p:nvSpPr>
+        <p:spPr/>
+        <p:txBody>
+          <a:bodyPr/>
+          <a:lstStyle/>
+          <a:p>
+            <a:r>
+              <a:rPr lang="en-US" dirty="0"/>
+              <a:t>Results</a:t>
+            </a:r>
+            <a:br>
+              <a:rPr lang="en-US" dirty="0"/>
+            </a:br>
+            <a:r>
+              <a:rPr lang="en-US" dirty="0"/>
+              <a:t>Post balancing of data</a:t>
+            </a:r>
+          </a:p>
+        </p:txBody>
+      </p:sp>
+      <p:pic>
+        <p:nvPicPr>
+          <p:cNvPr id="5" name="Content Placeholder 4">
+            <a:extLst>
+              <a:ext uri="{FF2B5EF4-FFF2-40B4-BE49-F238E27FC236}">
+                <a16:creationId xmlns:a16="http://schemas.microsoft.com/office/drawing/2014/main" id="{C8B443E8-4CCA-154F-A29F-1760ECE0D480}"/>
+              </a:ext>
+            </a:extLst>
+          </p:cNvPr>
+          <p:cNvPicPr>
+            <a:picLocks noGrp="1" noChangeAspect="1"/>
+          </p:cNvPicPr>
+          <p:nvPr>
+            <p:ph idx="1"/>
+          </p:nvPr>
+        </p:nvPicPr>
+        <p:blipFill>
+          <a:blip r:embed="rId2"/>
+          <a:stretch>
+            <a:fillRect/>
+          </a:stretch>
+        </p:blipFill>
+        <p:spPr>
+          <a:xfrm>
+            <a:off x="8214519" y="3376612"/>
+            <a:ext cx="88900" cy="101600"/>
+          </a:xfrm>
+        </p:spPr>
+      </p:pic>
+      <p:pic>
+        <p:nvPicPr>
+          <p:cNvPr id="4" name="Picture 3" descr="Text&#10;&#10;Description automatically generated">
+            <a:extLst>
+              <a:ext uri="{FF2B5EF4-FFF2-40B4-BE49-F238E27FC236}">
+                <a16:creationId xmlns:a16="http://schemas.microsoft.com/office/drawing/2014/main" id="{5853A83D-CB1A-8046-9BEC-B5953B28A08C}"/>
+              </a:ext>
+            </a:extLst>
+          </p:cNvPr>
+          <p:cNvPicPr>
+            <a:picLocks noChangeAspect="1"/>
+          </p:cNvPicPr>
+          <p:nvPr/>
+        </p:nvPicPr>
+        <p:blipFill>
+          <a:blip r:embed="rId3"/>
+          <a:stretch>
+            <a:fillRect/>
+          </a:stretch>
+        </p:blipFill>
+        <p:spPr>
+          <a:xfrm>
+            <a:off x="5636611" y="4657341"/>
+            <a:ext cx="5816600" cy="1866900"/>
+          </a:xfrm>
+          <a:prstGeom prst="rect">
+            <a:avLst/>
+          </a:prstGeom>
+        </p:spPr>
+      </p:pic>
+      <p:pic>
+        <p:nvPicPr>
+          <p:cNvPr id="7" name="Picture 6" descr="Chart, bar chart&#10;&#10;Description automatically generated">
+            <a:extLst>
+              <a:ext uri="{FF2B5EF4-FFF2-40B4-BE49-F238E27FC236}">
+                <a16:creationId xmlns:a16="http://schemas.microsoft.com/office/drawing/2014/main" id="{83BC2F71-076D-334C-BB8B-10B301339177}"/>
+              </a:ext>
+            </a:extLst>
+          </p:cNvPr>
+          <p:cNvPicPr>
+            <a:picLocks noChangeAspect="1"/>
+          </p:cNvPicPr>
+          <p:nvPr/>
+        </p:nvPicPr>
+        <p:blipFill>
+          <a:blip r:embed="rId4"/>
+          <a:stretch>
+            <a:fillRect/>
+          </a:stretch>
+        </p:blipFill>
+        <p:spPr>
+          <a:xfrm>
+            <a:off x="6192372" y="169634"/>
+            <a:ext cx="4222093" cy="4062050"/>
+          </a:xfrm>
+          <a:prstGeom prst="rect">
+            <a:avLst/>
+          </a:prstGeom>
+        </p:spPr>
+      </p:pic>
+    </p:spTree>
+    <p:extLst>
+      <p:ext uri="{BB962C8B-B14F-4D97-AF65-F5344CB8AC3E}">
+        <p14:creationId xmlns:p14="http://schemas.microsoft.com/office/powerpoint/2010/main" val="2123108933"/>
+      </p:ext>
+    </p:extLst>
+  </p:cSld>
+  <p:clrMapOvr>
+    <a:masterClrMapping/>
+  </p:clrMapOvr>
+</p:sld>
+</file>
+
+<file path=ppt/slides/slide13.xml><?xml version="1.0" encoding="utf-8"?>
+<p:sld xmlns:a="http://schemas.openxmlformats.org/drawingml/2006/main" xmlns:r="http://schemas.openxmlformats.org/officeDocument/2006/relationships" xmlns:p="http://schemas.openxmlformats.org/presentationml/2006/main">
+  <p:cSld>
+    <p:spTree>
+      <p:nvGrpSpPr>
+        <p:cNvPr id="1" name=""/>
+        <p:cNvGrpSpPr/>
+        <p:nvPr/>
+      </p:nvGrpSpPr>
+      <p:grpSpPr>
+        <a:xfrm>
+          <a:off x="0" y="0"/>
+          <a:ext cx="0" cy="0"/>
+          <a:chOff x="0" y="0"/>
+          <a:chExt cx="0" cy="0"/>
+        </a:xfrm>
+      </p:grpSpPr>
+      <p:sp>
+        <p:nvSpPr>
+          <p:cNvPr id="2" name="Title 1">
+            <a:extLst>
+              <a:ext uri="{FF2B5EF4-FFF2-40B4-BE49-F238E27FC236}">
+                <a16:creationId xmlns:a16="http://schemas.microsoft.com/office/drawing/2014/main" id="{4E380FE9-B9B8-4046-8481-431C79F69C77}"/>
+              </a:ext>
+            </a:extLst>
+          </p:cNvPr>
+          <p:cNvSpPr>
+            <a:spLocks noGrp="1"/>
+          </p:cNvSpPr>
+          <p:nvPr>
+            <p:ph type="title"/>
+          </p:nvPr>
+        </p:nvSpPr>
+        <p:spPr/>
+        <p:txBody>
+          <a:bodyPr/>
+          <a:lstStyle/>
+          <a:p>
+            <a:r>
+              <a:rPr lang="en-US"/>
+              <a:t>Conclusion</a:t>
+            </a:r>
+            <a:endParaRPr lang="en-US" dirty="0"/>
+          </a:p>
+        </p:txBody>
+      </p:sp>
+      <p:sp>
+        <p:nvSpPr>
+          <p:cNvPr id="3" name="Content Placeholder 2">
+            <a:extLst>
+              <a:ext uri="{FF2B5EF4-FFF2-40B4-BE49-F238E27FC236}">
+                <a16:creationId xmlns:a16="http://schemas.microsoft.com/office/drawing/2014/main" id="{CF5932BA-0AD6-C742-81D1-188E4DCAED58}"/>
+              </a:ext>
+            </a:extLst>
+          </p:cNvPr>
+          <p:cNvSpPr>
+            <a:spLocks noGrp="1"/>
+          </p:cNvSpPr>
+          <p:nvPr>
+            <p:ph idx="1"/>
+          </p:nvPr>
+        </p:nvSpPr>
+        <p:spPr/>
+        <p:txBody>
+          <a:bodyPr/>
+          <a:lstStyle/>
+          <a:p>
+            <a:pPr marL="0" indent="0">
+              <a:buNone/>
+            </a:pPr>
+            <a:r>
+              <a:rPr lang="en-US" dirty="0"/>
+              <a:t>It is evident from the analysis of the models that were run that there does not exist any real correlation in the data that would indicate whether a person who downloads the app will become a user. </a:t>
+            </a:r>
+          </a:p>
+          <a:p>
+            <a:pPr marL="0" indent="0">
+              <a:buNone/>
+            </a:pPr>
+            <a:r>
+              <a:rPr lang="en-US" dirty="0"/>
+              <a:t>This conclusion can be seen pre balancing which resulted in an 80% accuracy which is the close to the split of non users vs post balancing of 50% which is the split on the balanced data. </a:t>
+            </a:r>
+          </a:p>
+          <a:p>
+            <a:pPr marL="0" indent="0">
+              <a:buNone/>
+            </a:pPr>
+            <a:endParaRPr lang="en-US" dirty="0"/>
+          </a:p>
+          <a:p>
+            <a:pPr marL="0" indent="0">
+              <a:buNone/>
+            </a:pPr>
+            <a:r>
+              <a:rPr lang="en-US" dirty="0"/>
+              <a:t>Conclusion is that marketing need to be done to all user who download to entice them to use the app. </a:t>
+            </a:r>
+          </a:p>
+          <a:p>
+            <a:pPr marL="0" indent="0">
+              <a:buNone/>
+            </a:pPr>
+            <a:r>
+              <a:rPr lang="en-US" dirty="0"/>
+              <a:t>In addition, more data should be collected at registration which will help in future data analysis. </a:t>
+            </a:r>
+          </a:p>
+        </p:txBody>
+      </p:sp>
+    </p:spTree>
+    <p:extLst>
+      <p:ext uri="{BB962C8B-B14F-4D97-AF65-F5344CB8AC3E}">
+        <p14:creationId xmlns:p14="http://schemas.microsoft.com/office/powerpoint/2010/main" val="2005733745"/>
+      </p:ext>
+    </p:extLst>
+  </p:cSld>
+  <p:clrMapOvr>
+    <a:masterClrMapping/>
+  </p:clrMapOvr>
+</p:sld>
+</file>
+
+<file path=ppt/slides/slide14.xml><?xml version="1.0" encoding="utf-8"?>
 <p:sld xmlns:a="http://schemas.openxmlformats.org/drawingml/2006/main" xmlns:r="http://schemas.openxmlformats.org/officeDocument/2006/relationships" xmlns:p="http://schemas.openxmlformats.org/presentationml/2006/main">
   <p:cSld>
     <p:bg>
@@ -19759,7 +20075,7 @@
 </p:sld>
 </file>
 
-<file path=ppt/slides/slide13.xml><?xml version="1.0" encoding="utf-8"?>
+<file path=ppt/slides/slide15.xml><?xml version="1.0" encoding="utf-8"?>
 <p:sld xmlns:a="http://schemas.openxmlformats.org/drawingml/2006/main" xmlns:r="http://schemas.openxmlformats.org/officeDocument/2006/relationships" xmlns:p="http://schemas.openxmlformats.org/presentationml/2006/main">
   <p:cSld>
     <p:spTree>

--- a/Coding Dojo - Final Project - Adam Kolodny.pptx
+++ b/Coding Dojo - Final Project - Adam Kolodny.pptx
@@ -17,7 +17,7 @@
     <p:sldId id="263" r:id="rId11"/>
     <p:sldId id="264" r:id="rId12"/>
     <p:sldId id="270" r:id="rId13"/>
-    <p:sldId id="271" r:id="rId14"/>
+    <p:sldId id="272" r:id="rId14"/>
     <p:sldId id="267" r:id="rId15"/>
     <p:sldId id="261" r:id="rId16"/>
   </p:sldIdLst>
@@ -1598,6 +1598,9 @@
   <p:clrMapOvr>
     <a:masterClrMapping/>
   </p:clrMapOvr>
+  <p:transition spd="slow">
+    <p:push dir="u"/>
+  </p:transition>
 </p:sldLayout>
 </file>
 
@@ -3038,6 +3041,9 @@
   <p:clrMapOvr>
     <a:masterClrMapping/>
   </p:clrMapOvr>
+  <p:transition spd="slow">
+    <p:push dir="u"/>
+  </p:transition>
 </p:sldLayout>
 </file>
 
@@ -4496,6 +4502,9 @@
   <p:clrMapOvr>
     <a:masterClrMapping/>
   </p:clrMapOvr>
+  <p:transition spd="slow">
+    <p:push dir="u"/>
+  </p:transition>
 </p:sldLayout>
 </file>
 
@@ -5936,6 +5945,9 @@
   <p:clrMapOvr>
     <a:masterClrMapping/>
   </p:clrMapOvr>
+  <p:transition spd="slow">
+    <p:push dir="u"/>
+  </p:transition>
 </p:sldLayout>
 </file>
 
@@ -7453,6 +7465,9 @@
   <p:clrMapOvr>
     <a:masterClrMapping/>
   </p:clrMapOvr>
+  <p:transition spd="slow">
+    <p:push dir="u"/>
+  </p:transition>
 </p:sldLayout>
 </file>
 
@@ -8965,6 +8980,9 @@
   <p:clrMapOvr>
     <a:masterClrMapping/>
   </p:clrMapOvr>
+  <p:transition spd="slow">
+    <p:push dir="u"/>
+  </p:transition>
 </p:sldLayout>
 </file>
 
@@ -10625,6 +10643,9 @@
   <p:clrMapOvr>
     <a:masterClrMapping/>
   </p:clrMapOvr>
+  <p:transition spd="slow">
+    <p:push dir="u"/>
+  </p:transition>
 </p:sldLayout>
 </file>
 
@@ -12008,6 +12029,9 @@
   <p:clrMapOvr>
     <a:masterClrMapping/>
   </p:clrMapOvr>
+  <p:transition spd="slow">
+    <p:push dir="u"/>
+  </p:transition>
 </p:sldLayout>
 </file>
 
@@ -12113,6 +12137,9 @@
   <p:clrMapOvr>
     <a:masterClrMapping/>
   </p:clrMapOvr>
+  <p:transition spd="slow">
+    <p:push dir="u"/>
+  </p:transition>
 </p:sldLayout>
 </file>
 
@@ -13624,6 +13651,9 @@
   <p:clrMapOvr>
     <a:masterClrMapping/>
   </p:clrMapOvr>
+  <p:transition spd="slow">
+    <p:push dir="u"/>
+  </p:transition>
 </p:sldLayout>
 </file>
 
@@ -15165,6 +15195,9 @@
   <p:clrMapOvr>
     <a:masterClrMapping/>
   </p:clrMapOvr>
+  <p:transition spd="slow">
+    <p:push dir="u"/>
+  </p:transition>
 </p:sldLayout>
 </file>
 
@@ -15422,6 +15455,9 @@
     <p:sldLayoutId id="2147483658" r:id="rId10"/>
     <p:sldLayoutId id="2147483659" r:id="rId11"/>
   </p:sldLayoutIdLst>
+  <p:transition spd="slow">
+    <p:push dir="u"/>
+  </p:transition>
   <p:txStyles>
     <p:titleStyle>
       <a:lvl1pPr algn="ctr" defTabSz="914400" rtl="0" eaLnBrk="1" latinLnBrk="0" hangingPunct="1">
@@ -15881,6 +15917,9 @@
   <p:clrMapOvr>
     <a:masterClrMapping/>
   </p:clrMapOvr>
+  <p:transition spd="slow">
+    <p:push dir="u"/>
+  </p:transition>
 </p:sld>
 </file>
 
@@ -16027,6 +16066,9 @@
   <p:clrMapOvr>
     <a:masterClrMapping/>
   </p:clrMapOvr>
+  <p:transition spd="slow">
+    <p:push dir="u"/>
+  </p:transition>
 </p:sld>
 </file>
 
@@ -16181,6 +16223,9 @@
   <p:clrMapOvr>
     <a:masterClrMapping/>
   </p:clrMapOvr>
+  <p:transition spd="slow">
+    <p:push dir="u"/>
+  </p:transition>
 </p:sld>
 </file>
 
@@ -16335,12 +16380,23 @@
   <p:clrMapOvr>
     <a:masterClrMapping/>
   </p:clrMapOvr>
+  <p:transition spd="slow">
+    <p:push dir="u"/>
+  </p:transition>
 </p:sld>
 </file>
 
 <file path=ppt/slides/slide13.xml><?xml version="1.0" encoding="utf-8"?>
 <p:sld xmlns:a="http://schemas.openxmlformats.org/drawingml/2006/main" xmlns:r="http://schemas.openxmlformats.org/officeDocument/2006/relationships" xmlns:p="http://schemas.openxmlformats.org/presentationml/2006/main">
   <p:cSld>
+    <p:bg>
+      <p:bgPr>
+        <a:solidFill>
+          <a:schemeClr val="bg1"/>
+        </a:solidFill>
+        <a:effectLst/>
+      </p:bgPr>
+    </p:bg>
     <p:spTree>
       <p:nvGrpSpPr>
         <p:cNvPr id="1" name=""/>
@@ -16355,95 +16411,4100 @@
           <a:chExt cx="0" cy="0"/>
         </a:xfrm>
       </p:grpSpPr>
+      <p:grpSp>
+        <p:nvGrpSpPr>
+          <p:cNvPr id="9" name="Group 8">
+            <a:extLst>
+              <a:ext uri="{FF2B5EF4-FFF2-40B4-BE49-F238E27FC236}">
+                <a16:creationId xmlns:a16="http://schemas.microsoft.com/office/drawing/2014/main" id="{AE19E2D2-078B-459F-A431-2037B063FDF3}"/>
+              </a:ext>
+              <a:ext uri="{C183D7F6-B498-43B3-948B-1728B52AA6E4}">
+                <adec:decorative xmlns:adec="http://schemas.microsoft.com/office/drawing/2017/decorative" val="1"/>
+              </a:ext>
+            </a:extLst>
+          </p:cNvPr>
+          <p:cNvGrpSpPr>
+            <a:grpSpLocks noGrp="1" noUngrp="1" noRot="1" noChangeAspect="1" noMove="1" noResize="1"/>
+          </p:cNvGrpSpPr>
+          <p:nvPr>
+            <p:extLst>
+              <p:ext uri="{386F3935-93C4-4BCD-93E2-E3B085C9AB24}">
+                <p16:designElem xmlns:p16="http://schemas.microsoft.com/office/powerpoint/2015/main" val="1"/>
+              </p:ext>
+            </p:extLst>
+          </p:nvPr>
+        </p:nvGrpSpPr>
+        <p:grpSpPr>
+          <a:xfrm>
+            <a:off x="-417513" y="0"/>
+            <a:ext cx="12584114" cy="6853238"/>
+            <a:chOff x="-417513" y="0"/>
+            <a:chExt cx="12584114" cy="6853238"/>
+          </a:xfrm>
+        </p:grpSpPr>
+        <p:sp>
+          <p:nvSpPr>
+            <p:cNvPr id="10" name="Freeform 5">
+              <a:extLst>
+                <a:ext uri="{FF2B5EF4-FFF2-40B4-BE49-F238E27FC236}">
+                  <a16:creationId xmlns:a16="http://schemas.microsoft.com/office/drawing/2014/main" id="{14035B44-9204-427C-98D0-75678B980CEB}"/>
+                </a:ext>
+                <a:ext uri="{C183D7F6-B498-43B3-948B-1728B52AA6E4}">
+                  <adec:decorative xmlns:adec="http://schemas.microsoft.com/office/drawing/2017/decorative" val="1"/>
+                </a:ext>
+              </a:extLst>
+            </p:cNvPr>
+            <p:cNvSpPr/>
+            <p:nvPr>
+              <p:extLst>
+                <p:ext uri="{386F3935-93C4-4BCD-93E2-E3B085C9AB24}">
+                  <p16:designElem xmlns:p16="http://schemas.microsoft.com/office/powerpoint/2015/main" val="1"/>
+                </p:ext>
+              </p:extLst>
+            </p:nvPr>
+          </p:nvSpPr>
+          <p:spPr bwMode="auto">
+            <a:xfrm>
+              <a:off x="1306513" y="0"/>
+              <a:ext cx="3862388" cy="6843713"/>
+            </a:xfrm>
+            <a:custGeom>
+              <a:avLst/>
+              <a:gdLst/>
+              <a:ahLst/>
+              <a:cxnLst/>
+              <a:rect l="0" t="0" r="r" b="b"/>
+              <a:pathLst>
+                <a:path w="813" h="1440">
+                  <a:moveTo>
+                    <a:pt x="813" y="0"/>
+                  </a:moveTo>
+                  <a:cubicBezTo>
+                    <a:pt x="331" y="221"/>
+                    <a:pt x="0" y="1039"/>
+                    <a:pt x="435" y="1440"/>
+                  </a:cubicBezTo>
+                </a:path>
+              </a:pathLst>
+            </a:custGeom>
+            <a:noFill/>
+            <a:ln w="9525" cap="flat">
+              <a:solidFill>
+                <a:schemeClr val="tx1">
+                  <a:alpha val="20000"/>
+                </a:schemeClr>
+              </a:solidFill>
+              <a:prstDash val="solid"/>
+              <a:miter lim="800000"/>
+              <a:headEnd/>
+              <a:tailEnd/>
+            </a:ln>
+            <a:extLst>
+              <a:ext uri="{909E8E84-426E-40DD-AFC4-6F175D3DCCD1}">
+                <a14:hiddenFill xmlns:a14="http://schemas.microsoft.com/office/drawing/2010/main">
+                  <a:solidFill>
+                    <a:srgbClr val="FFFFFF"/>
+                  </a:solidFill>
+                </a14:hiddenFill>
+              </a:ext>
+            </a:extLst>
+          </p:spPr>
+        </p:sp>
+        <p:sp>
+          <p:nvSpPr>
+            <p:cNvPr id="11" name="Freeform 6">
+              <a:extLst>
+                <a:ext uri="{FF2B5EF4-FFF2-40B4-BE49-F238E27FC236}">
+                  <a16:creationId xmlns:a16="http://schemas.microsoft.com/office/drawing/2014/main" id="{755FDC7E-5938-4B4B-8877-06EE01FCDBCE}"/>
+                </a:ext>
+                <a:ext uri="{C183D7F6-B498-43B3-948B-1728B52AA6E4}">
+                  <adec:decorative xmlns:adec="http://schemas.microsoft.com/office/drawing/2017/decorative" val="1"/>
+                </a:ext>
+              </a:extLst>
+            </p:cNvPr>
+            <p:cNvSpPr/>
+            <p:nvPr>
+              <p:extLst>
+                <p:ext uri="{386F3935-93C4-4BCD-93E2-E3B085C9AB24}">
+                  <p16:designElem xmlns:p16="http://schemas.microsoft.com/office/powerpoint/2015/main" val="1"/>
+                </p:ext>
+              </p:extLst>
+            </p:nvPr>
+          </p:nvSpPr>
+          <p:spPr bwMode="auto">
+            <a:xfrm>
+              <a:off x="10626725" y="9525"/>
+              <a:ext cx="1539875" cy="555625"/>
+            </a:xfrm>
+            <a:custGeom>
+              <a:avLst/>
+              <a:gdLst/>
+              <a:ahLst/>
+              <a:cxnLst/>
+              <a:rect l="0" t="0" r="r" b="b"/>
+              <a:pathLst>
+                <a:path w="324" h="117">
+                  <a:moveTo>
+                    <a:pt x="324" y="117"/>
+                  </a:moveTo>
+                  <a:cubicBezTo>
+                    <a:pt x="223" y="64"/>
+                    <a:pt x="107" y="28"/>
+                    <a:pt x="0" y="0"/>
+                  </a:cubicBezTo>
+                </a:path>
+              </a:pathLst>
+            </a:custGeom>
+            <a:noFill/>
+            <a:ln w="9525" cap="flat">
+              <a:solidFill>
+                <a:schemeClr val="tx1">
+                  <a:alpha val="20000"/>
+                </a:schemeClr>
+              </a:solidFill>
+              <a:prstDash val="solid"/>
+              <a:miter lim="800000"/>
+              <a:headEnd/>
+              <a:tailEnd/>
+            </a:ln>
+            <a:extLst>
+              <a:ext uri="{909E8E84-426E-40DD-AFC4-6F175D3DCCD1}">
+                <a14:hiddenFill xmlns:a14="http://schemas.microsoft.com/office/drawing/2010/main">
+                  <a:solidFill>
+                    <a:srgbClr val="FFFFFF"/>
+                  </a:solidFill>
+                </a14:hiddenFill>
+              </a:ext>
+            </a:extLst>
+          </p:spPr>
+        </p:sp>
+        <p:sp>
+          <p:nvSpPr>
+            <p:cNvPr id="12" name="Freeform 7">
+              <a:extLst>
+                <a:ext uri="{FF2B5EF4-FFF2-40B4-BE49-F238E27FC236}">
+                  <a16:creationId xmlns:a16="http://schemas.microsoft.com/office/drawing/2014/main" id="{F0437E65-E6AA-41CB-8690-97980FE0D428}"/>
+                </a:ext>
+                <a:ext uri="{C183D7F6-B498-43B3-948B-1728B52AA6E4}">
+                  <adec:decorative xmlns:adec="http://schemas.microsoft.com/office/drawing/2017/decorative" val="1"/>
+                </a:ext>
+              </a:extLst>
+            </p:cNvPr>
+            <p:cNvSpPr/>
+            <p:nvPr>
+              <p:extLst>
+                <p:ext uri="{386F3935-93C4-4BCD-93E2-E3B085C9AB24}">
+                  <p16:designElem xmlns:p16="http://schemas.microsoft.com/office/powerpoint/2015/main" val="1"/>
+                </p:ext>
+              </p:extLst>
+            </p:nvPr>
+          </p:nvSpPr>
+          <p:spPr bwMode="auto">
+            <a:xfrm>
+              <a:off x="10247313" y="5013325"/>
+              <a:ext cx="1919288" cy="1830388"/>
+            </a:xfrm>
+            <a:custGeom>
+              <a:avLst/>
+              <a:gdLst/>
+              <a:ahLst/>
+              <a:cxnLst/>
+              <a:rect l="0" t="0" r="r" b="b"/>
+              <a:pathLst>
+                <a:path w="404" h="385">
+                  <a:moveTo>
+                    <a:pt x="0" y="385"/>
+                  </a:moveTo>
+                  <a:cubicBezTo>
+                    <a:pt x="146" y="272"/>
+                    <a:pt x="285" y="142"/>
+                    <a:pt x="404" y="0"/>
+                  </a:cubicBezTo>
+                </a:path>
+              </a:pathLst>
+            </a:custGeom>
+            <a:noFill/>
+            <a:ln w="9525" cap="flat">
+              <a:solidFill>
+                <a:schemeClr val="tx1">
+                  <a:alpha val="20000"/>
+                </a:schemeClr>
+              </a:solidFill>
+              <a:prstDash val="solid"/>
+              <a:miter lim="800000"/>
+              <a:headEnd/>
+              <a:tailEnd/>
+            </a:ln>
+            <a:extLst>
+              <a:ext uri="{909E8E84-426E-40DD-AFC4-6F175D3DCCD1}">
+                <a14:hiddenFill xmlns:a14="http://schemas.microsoft.com/office/drawing/2010/main">
+                  <a:solidFill>
+                    <a:srgbClr val="FFFFFF"/>
+                  </a:solidFill>
+                </a14:hiddenFill>
+              </a:ext>
+            </a:extLst>
+          </p:spPr>
+        </p:sp>
+        <p:sp>
+          <p:nvSpPr>
+            <p:cNvPr id="13" name="Freeform 8">
+              <a:extLst>
+                <a:ext uri="{FF2B5EF4-FFF2-40B4-BE49-F238E27FC236}">
+                  <a16:creationId xmlns:a16="http://schemas.microsoft.com/office/drawing/2014/main" id="{3F0EF991-E8E2-4486-80F2-A9E03DA18DD2}"/>
+                </a:ext>
+                <a:ext uri="{C183D7F6-B498-43B3-948B-1728B52AA6E4}">
+                  <adec:decorative xmlns:adec="http://schemas.microsoft.com/office/drawing/2017/decorative" val="1"/>
+                </a:ext>
+              </a:extLst>
+            </p:cNvPr>
+            <p:cNvSpPr/>
+            <p:nvPr>
+              <p:extLst>
+                <p:ext uri="{386F3935-93C4-4BCD-93E2-E3B085C9AB24}">
+                  <p16:designElem xmlns:p16="http://schemas.microsoft.com/office/powerpoint/2015/main" val="1"/>
+                </p:ext>
+              </p:extLst>
+            </p:nvPr>
+          </p:nvSpPr>
+          <p:spPr bwMode="auto">
+            <a:xfrm>
+              <a:off x="1120775" y="0"/>
+              <a:ext cx="3676650" cy="6843713"/>
+            </a:xfrm>
+            <a:custGeom>
+              <a:avLst/>
+              <a:gdLst/>
+              <a:ahLst/>
+              <a:cxnLst/>
+              <a:rect l="0" t="0" r="r" b="b"/>
+              <a:pathLst>
+                <a:path w="774" h="1440">
+                  <a:moveTo>
+                    <a:pt x="774" y="0"/>
+                  </a:moveTo>
+                  <a:cubicBezTo>
+                    <a:pt x="312" y="240"/>
+                    <a:pt x="0" y="1034"/>
+                    <a:pt x="411" y="1440"/>
+                  </a:cubicBezTo>
+                </a:path>
+              </a:pathLst>
+            </a:custGeom>
+            <a:noFill/>
+            <a:ln w="9525" cap="flat">
+              <a:solidFill>
+                <a:schemeClr val="tx1">
+                  <a:alpha val="20000"/>
+                </a:schemeClr>
+              </a:solidFill>
+              <a:prstDash val="dash"/>
+              <a:miter lim="800000"/>
+              <a:headEnd/>
+              <a:tailEnd/>
+            </a:ln>
+            <a:extLst>
+              <a:ext uri="{909E8E84-426E-40DD-AFC4-6F175D3DCCD1}">
+                <a14:hiddenFill xmlns:a14="http://schemas.microsoft.com/office/drawing/2010/main">
+                  <a:solidFill>
+                    <a:srgbClr val="FFFFFF"/>
+                  </a:solidFill>
+                </a14:hiddenFill>
+              </a:ext>
+            </a:extLst>
+          </p:spPr>
+        </p:sp>
+        <p:sp>
+          <p:nvSpPr>
+            <p:cNvPr id="14" name="Freeform 9">
+              <a:extLst>
+                <a:ext uri="{FF2B5EF4-FFF2-40B4-BE49-F238E27FC236}">
+                  <a16:creationId xmlns:a16="http://schemas.microsoft.com/office/drawing/2014/main" id="{FB081D04-EE00-42EF-BBFB-684673613809}"/>
+                </a:ext>
+                <a:ext uri="{C183D7F6-B498-43B3-948B-1728B52AA6E4}">
+                  <adec:decorative xmlns:adec="http://schemas.microsoft.com/office/drawing/2017/decorative" val="1"/>
+                </a:ext>
+              </a:extLst>
+            </p:cNvPr>
+            <p:cNvSpPr/>
+            <p:nvPr>
+              <p:extLst>
+                <p:ext uri="{386F3935-93C4-4BCD-93E2-E3B085C9AB24}">
+                  <p16:designElem xmlns:p16="http://schemas.microsoft.com/office/powerpoint/2015/main" val="1"/>
+                </p:ext>
+              </p:extLst>
+            </p:nvPr>
+          </p:nvSpPr>
+          <p:spPr bwMode="auto">
+            <a:xfrm>
+              <a:off x="11202988" y="9525"/>
+              <a:ext cx="963613" cy="366713"/>
+            </a:xfrm>
+            <a:custGeom>
+              <a:avLst/>
+              <a:gdLst/>
+              <a:ahLst/>
+              <a:cxnLst/>
+              <a:rect l="0" t="0" r="r" b="b"/>
+              <a:pathLst>
+                <a:path w="203" h="77">
+                  <a:moveTo>
+                    <a:pt x="203" y="77"/>
+                  </a:moveTo>
+                  <a:cubicBezTo>
+                    <a:pt x="138" y="46"/>
+                    <a:pt x="68" y="21"/>
+                    <a:pt x="0" y="0"/>
+                  </a:cubicBezTo>
+                </a:path>
+              </a:pathLst>
+            </a:custGeom>
+            <a:noFill/>
+            <a:ln w="9525" cap="flat">
+              <a:solidFill>
+                <a:schemeClr val="tx1">
+                  <a:alpha val="20000"/>
+                </a:schemeClr>
+              </a:solidFill>
+              <a:prstDash val="dash"/>
+              <a:miter lim="800000"/>
+              <a:headEnd/>
+              <a:tailEnd/>
+            </a:ln>
+            <a:extLst>
+              <a:ext uri="{909E8E84-426E-40DD-AFC4-6F175D3DCCD1}">
+                <a14:hiddenFill xmlns:a14="http://schemas.microsoft.com/office/drawing/2010/main">
+                  <a:solidFill>
+                    <a:srgbClr val="FFFFFF"/>
+                  </a:solidFill>
+                </a14:hiddenFill>
+              </a:ext>
+            </a:extLst>
+          </p:spPr>
+        </p:sp>
+        <p:sp>
+          <p:nvSpPr>
+            <p:cNvPr id="15" name="Freeform 10">
+              <a:extLst>
+                <a:ext uri="{FF2B5EF4-FFF2-40B4-BE49-F238E27FC236}">
+                  <a16:creationId xmlns:a16="http://schemas.microsoft.com/office/drawing/2014/main" id="{12B7F571-868C-421B-8A57-6196C8124CA8}"/>
+                </a:ext>
+                <a:ext uri="{C183D7F6-B498-43B3-948B-1728B52AA6E4}">
+                  <adec:decorative xmlns:adec="http://schemas.microsoft.com/office/drawing/2017/decorative" val="1"/>
+                </a:ext>
+              </a:extLst>
+            </p:cNvPr>
+            <p:cNvSpPr/>
+            <p:nvPr>
+              <p:extLst>
+                <p:ext uri="{386F3935-93C4-4BCD-93E2-E3B085C9AB24}">
+                  <p16:designElem xmlns:p16="http://schemas.microsoft.com/office/powerpoint/2015/main" val="1"/>
+                </p:ext>
+              </p:extLst>
+            </p:nvPr>
+          </p:nvSpPr>
+          <p:spPr bwMode="auto">
+            <a:xfrm>
+              <a:off x="10494963" y="5275263"/>
+              <a:ext cx="1666875" cy="1577975"/>
+            </a:xfrm>
+            <a:custGeom>
+              <a:avLst/>
+              <a:gdLst/>
+              <a:ahLst/>
+              <a:cxnLst/>
+              <a:rect l="0" t="0" r="r" b="b"/>
+              <a:pathLst>
+                <a:path w="351" h="332">
+                  <a:moveTo>
+                    <a:pt x="0" y="332"/>
+                  </a:moveTo>
+                  <a:cubicBezTo>
+                    <a:pt x="125" y="232"/>
+                    <a:pt x="245" y="121"/>
+                    <a:pt x="351" y="0"/>
+                  </a:cubicBezTo>
+                </a:path>
+              </a:pathLst>
+            </a:custGeom>
+            <a:noFill/>
+            <a:ln w="9525" cap="flat">
+              <a:solidFill>
+                <a:schemeClr val="tx1">
+                  <a:alpha val="20000"/>
+                </a:schemeClr>
+              </a:solidFill>
+              <a:prstDash val="dash"/>
+              <a:miter lim="800000"/>
+              <a:headEnd/>
+              <a:tailEnd/>
+            </a:ln>
+            <a:extLst>
+              <a:ext uri="{909E8E84-426E-40DD-AFC4-6F175D3DCCD1}">
+                <a14:hiddenFill xmlns:a14="http://schemas.microsoft.com/office/drawing/2010/main">
+                  <a:solidFill>
+                    <a:srgbClr val="FFFFFF"/>
+                  </a:solidFill>
+                </a14:hiddenFill>
+              </a:ext>
+            </a:extLst>
+          </p:spPr>
+        </p:sp>
+        <p:sp>
+          <p:nvSpPr>
+            <p:cNvPr id="16" name="Freeform 11">
+              <a:extLst>
+                <a:ext uri="{FF2B5EF4-FFF2-40B4-BE49-F238E27FC236}">
+                  <a16:creationId xmlns:a16="http://schemas.microsoft.com/office/drawing/2014/main" id="{7E4953C7-80FE-46D4-A354-20321F42111A}"/>
+                </a:ext>
+                <a:ext uri="{C183D7F6-B498-43B3-948B-1728B52AA6E4}">
+                  <adec:decorative xmlns:adec="http://schemas.microsoft.com/office/drawing/2017/decorative" val="1"/>
+                </a:ext>
+              </a:extLst>
+            </p:cNvPr>
+            <p:cNvSpPr/>
+            <p:nvPr>
+              <p:extLst>
+                <p:ext uri="{386F3935-93C4-4BCD-93E2-E3B085C9AB24}">
+                  <p16:designElem xmlns:p16="http://schemas.microsoft.com/office/powerpoint/2015/main" val="1"/>
+                </p:ext>
+              </p:extLst>
+            </p:nvPr>
+          </p:nvSpPr>
+          <p:spPr bwMode="auto">
+            <a:xfrm>
+              <a:off x="1001713" y="0"/>
+              <a:ext cx="3621088" cy="6843713"/>
+            </a:xfrm>
+            <a:custGeom>
+              <a:avLst/>
+              <a:gdLst/>
+              <a:ahLst/>
+              <a:cxnLst/>
+              <a:rect l="0" t="0" r="r" b="b"/>
+              <a:pathLst>
+                <a:path w="762" h="1440">
+                  <a:moveTo>
+                    <a:pt x="762" y="0"/>
+                  </a:moveTo>
+                  <a:cubicBezTo>
+                    <a:pt x="308" y="245"/>
+                    <a:pt x="0" y="1033"/>
+                    <a:pt x="403" y="1440"/>
+                  </a:cubicBezTo>
+                </a:path>
+              </a:pathLst>
+            </a:custGeom>
+            <a:noFill/>
+            <a:ln w="9525" cap="flat">
+              <a:solidFill>
+                <a:schemeClr val="tx1">
+                  <a:alpha val="20000"/>
+                </a:schemeClr>
+              </a:solidFill>
+              <a:prstDash val="solid"/>
+              <a:miter lim="800000"/>
+              <a:headEnd/>
+              <a:tailEnd/>
+            </a:ln>
+            <a:extLst>
+              <a:ext uri="{909E8E84-426E-40DD-AFC4-6F175D3DCCD1}">
+                <a14:hiddenFill xmlns:a14="http://schemas.microsoft.com/office/drawing/2010/main">
+                  <a:solidFill>
+                    <a:srgbClr val="FFFFFF"/>
+                  </a:solidFill>
+                </a14:hiddenFill>
+              </a:ext>
+            </a:extLst>
+          </p:spPr>
+        </p:sp>
+        <p:sp>
+          <p:nvSpPr>
+            <p:cNvPr id="17" name="Freeform 12">
+              <a:extLst>
+                <a:ext uri="{FF2B5EF4-FFF2-40B4-BE49-F238E27FC236}">
+                  <a16:creationId xmlns:a16="http://schemas.microsoft.com/office/drawing/2014/main" id="{C60293D3-71F6-45CD-890F-E68F81CDD9DA}"/>
+                </a:ext>
+                <a:ext uri="{C183D7F6-B498-43B3-948B-1728B52AA6E4}">
+                  <adec:decorative xmlns:adec="http://schemas.microsoft.com/office/drawing/2017/decorative" val="1"/>
+                </a:ext>
+              </a:extLst>
+            </p:cNvPr>
+            <p:cNvSpPr/>
+            <p:nvPr>
+              <p:extLst>
+                <p:ext uri="{386F3935-93C4-4BCD-93E2-E3B085C9AB24}">
+                  <p16:designElem xmlns:p16="http://schemas.microsoft.com/office/powerpoint/2015/main" val="1"/>
+                </p:ext>
+              </p:extLst>
+            </p:nvPr>
+          </p:nvSpPr>
+          <p:spPr bwMode="auto">
+            <a:xfrm>
+              <a:off x="11501438" y="9525"/>
+              <a:ext cx="665163" cy="257175"/>
+            </a:xfrm>
+            <a:custGeom>
+              <a:avLst/>
+              <a:gdLst/>
+              <a:ahLst/>
+              <a:cxnLst/>
+              <a:rect l="0" t="0" r="r" b="b"/>
+              <a:pathLst>
+                <a:path w="140" h="54">
+                  <a:moveTo>
+                    <a:pt x="140" y="54"/>
+                  </a:moveTo>
+                  <a:cubicBezTo>
+                    <a:pt x="95" y="34"/>
+                    <a:pt x="48" y="16"/>
+                    <a:pt x="0" y="0"/>
+                  </a:cubicBezTo>
+                </a:path>
+              </a:pathLst>
+            </a:custGeom>
+            <a:noFill/>
+            <a:ln w="9525" cap="flat">
+              <a:solidFill>
+                <a:schemeClr val="tx1">
+                  <a:alpha val="20000"/>
+                </a:schemeClr>
+              </a:solidFill>
+              <a:prstDash val="solid"/>
+              <a:miter lim="800000"/>
+              <a:headEnd/>
+              <a:tailEnd/>
+            </a:ln>
+            <a:extLst>
+              <a:ext uri="{909E8E84-426E-40DD-AFC4-6F175D3DCCD1}">
+                <a14:hiddenFill xmlns:a14="http://schemas.microsoft.com/office/drawing/2010/main">
+                  <a:solidFill>
+                    <a:srgbClr val="FFFFFF"/>
+                  </a:solidFill>
+                </a14:hiddenFill>
+              </a:ext>
+            </a:extLst>
+          </p:spPr>
+        </p:sp>
+        <p:sp>
+          <p:nvSpPr>
+            <p:cNvPr id="18" name="Freeform 13">
+              <a:extLst>
+                <a:ext uri="{FF2B5EF4-FFF2-40B4-BE49-F238E27FC236}">
+                  <a16:creationId xmlns:a16="http://schemas.microsoft.com/office/drawing/2014/main" id="{940865AC-2494-4A34-80AC-0D78FE9C50D0}"/>
+                </a:ext>
+                <a:ext uri="{C183D7F6-B498-43B3-948B-1728B52AA6E4}">
+                  <adec:decorative xmlns:adec="http://schemas.microsoft.com/office/drawing/2017/decorative" val="1"/>
+                </a:ext>
+              </a:extLst>
+            </p:cNvPr>
+            <p:cNvSpPr/>
+            <p:nvPr>
+              <p:extLst>
+                <p:ext uri="{386F3935-93C4-4BCD-93E2-E3B085C9AB24}">
+                  <p16:designElem xmlns:p16="http://schemas.microsoft.com/office/powerpoint/2015/main" val="1"/>
+                </p:ext>
+              </p:extLst>
+            </p:nvPr>
+          </p:nvSpPr>
+          <p:spPr bwMode="auto">
+            <a:xfrm>
+              <a:off x="10641013" y="5408613"/>
+              <a:ext cx="1525588" cy="1435100"/>
+            </a:xfrm>
+            <a:custGeom>
+              <a:avLst/>
+              <a:gdLst/>
+              <a:ahLst/>
+              <a:cxnLst/>
+              <a:rect l="0" t="0" r="r" b="b"/>
+              <a:pathLst>
+                <a:path w="321" h="302">
+                  <a:moveTo>
+                    <a:pt x="0" y="302"/>
+                  </a:moveTo>
+                  <a:cubicBezTo>
+                    <a:pt x="114" y="210"/>
+                    <a:pt x="223" y="109"/>
+                    <a:pt x="321" y="0"/>
+                  </a:cubicBezTo>
+                </a:path>
+              </a:pathLst>
+            </a:custGeom>
+            <a:noFill/>
+            <a:ln w="9525" cap="flat">
+              <a:solidFill>
+                <a:schemeClr val="tx1">
+                  <a:alpha val="20000"/>
+                </a:schemeClr>
+              </a:solidFill>
+              <a:prstDash val="solid"/>
+              <a:miter lim="800000"/>
+              <a:headEnd/>
+              <a:tailEnd/>
+            </a:ln>
+            <a:extLst>
+              <a:ext uri="{909E8E84-426E-40DD-AFC4-6F175D3DCCD1}">
+                <a14:hiddenFill xmlns:a14="http://schemas.microsoft.com/office/drawing/2010/main">
+                  <a:solidFill>
+                    <a:srgbClr val="FFFFFF"/>
+                  </a:solidFill>
+                </a14:hiddenFill>
+              </a:ext>
+            </a:extLst>
+          </p:spPr>
+        </p:sp>
+        <p:sp>
+          <p:nvSpPr>
+            <p:cNvPr id="19" name="Freeform 14">
+              <a:extLst>
+                <a:ext uri="{FF2B5EF4-FFF2-40B4-BE49-F238E27FC236}">
+                  <a16:creationId xmlns:a16="http://schemas.microsoft.com/office/drawing/2014/main" id="{E8206DC4-8F5A-4192-BB5B-39A4A2CDDD44}"/>
+                </a:ext>
+                <a:ext uri="{C183D7F6-B498-43B3-948B-1728B52AA6E4}">
+                  <adec:decorative xmlns:adec="http://schemas.microsoft.com/office/drawing/2017/decorative" val="1"/>
+                </a:ext>
+              </a:extLst>
+            </p:cNvPr>
+            <p:cNvSpPr/>
+            <p:nvPr>
+              <p:extLst>
+                <p:ext uri="{386F3935-93C4-4BCD-93E2-E3B085C9AB24}">
+                  <p16:designElem xmlns:p16="http://schemas.microsoft.com/office/powerpoint/2015/main" val="1"/>
+                </p:ext>
+              </p:extLst>
+            </p:nvPr>
+          </p:nvSpPr>
+          <p:spPr bwMode="auto">
+            <a:xfrm>
+              <a:off x="1001713" y="0"/>
+              <a:ext cx="3244850" cy="6843713"/>
+            </a:xfrm>
+            <a:custGeom>
+              <a:avLst/>
+              <a:gdLst/>
+              <a:ahLst/>
+              <a:cxnLst/>
+              <a:rect l="0" t="0" r="r" b="b"/>
+              <a:pathLst>
+                <a:path w="683" h="1440">
+                  <a:moveTo>
+                    <a:pt x="683" y="0"/>
+                  </a:moveTo>
+                  <a:cubicBezTo>
+                    <a:pt x="258" y="256"/>
+                    <a:pt x="0" y="1041"/>
+                    <a:pt x="355" y="1440"/>
+                  </a:cubicBezTo>
+                </a:path>
+              </a:pathLst>
+            </a:custGeom>
+            <a:noFill/>
+            <a:ln w="9525" cap="flat">
+              <a:solidFill>
+                <a:schemeClr val="tx1">
+                  <a:alpha val="20000"/>
+                </a:schemeClr>
+              </a:solidFill>
+              <a:prstDash val="solid"/>
+              <a:miter lim="800000"/>
+              <a:headEnd/>
+              <a:tailEnd/>
+            </a:ln>
+            <a:extLst>
+              <a:ext uri="{909E8E84-426E-40DD-AFC4-6F175D3DCCD1}">
+                <a14:hiddenFill xmlns:a14="http://schemas.microsoft.com/office/drawing/2010/main">
+                  <a:solidFill>
+                    <a:srgbClr val="FFFFFF"/>
+                  </a:solidFill>
+                </a14:hiddenFill>
+              </a:ext>
+            </a:extLst>
+          </p:spPr>
+        </p:sp>
+        <p:sp>
+          <p:nvSpPr>
+            <p:cNvPr id="20" name="Freeform 15">
+              <a:extLst>
+                <a:ext uri="{FF2B5EF4-FFF2-40B4-BE49-F238E27FC236}">
+                  <a16:creationId xmlns:a16="http://schemas.microsoft.com/office/drawing/2014/main" id="{1851F69F-8755-4226-9A81-C27799E32B87}"/>
+                </a:ext>
+                <a:ext uri="{C183D7F6-B498-43B3-948B-1728B52AA6E4}">
+                  <adec:decorative xmlns:adec="http://schemas.microsoft.com/office/drawing/2017/decorative" val="1"/>
+                </a:ext>
+              </a:extLst>
+            </p:cNvPr>
+            <p:cNvSpPr/>
+            <p:nvPr>
+              <p:extLst>
+                <p:ext uri="{386F3935-93C4-4BCD-93E2-E3B085C9AB24}">
+                  <p16:designElem xmlns:p16="http://schemas.microsoft.com/office/powerpoint/2015/main" val="1"/>
+                </p:ext>
+              </p:extLst>
+            </p:nvPr>
+          </p:nvSpPr>
+          <p:spPr bwMode="auto">
+            <a:xfrm>
+              <a:off x="10802938" y="5518150"/>
+              <a:ext cx="1363663" cy="1325563"/>
+            </a:xfrm>
+            <a:custGeom>
+              <a:avLst/>
+              <a:gdLst/>
+              <a:ahLst/>
+              <a:cxnLst/>
+              <a:rect l="0" t="0" r="r" b="b"/>
+              <a:pathLst>
+                <a:path w="287" h="279">
+                  <a:moveTo>
+                    <a:pt x="0" y="279"/>
+                  </a:moveTo>
+                  <a:cubicBezTo>
+                    <a:pt x="101" y="193"/>
+                    <a:pt x="198" y="100"/>
+                    <a:pt x="287" y="0"/>
+                  </a:cubicBezTo>
+                </a:path>
+              </a:pathLst>
+            </a:custGeom>
+            <a:noFill/>
+            <a:ln w="9525" cap="flat">
+              <a:solidFill>
+                <a:schemeClr val="tx1">
+                  <a:alpha val="20000"/>
+                </a:schemeClr>
+              </a:solidFill>
+              <a:prstDash val="solid"/>
+              <a:miter lim="800000"/>
+              <a:headEnd/>
+              <a:tailEnd/>
+            </a:ln>
+            <a:extLst>
+              <a:ext uri="{909E8E84-426E-40DD-AFC4-6F175D3DCCD1}">
+                <a14:hiddenFill xmlns:a14="http://schemas.microsoft.com/office/drawing/2010/main">
+                  <a:solidFill>
+                    <a:srgbClr val="FFFFFF"/>
+                  </a:solidFill>
+                </a14:hiddenFill>
+              </a:ext>
+            </a:extLst>
+          </p:spPr>
+        </p:sp>
+        <p:sp>
+          <p:nvSpPr>
+            <p:cNvPr id="21" name="Freeform 16">
+              <a:extLst>
+                <a:ext uri="{FF2B5EF4-FFF2-40B4-BE49-F238E27FC236}">
+                  <a16:creationId xmlns:a16="http://schemas.microsoft.com/office/drawing/2014/main" id="{D85B97EF-28BC-441A-9EBB-81EF34094A7C}"/>
+                </a:ext>
+                <a:ext uri="{C183D7F6-B498-43B3-948B-1728B52AA6E4}">
+                  <adec:decorative xmlns:adec="http://schemas.microsoft.com/office/drawing/2017/decorative" val="1"/>
+                </a:ext>
+              </a:extLst>
+            </p:cNvPr>
+            <p:cNvSpPr/>
+            <p:nvPr>
+              <p:extLst>
+                <p:ext uri="{386F3935-93C4-4BCD-93E2-E3B085C9AB24}">
+                  <p16:designElem xmlns:p16="http://schemas.microsoft.com/office/powerpoint/2015/main" val="1"/>
+                </p:ext>
+              </p:extLst>
+            </p:nvPr>
+          </p:nvSpPr>
+          <p:spPr bwMode="auto">
+            <a:xfrm>
+              <a:off x="889000" y="0"/>
+              <a:ext cx="3230563" cy="6843713"/>
+            </a:xfrm>
+            <a:custGeom>
+              <a:avLst/>
+              <a:gdLst/>
+              <a:ahLst/>
+              <a:cxnLst/>
+              <a:rect l="0" t="0" r="r" b="b"/>
+              <a:pathLst>
+                <a:path w="680" h="1440">
+                  <a:moveTo>
+                    <a:pt x="680" y="0"/>
+                  </a:moveTo>
+                  <a:cubicBezTo>
+                    <a:pt x="257" y="265"/>
+                    <a:pt x="0" y="1026"/>
+                    <a:pt x="337" y="1440"/>
+                  </a:cubicBezTo>
+                </a:path>
+              </a:pathLst>
+            </a:custGeom>
+            <a:noFill/>
+            <a:ln w="9525" cap="flat">
+              <a:solidFill>
+                <a:schemeClr val="tx1">
+                  <a:alpha val="20000"/>
+                </a:schemeClr>
+              </a:solidFill>
+              <a:prstDash val="solid"/>
+              <a:miter lim="800000"/>
+              <a:headEnd/>
+              <a:tailEnd/>
+            </a:ln>
+            <a:extLst>
+              <a:ext uri="{909E8E84-426E-40DD-AFC4-6F175D3DCCD1}">
+                <a14:hiddenFill xmlns:a14="http://schemas.microsoft.com/office/drawing/2010/main">
+                  <a:solidFill>
+                    <a:srgbClr val="FFFFFF"/>
+                  </a:solidFill>
+                </a14:hiddenFill>
+              </a:ext>
+            </a:extLst>
+          </p:spPr>
+        </p:sp>
+        <p:sp>
+          <p:nvSpPr>
+            <p:cNvPr id="22" name="Freeform 17">
+              <a:extLst>
+                <a:ext uri="{FF2B5EF4-FFF2-40B4-BE49-F238E27FC236}">
+                  <a16:creationId xmlns:a16="http://schemas.microsoft.com/office/drawing/2014/main" id="{7C68D975-1EC2-4BFA-811D-0454109E3B21}"/>
+                </a:ext>
+                <a:ext uri="{C183D7F6-B498-43B3-948B-1728B52AA6E4}">
+                  <adec:decorative xmlns:adec="http://schemas.microsoft.com/office/drawing/2017/decorative" val="1"/>
+                </a:ext>
+              </a:extLst>
+            </p:cNvPr>
+            <p:cNvSpPr/>
+            <p:nvPr>
+              <p:extLst>
+                <p:ext uri="{386F3935-93C4-4BCD-93E2-E3B085C9AB24}">
+                  <p16:designElem xmlns:p16="http://schemas.microsoft.com/office/powerpoint/2015/main" val="1"/>
+                </p:ext>
+              </p:extLst>
+            </p:nvPr>
+          </p:nvSpPr>
+          <p:spPr bwMode="auto">
+            <a:xfrm>
+              <a:off x="10979150" y="5694363"/>
+              <a:ext cx="1187450" cy="1149350"/>
+            </a:xfrm>
+            <a:custGeom>
+              <a:avLst/>
+              <a:gdLst/>
+              <a:ahLst/>
+              <a:cxnLst/>
+              <a:rect l="0" t="0" r="r" b="b"/>
+              <a:pathLst>
+                <a:path w="250" h="242">
+                  <a:moveTo>
+                    <a:pt x="0" y="242"/>
+                  </a:moveTo>
+                  <a:cubicBezTo>
+                    <a:pt x="88" y="166"/>
+                    <a:pt x="172" y="85"/>
+                    <a:pt x="250" y="0"/>
+                  </a:cubicBezTo>
+                </a:path>
+              </a:pathLst>
+            </a:custGeom>
+            <a:noFill/>
+            <a:ln w="9525" cap="flat">
+              <a:solidFill>
+                <a:schemeClr val="tx1">
+                  <a:alpha val="20000"/>
+                </a:schemeClr>
+              </a:solidFill>
+              <a:prstDash val="solid"/>
+              <a:miter lim="800000"/>
+              <a:headEnd/>
+              <a:tailEnd/>
+            </a:ln>
+            <a:extLst>
+              <a:ext uri="{909E8E84-426E-40DD-AFC4-6F175D3DCCD1}">
+                <a14:hiddenFill xmlns:a14="http://schemas.microsoft.com/office/drawing/2010/main">
+                  <a:solidFill>
+                    <a:srgbClr val="FFFFFF"/>
+                  </a:solidFill>
+                </a14:hiddenFill>
+              </a:ext>
+            </a:extLst>
+          </p:spPr>
+        </p:sp>
+        <p:sp>
+          <p:nvSpPr>
+            <p:cNvPr id="23" name="Freeform 18">
+              <a:extLst>
+                <a:ext uri="{FF2B5EF4-FFF2-40B4-BE49-F238E27FC236}">
+                  <a16:creationId xmlns:a16="http://schemas.microsoft.com/office/drawing/2014/main" id="{251959DD-2AB4-4342-8A28-A252939263F7}"/>
+                </a:ext>
+                <a:ext uri="{C183D7F6-B498-43B3-948B-1728B52AA6E4}">
+                  <adec:decorative xmlns:adec="http://schemas.microsoft.com/office/drawing/2017/decorative" val="1"/>
+                </a:ext>
+              </a:extLst>
+            </p:cNvPr>
+            <p:cNvSpPr/>
+            <p:nvPr>
+              <p:extLst>
+                <p:ext uri="{386F3935-93C4-4BCD-93E2-E3B085C9AB24}">
+                  <p16:designElem xmlns:p16="http://schemas.microsoft.com/office/powerpoint/2015/main" val="1"/>
+                </p:ext>
+              </p:extLst>
+            </p:nvPr>
+          </p:nvSpPr>
+          <p:spPr bwMode="auto">
+            <a:xfrm>
+              <a:off x="484188" y="0"/>
+              <a:ext cx="3421063" cy="6843713"/>
+            </a:xfrm>
+            <a:custGeom>
+              <a:avLst/>
+              <a:gdLst/>
+              <a:ahLst/>
+              <a:cxnLst/>
+              <a:rect l="0" t="0" r="r" b="b"/>
+              <a:pathLst>
+                <a:path w="720" h="1440">
+                  <a:moveTo>
+                    <a:pt x="720" y="0"/>
+                  </a:moveTo>
+                  <a:cubicBezTo>
+                    <a:pt x="316" y="282"/>
+                    <a:pt x="0" y="1018"/>
+                    <a:pt x="362" y="1440"/>
+                  </a:cubicBezTo>
+                </a:path>
+              </a:pathLst>
+            </a:custGeom>
+            <a:noFill/>
+            <a:ln w="9525" cap="flat">
+              <a:solidFill>
+                <a:schemeClr val="tx1">
+                  <a:alpha val="20000"/>
+                </a:schemeClr>
+              </a:solidFill>
+              <a:prstDash val="solid"/>
+              <a:miter lim="800000"/>
+              <a:headEnd/>
+              <a:tailEnd/>
+            </a:ln>
+            <a:extLst>
+              <a:ext uri="{909E8E84-426E-40DD-AFC4-6F175D3DCCD1}">
+                <a14:hiddenFill xmlns:a14="http://schemas.microsoft.com/office/drawing/2010/main">
+                  <a:solidFill>
+                    <a:srgbClr val="FFFFFF"/>
+                  </a:solidFill>
+                </a14:hiddenFill>
+              </a:ext>
+            </a:extLst>
+          </p:spPr>
+        </p:sp>
+        <p:sp>
+          <p:nvSpPr>
+            <p:cNvPr id="24" name="Freeform 19">
+              <a:extLst>
+                <a:ext uri="{FF2B5EF4-FFF2-40B4-BE49-F238E27FC236}">
+                  <a16:creationId xmlns:a16="http://schemas.microsoft.com/office/drawing/2014/main" id="{785D37AB-3782-4D04-A998-0C126E1BDFF2}"/>
+                </a:ext>
+                <a:ext uri="{C183D7F6-B498-43B3-948B-1728B52AA6E4}">
+                  <adec:decorative xmlns:adec="http://schemas.microsoft.com/office/drawing/2017/decorative" val="1"/>
+                </a:ext>
+              </a:extLst>
+            </p:cNvPr>
+            <p:cNvSpPr/>
+            <p:nvPr>
+              <p:extLst>
+                <p:ext uri="{386F3935-93C4-4BCD-93E2-E3B085C9AB24}">
+                  <p16:designElem xmlns:p16="http://schemas.microsoft.com/office/powerpoint/2015/main" val="1"/>
+                </p:ext>
+              </p:extLst>
+            </p:nvPr>
+          </p:nvSpPr>
+          <p:spPr bwMode="auto">
+            <a:xfrm>
+              <a:off x="11287125" y="6049963"/>
+              <a:ext cx="879475" cy="793750"/>
+            </a:xfrm>
+            <a:custGeom>
+              <a:avLst/>
+              <a:gdLst/>
+              <a:ahLst/>
+              <a:cxnLst/>
+              <a:rect l="0" t="0" r="r" b="b"/>
+              <a:pathLst>
+                <a:path w="185" h="167">
+                  <a:moveTo>
+                    <a:pt x="0" y="167"/>
+                  </a:moveTo>
+                  <a:cubicBezTo>
+                    <a:pt x="63" y="114"/>
+                    <a:pt x="125" y="58"/>
+                    <a:pt x="185" y="0"/>
+                  </a:cubicBezTo>
+                </a:path>
+              </a:pathLst>
+            </a:custGeom>
+            <a:noFill/>
+            <a:ln w="9525" cap="flat">
+              <a:solidFill>
+                <a:schemeClr val="tx1">
+                  <a:alpha val="20000"/>
+                </a:schemeClr>
+              </a:solidFill>
+              <a:prstDash val="solid"/>
+              <a:miter lim="800000"/>
+              <a:headEnd/>
+              <a:tailEnd/>
+            </a:ln>
+            <a:extLst>
+              <a:ext uri="{909E8E84-426E-40DD-AFC4-6F175D3DCCD1}">
+                <a14:hiddenFill xmlns:a14="http://schemas.microsoft.com/office/drawing/2010/main">
+                  <a:solidFill>
+                    <a:srgbClr val="FFFFFF"/>
+                  </a:solidFill>
+                </a14:hiddenFill>
+              </a:ext>
+            </a:extLst>
+          </p:spPr>
+        </p:sp>
+        <p:sp>
+          <p:nvSpPr>
+            <p:cNvPr id="25" name="Freeform 20">
+              <a:extLst>
+                <a:ext uri="{FF2B5EF4-FFF2-40B4-BE49-F238E27FC236}">
+                  <a16:creationId xmlns:a16="http://schemas.microsoft.com/office/drawing/2014/main" id="{9313ACA4-E3EA-43A3-822B-DD5DF119D133}"/>
+                </a:ext>
+                <a:ext uri="{C183D7F6-B498-43B3-948B-1728B52AA6E4}">
+                  <adec:decorative xmlns:adec="http://schemas.microsoft.com/office/drawing/2017/decorative" val="1"/>
+                </a:ext>
+              </a:extLst>
+            </p:cNvPr>
+            <p:cNvSpPr/>
+            <p:nvPr>
+              <p:extLst>
+                <p:ext uri="{386F3935-93C4-4BCD-93E2-E3B085C9AB24}">
+                  <p16:designElem xmlns:p16="http://schemas.microsoft.com/office/powerpoint/2015/main" val="1"/>
+                </p:ext>
+              </p:extLst>
+            </p:nvPr>
+          </p:nvSpPr>
+          <p:spPr bwMode="auto">
+            <a:xfrm>
+              <a:off x="598488" y="0"/>
+              <a:ext cx="2717800" cy="6843713"/>
+            </a:xfrm>
+            <a:custGeom>
+              <a:avLst/>
+              <a:gdLst/>
+              <a:ahLst/>
+              <a:cxnLst/>
+              <a:rect l="0" t="0" r="r" b="b"/>
+              <a:pathLst>
+                <a:path w="572" h="1440">
+                  <a:moveTo>
+                    <a:pt x="572" y="0"/>
+                  </a:moveTo>
+                  <a:cubicBezTo>
+                    <a:pt x="213" y="320"/>
+                    <a:pt x="0" y="979"/>
+                    <a:pt x="164" y="1440"/>
+                  </a:cubicBezTo>
+                </a:path>
+              </a:pathLst>
+            </a:custGeom>
+            <a:noFill/>
+            <a:ln w="12700" cap="flat">
+              <a:solidFill>
+                <a:schemeClr val="tx1">
+                  <a:alpha val="20000"/>
+                </a:schemeClr>
+              </a:solidFill>
+              <a:prstDash val="dashDot"/>
+              <a:miter lim="800000"/>
+              <a:headEnd/>
+              <a:tailEnd/>
+            </a:ln>
+            <a:extLst>
+              <a:ext uri="{909E8E84-426E-40DD-AFC4-6F175D3DCCD1}">
+                <a14:hiddenFill xmlns:a14="http://schemas.microsoft.com/office/drawing/2010/main">
+                  <a:solidFill>
+                    <a:srgbClr val="FFFFFF"/>
+                  </a:solidFill>
+                </a14:hiddenFill>
+              </a:ext>
+            </a:extLst>
+          </p:spPr>
+        </p:sp>
+        <p:sp>
+          <p:nvSpPr>
+            <p:cNvPr id="26" name="Freeform 21">
+              <a:extLst>
+                <a:ext uri="{FF2B5EF4-FFF2-40B4-BE49-F238E27FC236}">
+                  <a16:creationId xmlns:a16="http://schemas.microsoft.com/office/drawing/2014/main" id="{5A98D1AB-DF34-414B-9696-4B671EC20B93}"/>
+                </a:ext>
+                <a:ext uri="{C183D7F6-B498-43B3-948B-1728B52AA6E4}">
+                  <adec:decorative xmlns:adec="http://schemas.microsoft.com/office/drawing/2017/decorative" val="1"/>
+                </a:ext>
+              </a:extLst>
+            </p:cNvPr>
+            <p:cNvSpPr/>
+            <p:nvPr>
+              <p:extLst>
+                <p:ext uri="{386F3935-93C4-4BCD-93E2-E3B085C9AB24}">
+                  <p16:designElem xmlns:p16="http://schemas.microsoft.com/office/powerpoint/2015/main" val="1"/>
+                </p:ext>
+              </p:extLst>
+            </p:nvPr>
+          </p:nvSpPr>
+          <p:spPr bwMode="auto">
+            <a:xfrm>
+              <a:off x="261938" y="0"/>
+              <a:ext cx="2944813" cy="6843713"/>
+            </a:xfrm>
+            <a:custGeom>
+              <a:avLst/>
+              <a:gdLst/>
+              <a:ahLst/>
+              <a:cxnLst/>
+              <a:rect l="0" t="0" r="r" b="b"/>
+              <a:pathLst>
+                <a:path w="620" h="1440">
+                  <a:moveTo>
+                    <a:pt x="620" y="0"/>
+                  </a:moveTo>
+                  <a:cubicBezTo>
+                    <a:pt x="248" y="325"/>
+                    <a:pt x="0" y="960"/>
+                    <a:pt x="186" y="1440"/>
+                  </a:cubicBezTo>
+                </a:path>
+              </a:pathLst>
+            </a:custGeom>
+            <a:noFill/>
+            <a:ln w="9525" cap="flat">
+              <a:solidFill>
+                <a:schemeClr val="tx1">
+                  <a:alpha val="20000"/>
+                </a:schemeClr>
+              </a:solidFill>
+              <a:prstDash val="lgDash"/>
+              <a:miter lim="800000"/>
+              <a:headEnd/>
+              <a:tailEnd/>
+            </a:ln>
+            <a:extLst>
+              <a:ext uri="{909E8E84-426E-40DD-AFC4-6F175D3DCCD1}">
+                <a14:hiddenFill xmlns:a14="http://schemas.microsoft.com/office/drawing/2010/main">
+                  <a:solidFill>
+                    <a:srgbClr val="FFFFFF"/>
+                  </a:solidFill>
+                </a14:hiddenFill>
+              </a:ext>
+            </a:extLst>
+          </p:spPr>
+        </p:sp>
+        <p:sp>
+          <p:nvSpPr>
+            <p:cNvPr id="27" name="Freeform 22">
+              <a:extLst>
+                <a:ext uri="{FF2B5EF4-FFF2-40B4-BE49-F238E27FC236}">
+                  <a16:creationId xmlns:a16="http://schemas.microsoft.com/office/drawing/2014/main" id="{8153A7D0-F980-48CC-B318-806C679F4868}"/>
+                </a:ext>
+                <a:ext uri="{C183D7F6-B498-43B3-948B-1728B52AA6E4}">
+                  <adec:decorative xmlns:adec="http://schemas.microsoft.com/office/drawing/2017/decorative" val="1"/>
+                </a:ext>
+              </a:extLst>
+            </p:cNvPr>
+            <p:cNvSpPr/>
+            <p:nvPr>
+              <p:extLst>
+                <p:ext uri="{386F3935-93C4-4BCD-93E2-E3B085C9AB24}">
+                  <p16:designElem xmlns:p16="http://schemas.microsoft.com/office/powerpoint/2015/main" val="1"/>
+                </p:ext>
+              </p:extLst>
+            </p:nvPr>
+          </p:nvSpPr>
+          <p:spPr bwMode="auto">
+            <a:xfrm>
+              <a:off x="-417513" y="0"/>
+              <a:ext cx="2403475" cy="6843713"/>
+            </a:xfrm>
+            <a:custGeom>
+              <a:avLst/>
+              <a:gdLst/>
+              <a:ahLst/>
+              <a:cxnLst/>
+              <a:rect l="0" t="0" r="r" b="b"/>
+              <a:pathLst>
+                <a:path w="506" h="1440">
+                  <a:moveTo>
+                    <a:pt x="506" y="0"/>
+                  </a:moveTo>
+                  <a:cubicBezTo>
+                    <a:pt x="109" y="356"/>
+                    <a:pt x="0" y="943"/>
+                    <a:pt x="171" y="1440"/>
+                  </a:cubicBezTo>
+                </a:path>
+              </a:pathLst>
+            </a:custGeom>
+            <a:noFill/>
+            <a:ln w="9525" cap="flat">
+              <a:solidFill>
+                <a:schemeClr val="tx1">
+                  <a:alpha val="20000"/>
+                </a:schemeClr>
+              </a:solidFill>
+              <a:prstDash val="solid"/>
+              <a:miter lim="800000"/>
+              <a:headEnd/>
+              <a:tailEnd/>
+            </a:ln>
+            <a:extLst>
+              <a:ext uri="{909E8E84-426E-40DD-AFC4-6F175D3DCCD1}">
+                <a14:hiddenFill xmlns:a14="http://schemas.microsoft.com/office/drawing/2010/main">
+                  <a:solidFill>
+                    <a:srgbClr val="FFFFFF"/>
+                  </a:solidFill>
+                </a14:hiddenFill>
+              </a:ext>
+            </a:extLst>
+          </p:spPr>
+        </p:sp>
+        <p:sp>
+          <p:nvSpPr>
+            <p:cNvPr id="28" name="Freeform 23">
+              <a:extLst>
+                <a:ext uri="{FF2B5EF4-FFF2-40B4-BE49-F238E27FC236}">
+                  <a16:creationId xmlns:a16="http://schemas.microsoft.com/office/drawing/2014/main" id="{96E44097-7726-43F7-9E27-8BD5BCF89A0B}"/>
+                </a:ext>
+                <a:ext uri="{C183D7F6-B498-43B3-948B-1728B52AA6E4}">
+                  <adec:decorative xmlns:adec="http://schemas.microsoft.com/office/drawing/2017/decorative" val="1"/>
+                </a:ext>
+              </a:extLst>
+            </p:cNvPr>
+            <p:cNvSpPr/>
+            <p:nvPr>
+              <p:extLst>
+                <p:ext uri="{386F3935-93C4-4BCD-93E2-E3B085C9AB24}">
+                  <p16:designElem xmlns:p16="http://schemas.microsoft.com/office/powerpoint/2015/main" val="1"/>
+                </p:ext>
+              </p:extLst>
+            </p:nvPr>
+          </p:nvSpPr>
+          <p:spPr bwMode="auto">
+            <a:xfrm>
+              <a:off x="14288" y="9525"/>
+              <a:ext cx="1771650" cy="3198813"/>
+            </a:xfrm>
+            <a:custGeom>
+              <a:avLst/>
+              <a:gdLst/>
+              <a:ahLst/>
+              <a:cxnLst/>
+              <a:rect l="0" t="0" r="r" b="b"/>
+              <a:pathLst>
+                <a:path w="373" h="673">
+                  <a:moveTo>
+                    <a:pt x="373" y="0"/>
+                  </a:moveTo>
+                  <a:cubicBezTo>
+                    <a:pt x="175" y="183"/>
+                    <a:pt x="51" y="409"/>
+                    <a:pt x="0" y="673"/>
+                  </a:cubicBezTo>
+                </a:path>
+              </a:pathLst>
+            </a:custGeom>
+            <a:noFill/>
+            <a:ln w="9525" cap="flat">
+              <a:solidFill>
+                <a:schemeClr val="tx1">
+                  <a:alpha val="20000"/>
+                </a:schemeClr>
+              </a:solidFill>
+              <a:prstDash val="solid"/>
+              <a:miter lim="800000"/>
+              <a:headEnd/>
+              <a:tailEnd/>
+            </a:ln>
+            <a:extLst>
+              <a:ext uri="{909E8E84-426E-40DD-AFC4-6F175D3DCCD1}">
+                <a14:hiddenFill xmlns:a14="http://schemas.microsoft.com/office/drawing/2010/main">
+                  <a:solidFill>
+                    <a:srgbClr val="FFFFFF"/>
+                  </a:solidFill>
+                </a14:hiddenFill>
+              </a:ext>
+            </a:extLst>
+          </p:spPr>
+        </p:sp>
+        <p:sp>
+          <p:nvSpPr>
+            <p:cNvPr id="29" name="Freeform 24">
+              <a:extLst>
+                <a:ext uri="{FF2B5EF4-FFF2-40B4-BE49-F238E27FC236}">
+                  <a16:creationId xmlns:a16="http://schemas.microsoft.com/office/drawing/2014/main" id="{65B28630-DA3C-4E4C-94ED-0ED8F353C053}"/>
+                </a:ext>
+                <a:ext uri="{C183D7F6-B498-43B3-948B-1728B52AA6E4}">
+                  <adec:decorative xmlns:adec="http://schemas.microsoft.com/office/drawing/2017/decorative" val="1"/>
+                </a:ext>
+              </a:extLst>
+            </p:cNvPr>
+            <p:cNvSpPr/>
+            <p:nvPr>
+              <p:extLst>
+                <p:ext uri="{386F3935-93C4-4BCD-93E2-E3B085C9AB24}">
+                  <p16:designElem xmlns:p16="http://schemas.microsoft.com/office/powerpoint/2015/main" val="1"/>
+                </p:ext>
+              </p:extLst>
+            </p:nvPr>
+          </p:nvSpPr>
+          <p:spPr bwMode="auto">
+            <a:xfrm>
+              <a:off x="4763" y="6016625"/>
+              <a:ext cx="214313" cy="827088"/>
+            </a:xfrm>
+            <a:custGeom>
+              <a:avLst/>
+              <a:gdLst/>
+              <a:ahLst/>
+              <a:cxnLst/>
+              <a:rect l="0" t="0" r="r" b="b"/>
+              <a:pathLst>
+                <a:path w="45" h="174">
+                  <a:moveTo>
+                    <a:pt x="0" y="0"/>
+                  </a:moveTo>
+                  <a:cubicBezTo>
+                    <a:pt x="11" y="59"/>
+                    <a:pt x="26" y="118"/>
+                    <a:pt x="45" y="174"/>
+                  </a:cubicBezTo>
+                </a:path>
+              </a:pathLst>
+            </a:custGeom>
+            <a:noFill/>
+            <a:ln w="9525" cap="flat">
+              <a:solidFill>
+                <a:schemeClr val="tx1">
+                  <a:alpha val="20000"/>
+                </a:schemeClr>
+              </a:solidFill>
+              <a:prstDash val="solid"/>
+              <a:miter lim="800000"/>
+              <a:headEnd/>
+              <a:tailEnd/>
+            </a:ln>
+            <a:extLst>
+              <a:ext uri="{909E8E84-426E-40DD-AFC4-6F175D3DCCD1}">
+                <a14:hiddenFill xmlns:a14="http://schemas.microsoft.com/office/drawing/2010/main">
+                  <a:solidFill>
+                    <a:srgbClr val="FFFFFF"/>
+                  </a:solidFill>
+                </a14:hiddenFill>
+              </a:ext>
+            </a:extLst>
+          </p:spPr>
+        </p:sp>
+        <p:sp>
+          <p:nvSpPr>
+            <p:cNvPr id="30" name="Freeform 25">
+              <a:extLst>
+                <a:ext uri="{FF2B5EF4-FFF2-40B4-BE49-F238E27FC236}">
+                  <a16:creationId xmlns:a16="http://schemas.microsoft.com/office/drawing/2014/main" id="{1686151F-4919-4A15-9EC3-0329453ED63E}"/>
+                </a:ext>
+                <a:ext uri="{C183D7F6-B498-43B3-948B-1728B52AA6E4}">
+                  <adec:decorative xmlns:adec="http://schemas.microsoft.com/office/drawing/2017/decorative" val="1"/>
+                </a:ext>
+              </a:extLst>
+            </p:cNvPr>
+            <p:cNvSpPr/>
+            <p:nvPr>
+              <p:extLst>
+                <p:ext uri="{386F3935-93C4-4BCD-93E2-E3B085C9AB24}">
+                  <p16:designElem xmlns:p16="http://schemas.microsoft.com/office/powerpoint/2015/main" val="1"/>
+                </p:ext>
+              </p:extLst>
+            </p:nvPr>
+          </p:nvSpPr>
+          <p:spPr bwMode="auto">
+            <a:xfrm>
+              <a:off x="14288" y="0"/>
+              <a:ext cx="1562100" cy="2228850"/>
+            </a:xfrm>
+            <a:custGeom>
+              <a:avLst/>
+              <a:gdLst/>
+              <a:ahLst/>
+              <a:cxnLst/>
+              <a:rect l="0" t="0" r="r" b="b"/>
+              <a:pathLst>
+                <a:path w="329" h="469">
+                  <a:moveTo>
+                    <a:pt x="329" y="0"/>
+                  </a:moveTo>
+                  <a:cubicBezTo>
+                    <a:pt x="189" y="133"/>
+                    <a:pt x="69" y="288"/>
+                    <a:pt x="0" y="469"/>
+                  </a:cubicBezTo>
+                </a:path>
+              </a:pathLst>
+            </a:custGeom>
+            <a:noFill/>
+            <a:ln w="9525" cap="flat">
+              <a:solidFill>
+                <a:schemeClr val="tx1">
+                  <a:alpha val="20000"/>
+                </a:schemeClr>
+              </a:solidFill>
+              <a:prstDash val="solid"/>
+              <a:miter lim="800000"/>
+              <a:headEnd/>
+              <a:tailEnd/>
+            </a:ln>
+            <a:extLst>
+              <a:ext uri="{909E8E84-426E-40DD-AFC4-6F175D3DCCD1}">
+                <a14:hiddenFill xmlns:a14="http://schemas.microsoft.com/office/drawing/2010/main">
+                  <a:solidFill>
+                    <a:srgbClr val="FFFFFF"/>
+                  </a:solidFill>
+                </a14:hiddenFill>
+              </a:ext>
+            </a:extLst>
+          </p:spPr>
+        </p:sp>
+      </p:grpSp>
+      <p:grpSp>
+        <p:nvGrpSpPr>
+          <p:cNvPr id="32" name="Group 31">
+            <a:extLst>
+              <a:ext uri="{FF2B5EF4-FFF2-40B4-BE49-F238E27FC236}">
+                <a16:creationId xmlns:a16="http://schemas.microsoft.com/office/drawing/2014/main" id="{E10C7CFA-FC7F-479C-9026-39109C0B5967}"/>
+              </a:ext>
+              <a:ext uri="{C183D7F6-B498-43B3-948B-1728B52AA6E4}">
+                <adec:decorative xmlns:adec="http://schemas.microsoft.com/office/drawing/2017/decorative" val="1"/>
+              </a:ext>
+            </a:extLst>
+          </p:cNvPr>
+          <p:cNvGrpSpPr>
+            <a:grpSpLocks noGrp="1" noUngrp="1" noRot="1" noChangeAspect="1" noMove="1" noResize="1"/>
+          </p:cNvGrpSpPr>
+          <p:nvPr>
+            <p:extLst>
+              <p:ext uri="{386F3935-93C4-4BCD-93E2-E3B085C9AB24}">
+                <p16:designElem xmlns:p16="http://schemas.microsoft.com/office/powerpoint/2015/main" val="1"/>
+              </p:ext>
+            </p:extLst>
+          </p:nvPr>
+        </p:nvGrpSpPr>
+        <p:grpSpPr>
+          <a:xfrm>
+            <a:off x="800144" y="1699589"/>
+            <a:ext cx="3674476" cy="3470421"/>
+            <a:chOff x="697883" y="1816768"/>
+            <a:chExt cx="3674476" cy="3470421"/>
+          </a:xfrm>
+        </p:grpSpPr>
+        <p:sp>
+          <p:nvSpPr>
+            <p:cNvPr id="33" name="Rectangle 32">
+              <a:extLst>
+                <a:ext uri="{FF2B5EF4-FFF2-40B4-BE49-F238E27FC236}">
+                  <a16:creationId xmlns:a16="http://schemas.microsoft.com/office/drawing/2014/main" id="{9971A5E3-BBAD-4023-B07C-7FBC4202D8A4}"/>
+                </a:ext>
+                <a:ext uri="{C183D7F6-B498-43B3-948B-1728B52AA6E4}">
+                  <adec:decorative xmlns:adec="http://schemas.microsoft.com/office/drawing/2017/decorative" val="1"/>
+                </a:ext>
+              </a:extLst>
+            </p:cNvPr>
+            <p:cNvSpPr/>
+            <p:nvPr>
+              <p:extLst>
+                <p:ext uri="{386F3935-93C4-4BCD-93E2-E3B085C9AB24}">
+                  <p16:designElem xmlns:p16="http://schemas.microsoft.com/office/powerpoint/2015/main" val="1"/>
+                </p:ext>
+              </p:extLst>
+            </p:nvPr>
+          </p:nvSpPr>
+          <p:spPr>
+            <a:xfrm>
+              <a:off x="697883" y="1816768"/>
+              <a:ext cx="3674476" cy="502920"/>
+            </a:xfrm>
+            <a:prstGeom prst="rect">
+              <a:avLst/>
+            </a:prstGeom>
+            <a:solidFill>
+              <a:schemeClr val="accent1"/>
+            </a:solidFill>
+            <a:ln>
+              <a:noFill/>
+            </a:ln>
+          </p:spPr>
+          <p:style>
+            <a:lnRef idx="2">
+              <a:schemeClr val="accent1">
+                <a:shade val="50000"/>
+              </a:schemeClr>
+            </a:lnRef>
+            <a:fillRef idx="1">
+              <a:schemeClr val="accent1"/>
+            </a:fillRef>
+            <a:effectRef idx="0">
+              <a:schemeClr val="accent1"/>
+            </a:effectRef>
+            <a:fontRef idx="minor">
+              <a:schemeClr val="lt1"/>
+            </a:fontRef>
+          </p:style>
+        </p:sp>
+        <p:sp>
+          <p:nvSpPr>
+            <p:cNvPr id="34" name="Isosceles Triangle 22">
+              <a:extLst>
+                <a:ext uri="{FF2B5EF4-FFF2-40B4-BE49-F238E27FC236}">
+                  <a16:creationId xmlns:a16="http://schemas.microsoft.com/office/drawing/2014/main" id="{FC05BA5F-5BBE-4BFA-A313-1554762332CD}"/>
+                </a:ext>
+                <a:ext uri="{C183D7F6-B498-43B3-948B-1728B52AA6E4}">
+                  <adec:decorative xmlns:adec="http://schemas.microsoft.com/office/drawing/2017/decorative" val="1"/>
+                </a:ext>
+              </a:extLst>
+            </p:cNvPr>
+            <p:cNvSpPr/>
+            <p:nvPr>
+              <p:extLst>
+                <p:ext uri="{386F3935-93C4-4BCD-93E2-E3B085C9AB24}">
+                  <p16:designElem xmlns:p16="http://schemas.microsoft.com/office/powerpoint/2015/main" val="1"/>
+                </p:ext>
+              </p:extLst>
+            </p:nvPr>
+          </p:nvSpPr>
+          <p:spPr>
+            <a:xfrm rot="10800000">
+              <a:off x="2380224" y="5014786"/>
+              <a:ext cx="315988" cy="272403"/>
+            </a:xfrm>
+            <a:prstGeom prst="triangle">
+              <a:avLst/>
+            </a:prstGeom>
+            <a:solidFill>
+              <a:schemeClr val="accent1"/>
+            </a:solidFill>
+            <a:ln>
+              <a:noFill/>
+            </a:ln>
+          </p:spPr>
+          <p:style>
+            <a:lnRef idx="2">
+              <a:schemeClr val="accent1">
+                <a:shade val="50000"/>
+              </a:schemeClr>
+            </a:lnRef>
+            <a:fillRef idx="1">
+              <a:schemeClr val="accent1"/>
+            </a:fillRef>
+            <a:effectRef idx="0">
+              <a:schemeClr val="accent1"/>
+            </a:effectRef>
+            <a:fontRef idx="minor">
+              <a:schemeClr val="lt1"/>
+            </a:fontRef>
+          </p:style>
+        </p:sp>
+        <p:sp>
+          <p:nvSpPr>
+            <p:cNvPr id="35" name="Rectangle 34">
+              <a:extLst>
+                <a:ext uri="{FF2B5EF4-FFF2-40B4-BE49-F238E27FC236}">
+                  <a16:creationId xmlns:a16="http://schemas.microsoft.com/office/drawing/2014/main" id="{5275B948-0170-4286-84CE-04CA461F274E}"/>
+                </a:ext>
+                <a:ext uri="{C183D7F6-B498-43B3-948B-1728B52AA6E4}">
+                  <adec:decorative xmlns:adec="http://schemas.microsoft.com/office/drawing/2017/decorative" val="1"/>
+                </a:ext>
+              </a:extLst>
+            </p:cNvPr>
+            <p:cNvSpPr/>
+            <p:nvPr>
+              <p:extLst>
+                <p:ext uri="{386F3935-93C4-4BCD-93E2-E3B085C9AB24}">
+                  <p16:designElem xmlns:p16="http://schemas.microsoft.com/office/powerpoint/2015/main" val="1"/>
+                </p:ext>
+              </p:extLst>
+            </p:nvPr>
+          </p:nvSpPr>
+          <p:spPr>
+            <a:xfrm>
+              <a:off x="704075" y="2392840"/>
+              <a:ext cx="3668284" cy="2624327"/>
+            </a:xfrm>
+            <a:prstGeom prst="rect">
+              <a:avLst/>
+            </a:prstGeom>
+            <a:solidFill>
+              <a:schemeClr val="accent1"/>
+            </a:solidFill>
+            <a:ln>
+              <a:noFill/>
+            </a:ln>
+          </p:spPr>
+          <p:style>
+            <a:lnRef idx="2">
+              <a:schemeClr val="accent1">
+                <a:shade val="50000"/>
+              </a:schemeClr>
+            </a:lnRef>
+            <a:fillRef idx="1">
+              <a:schemeClr val="accent1"/>
+            </a:fillRef>
+            <a:effectRef idx="0">
+              <a:schemeClr val="accent1"/>
+            </a:effectRef>
+            <a:fontRef idx="minor">
+              <a:schemeClr val="lt1"/>
+            </a:fontRef>
+          </p:style>
+        </p:sp>
+      </p:grpSp>
+      <p:sp useBgFill="1">
+        <p:nvSpPr>
+          <p:cNvPr id="37" name="Rectangle 36">
+            <a:extLst>
+              <a:ext uri="{FF2B5EF4-FFF2-40B4-BE49-F238E27FC236}">
+                <a16:creationId xmlns:a16="http://schemas.microsoft.com/office/drawing/2014/main" id="{48CAE4AE-A9DF-45AF-9A9C-1712BC63418E}"/>
+              </a:ext>
+              <a:ext uri="{C183D7F6-B498-43B3-948B-1728B52AA6E4}">
+                <adec:decorative xmlns:adec="http://schemas.microsoft.com/office/drawing/2017/decorative" val="1"/>
+              </a:ext>
+            </a:extLst>
+          </p:cNvPr>
+          <p:cNvSpPr>
+            <a:spLocks noGrp="1" noRot="1" noChangeAspect="1" noMove="1" noResize="1" noEditPoints="1" noAdjustHandles="1" noChangeArrowheads="1" noChangeShapeType="1" noTextEdit="1"/>
+          </p:cNvSpPr>
+          <p:nvPr>
+            <p:extLst>
+              <p:ext uri="{386F3935-93C4-4BCD-93E2-E3B085C9AB24}">
+                <p16:designElem xmlns:p16="http://schemas.microsoft.com/office/powerpoint/2015/main" val="1"/>
+              </p:ext>
+            </p:extLst>
+          </p:nvPr>
+        </p:nvSpPr>
+        <p:spPr>
+          <a:xfrm>
+            <a:off x="0" y="0"/>
+            <a:ext cx="12191695" cy="6858000"/>
+          </a:xfrm>
+          <a:prstGeom prst="rect">
+            <a:avLst/>
+          </a:prstGeom>
+          <a:ln>
+            <a:noFill/>
+          </a:ln>
+        </p:spPr>
+        <p:style>
+          <a:lnRef idx="2">
+            <a:schemeClr val="accent1">
+              <a:shade val="50000"/>
+            </a:schemeClr>
+          </a:lnRef>
+          <a:fillRef idx="1">
+            <a:schemeClr val="accent1"/>
+          </a:fillRef>
+          <a:effectRef idx="0">
+            <a:schemeClr val="accent1"/>
+          </a:effectRef>
+          <a:fontRef idx="minor">
+            <a:schemeClr val="lt1"/>
+          </a:fontRef>
+        </p:style>
+        <p:txBody>
+          <a:bodyPr rtlCol="0" anchor="ctr"/>
+          <a:lstStyle/>
+          <a:p>
+            <a:pPr algn="ctr"/>
+            <a:endParaRPr lang="en-US"/>
+          </a:p>
+        </p:txBody>
+      </p:sp>
+      <p:grpSp>
+        <p:nvGrpSpPr>
+          <p:cNvPr id="39" name="Group 38">
+            <a:extLst>
+              <a:ext uri="{FF2B5EF4-FFF2-40B4-BE49-F238E27FC236}">
+                <a16:creationId xmlns:a16="http://schemas.microsoft.com/office/drawing/2014/main" id="{6C272060-BC98-4C91-A58F-4DFEC566CF7F}"/>
+              </a:ext>
+              <a:ext uri="{C183D7F6-B498-43B3-948B-1728B52AA6E4}">
+                <adec:decorative xmlns:adec="http://schemas.microsoft.com/office/drawing/2017/decorative" val="1"/>
+              </a:ext>
+            </a:extLst>
+          </p:cNvPr>
+          <p:cNvGrpSpPr>
+            <a:grpSpLocks noGrp="1" noUngrp="1" noRot="1" noChangeAspect="1" noMove="1" noResize="1"/>
+          </p:cNvGrpSpPr>
+          <p:nvPr>
+            <p:extLst>
+              <p:ext uri="{386F3935-93C4-4BCD-93E2-E3B085C9AB24}">
+                <p16:designElem xmlns:p16="http://schemas.microsoft.com/office/powerpoint/2015/main" val="1"/>
+              </p:ext>
+            </p:extLst>
+          </p:nvPr>
+        </p:nvGrpSpPr>
+        <p:grpSpPr>
+          <a:xfrm>
+            <a:off x="-417513" y="0"/>
+            <a:ext cx="12584114" cy="6853238"/>
+            <a:chOff x="-417513" y="0"/>
+            <a:chExt cx="12584114" cy="6853238"/>
+          </a:xfrm>
+        </p:grpSpPr>
+        <p:sp>
+          <p:nvSpPr>
+            <p:cNvPr id="40" name="Freeform 5">
+              <a:extLst>
+                <a:ext uri="{FF2B5EF4-FFF2-40B4-BE49-F238E27FC236}">
+                  <a16:creationId xmlns:a16="http://schemas.microsoft.com/office/drawing/2014/main" id="{8BA2DCB9-0DC0-4109-B2A2-56896E35E664}"/>
+                </a:ext>
+                <a:ext uri="{C183D7F6-B498-43B3-948B-1728B52AA6E4}">
+                  <adec:decorative xmlns:adec="http://schemas.microsoft.com/office/drawing/2017/decorative" val="1"/>
+                </a:ext>
+              </a:extLst>
+            </p:cNvPr>
+            <p:cNvSpPr>
+              <a:spLocks/>
+            </p:cNvSpPr>
+            <p:nvPr>
+              <p:extLst>
+                <p:ext uri="{386F3935-93C4-4BCD-93E2-E3B085C9AB24}">
+                  <p16:designElem xmlns:p16="http://schemas.microsoft.com/office/powerpoint/2015/main" val="1"/>
+                </p:ext>
+              </p:extLst>
+            </p:nvPr>
+          </p:nvSpPr>
+          <p:spPr bwMode="auto">
+            <a:xfrm>
+              <a:off x="1306513" y="0"/>
+              <a:ext cx="3862388" cy="6843713"/>
+            </a:xfrm>
+            <a:custGeom>
+              <a:avLst/>
+              <a:gdLst>
+                <a:gd name="T0" fmla="*/ 813 w 813"/>
+                <a:gd name="T1" fmla="*/ 0 h 1440"/>
+                <a:gd name="T2" fmla="*/ 435 w 813"/>
+                <a:gd name="T3" fmla="*/ 1440 h 1440"/>
+              </a:gdLst>
+              <a:ahLst/>
+              <a:cxnLst>
+                <a:cxn ang="0">
+                  <a:pos x="T0" y="T1"/>
+                </a:cxn>
+                <a:cxn ang="0">
+                  <a:pos x="T2" y="T3"/>
+                </a:cxn>
+              </a:cxnLst>
+              <a:rect l="0" t="0" r="r" b="b"/>
+              <a:pathLst>
+                <a:path w="813" h="1440">
+                  <a:moveTo>
+                    <a:pt x="813" y="0"/>
+                  </a:moveTo>
+                  <a:cubicBezTo>
+                    <a:pt x="331" y="221"/>
+                    <a:pt x="0" y="1039"/>
+                    <a:pt x="435" y="1440"/>
+                  </a:cubicBezTo>
+                </a:path>
+              </a:pathLst>
+            </a:custGeom>
+            <a:noFill/>
+            <a:ln w="9525" cap="flat">
+              <a:solidFill>
+                <a:schemeClr val="tx1">
+                  <a:alpha val="20000"/>
+                </a:schemeClr>
+              </a:solidFill>
+              <a:prstDash val="solid"/>
+              <a:miter lim="800000"/>
+              <a:headEnd/>
+              <a:tailEnd/>
+            </a:ln>
+            <a:extLst>
+              <a:ext uri="{909E8E84-426E-40DD-AFC4-6F175D3DCCD1}">
+                <a14:hiddenFill xmlns:a14="http://schemas.microsoft.com/office/drawing/2010/main">
+                  <a:solidFill>
+                    <a:srgbClr val="FFFFFF"/>
+                  </a:solidFill>
+                </a14:hiddenFill>
+              </a:ext>
+            </a:extLst>
+          </p:spPr>
+          <p:txBody>
+            <a:bodyPr vert="horz" wrap="square" lIns="91440" tIns="45720" rIns="91440" bIns="45720" numCol="1" anchor="t" anchorCtr="0" compatLnSpc="1">
+              <a:prstTxWarp prst="textNoShape">
+                <a:avLst/>
+              </a:prstTxWarp>
+            </a:bodyPr>
+            <a:lstStyle/>
+            <a:p>
+              <a:endParaRPr lang="en-US"/>
+            </a:p>
+          </p:txBody>
+        </p:sp>
+        <p:sp>
+          <p:nvSpPr>
+            <p:cNvPr id="41" name="Freeform 6">
+              <a:extLst>
+                <a:ext uri="{FF2B5EF4-FFF2-40B4-BE49-F238E27FC236}">
+                  <a16:creationId xmlns:a16="http://schemas.microsoft.com/office/drawing/2014/main" id="{64A33555-1142-4AD7-8084-1A99422A1186}"/>
+                </a:ext>
+                <a:ext uri="{C183D7F6-B498-43B3-948B-1728B52AA6E4}">
+                  <adec:decorative xmlns:adec="http://schemas.microsoft.com/office/drawing/2017/decorative" val="1"/>
+                </a:ext>
+              </a:extLst>
+            </p:cNvPr>
+            <p:cNvSpPr>
+              <a:spLocks/>
+            </p:cNvSpPr>
+            <p:nvPr>
+              <p:extLst>
+                <p:ext uri="{386F3935-93C4-4BCD-93E2-E3B085C9AB24}">
+                  <p16:designElem xmlns:p16="http://schemas.microsoft.com/office/powerpoint/2015/main" val="1"/>
+                </p:ext>
+              </p:extLst>
+            </p:nvPr>
+          </p:nvSpPr>
+          <p:spPr bwMode="auto">
+            <a:xfrm>
+              <a:off x="10626725" y="9525"/>
+              <a:ext cx="1539875" cy="555625"/>
+            </a:xfrm>
+            <a:custGeom>
+              <a:avLst/>
+              <a:gdLst>
+                <a:gd name="T0" fmla="*/ 324 w 324"/>
+                <a:gd name="T1" fmla="*/ 117 h 117"/>
+                <a:gd name="T2" fmla="*/ 0 w 324"/>
+                <a:gd name="T3" fmla="*/ 0 h 117"/>
+              </a:gdLst>
+              <a:ahLst/>
+              <a:cxnLst>
+                <a:cxn ang="0">
+                  <a:pos x="T0" y="T1"/>
+                </a:cxn>
+                <a:cxn ang="0">
+                  <a:pos x="T2" y="T3"/>
+                </a:cxn>
+              </a:cxnLst>
+              <a:rect l="0" t="0" r="r" b="b"/>
+              <a:pathLst>
+                <a:path w="324" h="117">
+                  <a:moveTo>
+                    <a:pt x="324" y="117"/>
+                  </a:moveTo>
+                  <a:cubicBezTo>
+                    <a:pt x="223" y="64"/>
+                    <a:pt x="107" y="28"/>
+                    <a:pt x="0" y="0"/>
+                  </a:cubicBezTo>
+                </a:path>
+              </a:pathLst>
+            </a:custGeom>
+            <a:noFill/>
+            <a:ln w="9525" cap="flat">
+              <a:solidFill>
+                <a:schemeClr val="tx1">
+                  <a:alpha val="20000"/>
+                </a:schemeClr>
+              </a:solidFill>
+              <a:prstDash val="solid"/>
+              <a:miter lim="800000"/>
+              <a:headEnd/>
+              <a:tailEnd/>
+            </a:ln>
+            <a:extLst>
+              <a:ext uri="{909E8E84-426E-40DD-AFC4-6F175D3DCCD1}">
+                <a14:hiddenFill xmlns:a14="http://schemas.microsoft.com/office/drawing/2010/main">
+                  <a:solidFill>
+                    <a:srgbClr val="FFFFFF"/>
+                  </a:solidFill>
+                </a14:hiddenFill>
+              </a:ext>
+            </a:extLst>
+          </p:spPr>
+          <p:txBody>
+            <a:bodyPr vert="horz" wrap="square" lIns="91440" tIns="45720" rIns="91440" bIns="45720" numCol="1" anchor="t" anchorCtr="0" compatLnSpc="1">
+              <a:prstTxWarp prst="textNoShape">
+                <a:avLst/>
+              </a:prstTxWarp>
+            </a:bodyPr>
+            <a:lstStyle/>
+            <a:p>
+              <a:endParaRPr lang="en-US"/>
+            </a:p>
+          </p:txBody>
+        </p:sp>
+        <p:sp>
+          <p:nvSpPr>
+            <p:cNvPr id="42" name="Freeform 7">
+              <a:extLst>
+                <a:ext uri="{FF2B5EF4-FFF2-40B4-BE49-F238E27FC236}">
+                  <a16:creationId xmlns:a16="http://schemas.microsoft.com/office/drawing/2014/main" id="{BC6E4081-1A88-453E-8CCF-B97B0CE20DF4}"/>
+                </a:ext>
+                <a:ext uri="{C183D7F6-B498-43B3-948B-1728B52AA6E4}">
+                  <adec:decorative xmlns:adec="http://schemas.microsoft.com/office/drawing/2017/decorative" val="1"/>
+                </a:ext>
+              </a:extLst>
+            </p:cNvPr>
+            <p:cNvSpPr>
+              <a:spLocks/>
+            </p:cNvSpPr>
+            <p:nvPr>
+              <p:extLst>
+                <p:ext uri="{386F3935-93C4-4BCD-93E2-E3B085C9AB24}">
+                  <p16:designElem xmlns:p16="http://schemas.microsoft.com/office/powerpoint/2015/main" val="1"/>
+                </p:ext>
+              </p:extLst>
+            </p:nvPr>
+          </p:nvSpPr>
+          <p:spPr bwMode="auto">
+            <a:xfrm>
+              <a:off x="10247313" y="5013325"/>
+              <a:ext cx="1919288" cy="1830388"/>
+            </a:xfrm>
+            <a:custGeom>
+              <a:avLst/>
+              <a:gdLst>
+                <a:gd name="T0" fmla="*/ 0 w 404"/>
+                <a:gd name="T1" fmla="*/ 385 h 385"/>
+                <a:gd name="T2" fmla="*/ 404 w 404"/>
+                <a:gd name="T3" fmla="*/ 0 h 385"/>
+              </a:gdLst>
+              <a:ahLst/>
+              <a:cxnLst>
+                <a:cxn ang="0">
+                  <a:pos x="T0" y="T1"/>
+                </a:cxn>
+                <a:cxn ang="0">
+                  <a:pos x="T2" y="T3"/>
+                </a:cxn>
+              </a:cxnLst>
+              <a:rect l="0" t="0" r="r" b="b"/>
+              <a:pathLst>
+                <a:path w="404" h="385">
+                  <a:moveTo>
+                    <a:pt x="0" y="385"/>
+                  </a:moveTo>
+                  <a:cubicBezTo>
+                    <a:pt x="146" y="272"/>
+                    <a:pt x="285" y="142"/>
+                    <a:pt x="404" y="0"/>
+                  </a:cubicBezTo>
+                </a:path>
+              </a:pathLst>
+            </a:custGeom>
+            <a:noFill/>
+            <a:ln w="9525" cap="flat">
+              <a:solidFill>
+                <a:schemeClr val="tx1">
+                  <a:alpha val="20000"/>
+                </a:schemeClr>
+              </a:solidFill>
+              <a:prstDash val="solid"/>
+              <a:miter lim="800000"/>
+              <a:headEnd/>
+              <a:tailEnd/>
+            </a:ln>
+            <a:extLst>
+              <a:ext uri="{909E8E84-426E-40DD-AFC4-6F175D3DCCD1}">
+                <a14:hiddenFill xmlns:a14="http://schemas.microsoft.com/office/drawing/2010/main">
+                  <a:solidFill>
+                    <a:srgbClr val="FFFFFF"/>
+                  </a:solidFill>
+                </a14:hiddenFill>
+              </a:ext>
+            </a:extLst>
+          </p:spPr>
+          <p:txBody>
+            <a:bodyPr vert="horz" wrap="square" lIns="91440" tIns="45720" rIns="91440" bIns="45720" numCol="1" anchor="t" anchorCtr="0" compatLnSpc="1">
+              <a:prstTxWarp prst="textNoShape">
+                <a:avLst/>
+              </a:prstTxWarp>
+            </a:bodyPr>
+            <a:lstStyle/>
+            <a:p>
+              <a:endParaRPr lang="en-US"/>
+            </a:p>
+          </p:txBody>
+        </p:sp>
+        <p:sp>
+          <p:nvSpPr>
+            <p:cNvPr id="43" name="Freeform 8">
+              <a:extLst>
+                <a:ext uri="{FF2B5EF4-FFF2-40B4-BE49-F238E27FC236}">
+                  <a16:creationId xmlns:a16="http://schemas.microsoft.com/office/drawing/2014/main" id="{5B7E0935-6EE8-4C61-AED5-09B9A2A99AF0}"/>
+                </a:ext>
+                <a:ext uri="{C183D7F6-B498-43B3-948B-1728B52AA6E4}">
+                  <adec:decorative xmlns:adec="http://schemas.microsoft.com/office/drawing/2017/decorative" val="1"/>
+                </a:ext>
+              </a:extLst>
+            </p:cNvPr>
+            <p:cNvSpPr>
+              <a:spLocks/>
+            </p:cNvSpPr>
+            <p:nvPr>
+              <p:extLst>
+                <p:ext uri="{386F3935-93C4-4BCD-93E2-E3B085C9AB24}">
+                  <p16:designElem xmlns:p16="http://schemas.microsoft.com/office/powerpoint/2015/main" val="1"/>
+                </p:ext>
+              </p:extLst>
+            </p:nvPr>
+          </p:nvSpPr>
+          <p:spPr bwMode="auto">
+            <a:xfrm>
+              <a:off x="1120775" y="0"/>
+              <a:ext cx="3676650" cy="6843713"/>
+            </a:xfrm>
+            <a:custGeom>
+              <a:avLst/>
+              <a:gdLst>
+                <a:gd name="T0" fmla="*/ 774 w 774"/>
+                <a:gd name="T1" fmla="*/ 0 h 1440"/>
+                <a:gd name="T2" fmla="*/ 411 w 774"/>
+                <a:gd name="T3" fmla="*/ 1440 h 1440"/>
+              </a:gdLst>
+              <a:ahLst/>
+              <a:cxnLst>
+                <a:cxn ang="0">
+                  <a:pos x="T0" y="T1"/>
+                </a:cxn>
+                <a:cxn ang="0">
+                  <a:pos x="T2" y="T3"/>
+                </a:cxn>
+              </a:cxnLst>
+              <a:rect l="0" t="0" r="r" b="b"/>
+              <a:pathLst>
+                <a:path w="774" h="1440">
+                  <a:moveTo>
+                    <a:pt x="774" y="0"/>
+                  </a:moveTo>
+                  <a:cubicBezTo>
+                    <a:pt x="312" y="240"/>
+                    <a:pt x="0" y="1034"/>
+                    <a:pt x="411" y="1440"/>
+                  </a:cubicBezTo>
+                </a:path>
+              </a:pathLst>
+            </a:custGeom>
+            <a:noFill/>
+            <a:ln w="9525" cap="flat">
+              <a:solidFill>
+                <a:schemeClr val="tx1">
+                  <a:alpha val="20000"/>
+                </a:schemeClr>
+              </a:solidFill>
+              <a:prstDash val="dash"/>
+              <a:miter lim="800000"/>
+              <a:headEnd/>
+              <a:tailEnd/>
+            </a:ln>
+            <a:extLst>
+              <a:ext uri="{909E8E84-426E-40DD-AFC4-6F175D3DCCD1}">
+                <a14:hiddenFill xmlns:a14="http://schemas.microsoft.com/office/drawing/2010/main">
+                  <a:solidFill>
+                    <a:srgbClr val="FFFFFF"/>
+                  </a:solidFill>
+                </a14:hiddenFill>
+              </a:ext>
+            </a:extLst>
+          </p:spPr>
+          <p:txBody>
+            <a:bodyPr vert="horz" wrap="square" lIns="91440" tIns="45720" rIns="91440" bIns="45720" numCol="1" anchor="t" anchorCtr="0" compatLnSpc="1">
+              <a:prstTxWarp prst="textNoShape">
+                <a:avLst/>
+              </a:prstTxWarp>
+            </a:bodyPr>
+            <a:lstStyle/>
+            <a:p>
+              <a:endParaRPr lang="en-US"/>
+            </a:p>
+          </p:txBody>
+        </p:sp>
+        <p:sp>
+          <p:nvSpPr>
+            <p:cNvPr id="44" name="Freeform 9">
+              <a:extLst>
+                <a:ext uri="{FF2B5EF4-FFF2-40B4-BE49-F238E27FC236}">
+                  <a16:creationId xmlns:a16="http://schemas.microsoft.com/office/drawing/2014/main" id="{EB962BD6-C878-48FF-A75E-DCC7BDA3C33C}"/>
+                </a:ext>
+                <a:ext uri="{C183D7F6-B498-43B3-948B-1728B52AA6E4}">
+                  <adec:decorative xmlns:adec="http://schemas.microsoft.com/office/drawing/2017/decorative" val="1"/>
+                </a:ext>
+              </a:extLst>
+            </p:cNvPr>
+            <p:cNvSpPr>
+              <a:spLocks/>
+            </p:cNvSpPr>
+            <p:nvPr>
+              <p:extLst>
+                <p:ext uri="{386F3935-93C4-4BCD-93E2-E3B085C9AB24}">
+                  <p16:designElem xmlns:p16="http://schemas.microsoft.com/office/powerpoint/2015/main" val="1"/>
+                </p:ext>
+              </p:extLst>
+            </p:nvPr>
+          </p:nvSpPr>
+          <p:spPr bwMode="auto">
+            <a:xfrm>
+              <a:off x="11202988" y="9525"/>
+              <a:ext cx="963613" cy="366713"/>
+            </a:xfrm>
+            <a:custGeom>
+              <a:avLst/>
+              <a:gdLst>
+                <a:gd name="T0" fmla="*/ 203 w 203"/>
+                <a:gd name="T1" fmla="*/ 77 h 77"/>
+                <a:gd name="T2" fmla="*/ 0 w 203"/>
+                <a:gd name="T3" fmla="*/ 0 h 77"/>
+              </a:gdLst>
+              <a:ahLst/>
+              <a:cxnLst>
+                <a:cxn ang="0">
+                  <a:pos x="T0" y="T1"/>
+                </a:cxn>
+                <a:cxn ang="0">
+                  <a:pos x="T2" y="T3"/>
+                </a:cxn>
+              </a:cxnLst>
+              <a:rect l="0" t="0" r="r" b="b"/>
+              <a:pathLst>
+                <a:path w="203" h="77">
+                  <a:moveTo>
+                    <a:pt x="203" y="77"/>
+                  </a:moveTo>
+                  <a:cubicBezTo>
+                    <a:pt x="138" y="46"/>
+                    <a:pt x="68" y="21"/>
+                    <a:pt x="0" y="0"/>
+                  </a:cubicBezTo>
+                </a:path>
+              </a:pathLst>
+            </a:custGeom>
+            <a:noFill/>
+            <a:ln w="9525" cap="flat">
+              <a:solidFill>
+                <a:schemeClr val="tx1">
+                  <a:alpha val="20000"/>
+                </a:schemeClr>
+              </a:solidFill>
+              <a:prstDash val="dash"/>
+              <a:miter lim="800000"/>
+              <a:headEnd/>
+              <a:tailEnd/>
+            </a:ln>
+            <a:extLst>
+              <a:ext uri="{909E8E84-426E-40DD-AFC4-6F175D3DCCD1}">
+                <a14:hiddenFill xmlns:a14="http://schemas.microsoft.com/office/drawing/2010/main">
+                  <a:solidFill>
+                    <a:srgbClr val="FFFFFF"/>
+                  </a:solidFill>
+                </a14:hiddenFill>
+              </a:ext>
+            </a:extLst>
+          </p:spPr>
+          <p:txBody>
+            <a:bodyPr vert="horz" wrap="square" lIns="91440" tIns="45720" rIns="91440" bIns="45720" numCol="1" anchor="t" anchorCtr="0" compatLnSpc="1">
+              <a:prstTxWarp prst="textNoShape">
+                <a:avLst/>
+              </a:prstTxWarp>
+            </a:bodyPr>
+            <a:lstStyle/>
+            <a:p>
+              <a:endParaRPr lang="en-US"/>
+            </a:p>
+          </p:txBody>
+        </p:sp>
+        <p:sp>
+          <p:nvSpPr>
+            <p:cNvPr id="45" name="Freeform 10">
+              <a:extLst>
+                <a:ext uri="{FF2B5EF4-FFF2-40B4-BE49-F238E27FC236}">
+                  <a16:creationId xmlns:a16="http://schemas.microsoft.com/office/drawing/2014/main" id="{CABF3786-BDE1-4FE5-9967-F6B6131A2CF0}"/>
+                </a:ext>
+                <a:ext uri="{C183D7F6-B498-43B3-948B-1728B52AA6E4}">
+                  <adec:decorative xmlns:adec="http://schemas.microsoft.com/office/drawing/2017/decorative" val="1"/>
+                </a:ext>
+              </a:extLst>
+            </p:cNvPr>
+            <p:cNvSpPr>
+              <a:spLocks/>
+            </p:cNvSpPr>
+            <p:nvPr>
+              <p:extLst>
+                <p:ext uri="{386F3935-93C4-4BCD-93E2-E3B085C9AB24}">
+                  <p16:designElem xmlns:p16="http://schemas.microsoft.com/office/powerpoint/2015/main" val="1"/>
+                </p:ext>
+              </p:extLst>
+            </p:nvPr>
+          </p:nvSpPr>
+          <p:spPr bwMode="auto">
+            <a:xfrm>
+              <a:off x="10494963" y="5275263"/>
+              <a:ext cx="1666875" cy="1577975"/>
+            </a:xfrm>
+            <a:custGeom>
+              <a:avLst/>
+              <a:gdLst>
+                <a:gd name="T0" fmla="*/ 0 w 351"/>
+                <a:gd name="T1" fmla="*/ 332 h 332"/>
+                <a:gd name="T2" fmla="*/ 351 w 351"/>
+                <a:gd name="T3" fmla="*/ 0 h 332"/>
+              </a:gdLst>
+              <a:ahLst/>
+              <a:cxnLst>
+                <a:cxn ang="0">
+                  <a:pos x="T0" y="T1"/>
+                </a:cxn>
+                <a:cxn ang="0">
+                  <a:pos x="T2" y="T3"/>
+                </a:cxn>
+              </a:cxnLst>
+              <a:rect l="0" t="0" r="r" b="b"/>
+              <a:pathLst>
+                <a:path w="351" h="332">
+                  <a:moveTo>
+                    <a:pt x="0" y="332"/>
+                  </a:moveTo>
+                  <a:cubicBezTo>
+                    <a:pt x="125" y="232"/>
+                    <a:pt x="245" y="121"/>
+                    <a:pt x="351" y="0"/>
+                  </a:cubicBezTo>
+                </a:path>
+              </a:pathLst>
+            </a:custGeom>
+            <a:noFill/>
+            <a:ln w="9525" cap="flat">
+              <a:solidFill>
+                <a:schemeClr val="tx1">
+                  <a:alpha val="20000"/>
+                </a:schemeClr>
+              </a:solidFill>
+              <a:prstDash val="dash"/>
+              <a:miter lim="800000"/>
+              <a:headEnd/>
+              <a:tailEnd/>
+            </a:ln>
+            <a:extLst>
+              <a:ext uri="{909E8E84-426E-40DD-AFC4-6F175D3DCCD1}">
+                <a14:hiddenFill xmlns:a14="http://schemas.microsoft.com/office/drawing/2010/main">
+                  <a:solidFill>
+                    <a:srgbClr val="FFFFFF"/>
+                  </a:solidFill>
+                </a14:hiddenFill>
+              </a:ext>
+            </a:extLst>
+          </p:spPr>
+          <p:txBody>
+            <a:bodyPr vert="horz" wrap="square" lIns="91440" tIns="45720" rIns="91440" bIns="45720" numCol="1" anchor="t" anchorCtr="0" compatLnSpc="1">
+              <a:prstTxWarp prst="textNoShape">
+                <a:avLst/>
+              </a:prstTxWarp>
+            </a:bodyPr>
+            <a:lstStyle/>
+            <a:p>
+              <a:endParaRPr lang="en-US"/>
+            </a:p>
+          </p:txBody>
+        </p:sp>
+        <p:sp>
+          <p:nvSpPr>
+            <p:cNvPr id="46" name="Freeform 11">
+              <a:extLst>
+                <a:ext uri="{FF2B5EF4-FFF2-40B4-BE49-F238E27FC236}">
+                  <a16:creationId xmlns:a16="http://schemas.microsoft.com/office/drawing/2014/main" id="{4969707A-C75E-4F7F-A5C2-2991C6547550}"/>
+                </a:ext>
+                <a:ext uri="{C183D7F6-B498-43B3-948B-1728B52AA6E4}">
+                  <adec:decorative xmlns:adec="http://schemas.microsoft.com/office/drawing/2017/decorative" val="1"/>
+                </a:ext>
+              </a:extLst>
+            </p:cNvPr>
+            <p:cNvSpPr>
+              <a:spLocks/>
+            </p:cNvSpPr>
+            <p:nvPr>
+              <p:extLst>
+                <p:ext uri="{386F3935-93C4-4BCD-93E2-E3B085C9AB24}">
+                  <p16:designElem xmlns:p16="http://schemas.microsoft.com/office/powerpoint/2015/main" val="1"/>
+                </p:ext>
+              </p:extLst>
+            </p:nvPr>
+          </p:nvSpPr>
+          <p:spPr bwMode="auto">
+            <a:xfrm>
+              <a:off x="1001713" y="0"/>
+              <a:ext cx="3621088" cy="6843713"/>
+            </a:xfrm>
+            <a:custGeom>
+              <a:avLst/>
+              <a:gdLst>
+                <a:gd name="T0" fmla="*/ 762 w 762"/>
+                <a:gd name="T1" fmla="*/ 0 h 1440"/>
+                <a:gd name="T2" fmla="*/ 403 w 762"/>
+                <a:gd name="T3" fmla="*/ 1440 h 1440"/>
+              </a:gdLst>
+              <a:ahLst/>
+              <a:cxnLst>
+                <a:cxn ang="0">
+                  <a:pos x="T0" y="T1"/>
+                </a:cxn>
+                <a:cxn ang="0">
+                  <a:pos x="T2" y="T3"/>
+                </a:cxn>
+              </a:cxnLst>
+              <a:rect l="0" t="0" r="r" b="b"/>
+              <a:pathLst>
+                <a:path w="762" h="1440">
+                  <a:moveTo>
+                    <a:pt x="762" y="0"/>
+                  </a:moveTo>
+                  <a:cubicBezTo>
+                    <a:pt x="308" y="245"/>
+                    <a:pt x="0" y="1033"/>
+                    <a:pt x="403" y="1440"/>
+                  </a:cubicBezTo>
+                </a:path>
+              </a:pathLst>
+            </a:custGeom>
+            <a:noFill/>
+            <a:ln w="9525" cap="flat">
+              <a:solidFill>
+                <a:schemeClr val="tx1">
+                  <a:alpha val="20000"/>
+                </a:schemeClr>
+              </a:solidFill>
+              <a:prstDash val="solid"/>
+              <a:miter lim="800000"/>
+              <a:headEnd/>
+              <a:tailEnd/>
+            </a:ln>
+            <a:extLst>
+              <a:ext uri="{909E8E84-426E-40DD-AFC4-6F175D3DCCD1}">
+                <a14:hiddenFill xmlns:a14="http://schemas.microsoft.com/office/drawing/2010/main">
+                  <a:solidFill>
+                    <a:srgbClr val="FFFFFF"/>
+                  </a:solidFill>
+                </a14:hiddenFill>
+              </a:ext>
+            </a:extLst>
+          </p:spPr>
+          <p:txBody>
+            <a:bodyPr vert="horz" wrap="square" lIns="91440" tIns="45720" rIns="91440" bIns="45720" numCol="1" anchor="t" anchorCtr="0" compatLnSpc="1">
+              <a:prstTxWarp prst="textNoShape">
+                <a:avLst/>
+              </a:prstTxWarp>
+            </a:bodyPr>
+            <a:lstStyle/>
+            <a:p>
+              <a:endParaRPr lang="en-US"/>
+            </a:p>
+          </p:txBody>
+        </p:sp>
+        <p:sp>
+          <p:nvSpPr>
+            <p:cNvPr id="47" name="Freeform 12">
+              <a:extLst>
+                <a:ext uri="{FF2B5EF4-FFF2-40B4-BE49-F238E27FC236}">
+                  <a16:creationId xmlns:a16="http://schemas.microsoft.com/office/drawing/2014/main" id="{0E293989-8389-48CD-85D3-CAEFD5E96370}"/>
+                </a:ext>
+                <a:ext uri="{C183D7F6-B498-43B3-948B-1728B52AA6E4}">
+                  <adec:decorative xmlns:adec="http://schemas.microsoft.com/office/drawing/2017/decorative" val="1"/>
+                </a:ext>
+              </a:extLst>
+            </p:cNvPr>
+            <p:cNvSpPr>
+              <a:spLocks/>
+            </p:cNvSpPr>
+            <p:nvPr>
+              <p:extLst>
+                <p:ext uri="{386F3935-93C4-4BCD-93E2-E3B085C9AB24}">
+                  <p16:designElem xmlns:p16="http://schemas.microsoft.com/office/powerpoint/2015/main" val="1"/>
+                </p:ext>
+              </p:extLst>
+            </p:nvPr>
+          </p:nvSpPr>
+          <p:spPr bwMode="auto">
+            <a:xfrm>
+              <a:off x="11501438" y="9525"/>
+              <a:ext cx="665163" cy="257175"/>
+            </a:xfrm>
+            <a:custGeom>
+              <a:avLst/>
+              <a:gdLst>
+                <a:gd name="T0" fmla="*/ 140 w 140"/>
+                <a:gd name="T1" fmla="*/ 54 h 54"/>
+                <a:gd name="T2" fmla="*/ 0 w 140"/>
+                <a:gd name="T3" fmla="*/ 0 h 54"/>
+              </a:gdLst>
+              <a:ahLst/>
+              <a:cxnLst>
+                <a:cxn ang="0">
+                  <a:pos x="T0" y="T1"/>
+                </a:cxn>
+                <a:cxn ang="0">
+                  <a:pos x="T2" y="T3"/>
+                </a:cxn>
+              </a:cxnLst>
+              <a:rect l="0" t="0" r="r" b="b"/>
+              <a:pathLst>
+                <a:path w="140" h="54">
+                  <a:moveTo>
+                    <a:pt x="140" y="54"/>
+                  </a:moveTo>
+                  <a:cubicBezTo>
+                    <a:pt x="95" y="34"/>
+                    <a:pt x="48" y="16"/>
+                    <a:pt x="0" y="0"/>
+                  </a:cubicBezTo>
+                </a:path>
+              </a:pathLst>
+            </a:custGeom>
+            <a:noFill/>
+            <a:ln w="9525" cap="flat">
+              <a:solidFill>
+                <a:schemeClr val="tx1">
+                  <a:alpha val="20000"/>
+                </a:schemeClr>
+              </a:solidFill>
+              <a:prstDash val="solid"/>
+              <a:miter lim="800000"/>
+              <a:headEnd/>
+              <a:tailEnd/>
+            </a:ln>
+            <a:extLst>
+              <a:ext uri="{909E8E84-426E-40DD-AFC4-6F175D3DCCD1}">
+                <a14:hiddenFill xmlns:a14="http://schemas.microsoft.com/office/drawing/2010/main">
+                  <a:solidFill>
+                    <a:srgbClr val="FFFFFF"/>
+                  </a:solidFill>
+                </a14:hiddenFill>
+              </a:ext>
+            </a:extLst>
+          </p:spPr>
+          <p:txBody>
+            <a:bodyPr vert="horz" wrap="square" lIns="91440" tIns="45720" rIns="91440" bIns="45720" numCol="1" anchor="t" anchorCtr="0" compatLnSpc="1">
+              <a:prstTxWarp prst="textNoShape">
+                <a:avLst/>
+              </a:prstTxWarp>
+            </a:bodyPr>
+            <a:lstStyle/>
+            <a:p>
+              <a:endParaRPr lang="en-US"/>
+            </a:p>
+          </p:txBody>
+        </p:sp>
+        <p:sp>
+          <p:nvSpPr>
+            <p:cNvPr id="48" name="Freeform 13">
+              <a:extLst>
+                <a:ext uri="{FF2B5EF4-FFF2-40B4-BE49-F238E27FC236}">
+                  <a16:creationId xmlns:a16="http://schemas.microsoft.com/office/drawing/2014/main" id="{8DCF1E8B-9247-45E2-8641-90DA9F7D5252}"/>
+                </a:ext>
+                <a:ext uri="{C183D7F6-B498-43B3-948B-1728B52AA6E4}">
+                  <adec:decorative xmlns:adec="http://schemas.microsoft.com/office/drawing/2017/decorative" val="1"/>
+                </a:ext>
+              </a:extLst>
+            </p:cNvPr>
+            <p:cNvSpPr>
+              <a:spLocks/>
+            </p:cNvSpPr>
+            <p:nvPr>
+              <p:extLst>
+                <p:ext uri="{386F3935-93C4-4BCD-93E2-E3B085C9AB24}">
+                  <p16:designElem xmlns:p16="http://schemas.microsoft.com/office/powerpoint/2015/main" val="1"/>
+                </p:ext>
+              </p:extLst>
+            </p:nvPr>
+          </p:nvSpPr>
+          <p:spPr bwMode="auto">
+            <a:xfrm>
+              <a:off x="10641013" y="5408613"/>
+              <a:ext cx="1525588" cy="1435100"/>
+            </a:xfrm>
+            <a:custGeom>
+              <a:avLst/>
+              <a:gdLst>
+                <a:gd name="T0" fmla="*/ 0 w 321"/>
+                <a:gd name="T1" fmla="*/ 302 h 302"/>
+                <a:gd name="T2" fmla="*/ 321 w 321"/>
+                <a:gd name="T3" fmla="*/ 0 h 302"/>
+              </a:gdLst>
+              <a:ahLst/>
+              <a:cxnLst>
+                <a:cxn ang="0">
+                  <a:pos x="T0" y="T1"/>
+                </a:cxn>
+                <a:cxn ang="0">
+                  <a:pos x="T2" y="T3"/>
+                </a:cxn>
+              </a:cxnLst>
+              <a:rect l="0" t="0" r="r" b="b"/>
+              <a:pathLst>
+                <a:path w="321" h="302">
+                  <a:moveTo>
+                    <a:pt x="0" y="302"/>
+                  </a:moveTo>
+                  <a:cubicBezTo>
+                    <a:pt x="114" y="210"/>
+                    <a:pt x="223" y="109"/>
+                    <a:pt x="321" y="0"/>
+                  </a:cubicBezTo>
+                </a:path>
+              </a:pathLst>
+            </a:custGeom>
+            <a:noFill/>
+            <a:ln w="9525" cap="flat">
+              <a:solidFill>
+                <a:schemeClr val="tx1">
+                  <a:alpha val="20000"/>
+                </a:schemeClr>
+              </a:solidFill>
+              <a:prstDash val="solid"/>
+              <a:miter lim="800000"/>
+              <a:headEnd/>
+              <a:tailEnd/>
+            </a:ln>
+            <a:extLst>
+              <a:ext uri="{909E8E84-426E-40DD-AFC4-6F175D3DCCD1}">
+                <a14:hiddenFill xmlns:a14="http://schemas.microsoft.com/office/drawing/2010/main">
+                  <a:solidFill>
+                    <a:srgbClr val="FFFFFF"/>
+                  </a:solidFill>
+                </a14:hiddenFill>
+              </a:ext>
+            </a:extLst>
+          </p:spPr>
+          <p:txBody>
+            <a:bodyPr vert="horz" wrap="square" lIns="91440" tIns="45720" rIns="91440" bIns="45720" numCol="1" anchor="t" anchorCtr="0" compatLnSpc="1">
+              <a:prstTxWarp prst="textNoShape">
+                <a:avLst/>
+              </a:prstTxWarp>
+            </a:bodyPr>
+            <a:lstStyle/>
+            <a:p>
+              <a:endParaRPr lang="en-US"/>
+            </a:p>
+          </p:txBody>
+        </p:sp>
+        <p:sp>
+          <p:nvSpPr>
+            <p:cNvPr id="49" name="Freeform 14">
+              <a:extLst>
+                <a:ext uri="{FF2B5EF4-FFF2-40B4-BE49-F238E27FC236}">
+                  <a16:creationId xmlns:a16="http://schemas.microsoft.com/office/drawing/2014/main" id="{48DF418F-91AD-4E55-AF3B-F28FF45961B4}"/>
+                </a:ext>
+                <a:ext uri="{C183D7F6-B498-43B3-948B-1728B52AA6E4}">
+                  <adec:decorative xmlns:adec="http://schemas.microsoft.com/office/drawing/2017/decorative" val="1"/>
+                </a:ext>
+              </a:extLst>
+            </p:cNvPr>
+            <p:cNvSpPr>
+              <a:spLocks/>
+            </p:cNvSpPr>
+            <p:nvPr>
+              <p:extLst>
+                <p:ext uri="{386F3935-93C4-4BCD-93E2-E3B085C9AB24}">
+                  <p16:designElem xmlns:p16="http://schemas.microsoft.com/office/powerpoint/2015/main" val="1"/>
+                </p:ext>
+              </p:extLst>
+            </p:nvPr>
+          </p:nvSpPr>
+          <p:spPr bwMode="auto">
+            <a:xfrm>
+              <a:off x="1001713" y="0"/>
+              <a:ext cx="3244850" cy="6843713"/>
+            </a:xfrm>
+            <a:custGeom>
+              <a:avLst/>
+              <a:gdLst>
+                <a:gd name="T0" fmla="*/ 683 w 683"/>
+                <a:gd name="T1" fmla="*/ 0 h 1440"/>
+                <a:gd name="T2" fmla="*/ 355 w 683"/>
+                <a:gd name="T3" fmla="*/ 1440 h 1440"/>
+              </a:gdLst>
+              <a:ahLst/>
+              <a:cxnLst>
+                <a:cxn ang="0">
+                  <a:pos x="T0" y="T1"/>
+                </a:cxn>
+                <a:cxn ang="0">
+                  <a:pos x="T2" y="T3"/>
+                </a:cxn>
+              </a:cxnLst>
+              <a:rect l="0" t="0" r="r" b="b"/>
+              <a:pathLst>
+                <a:path w="683" h="1440">
+                  <a:moveTo>
+                    <a:pt x="683" y="0"/>
+                  </a:moveTo>
+                  <a:cubicBezTo>
+                    <a:pt x="258" y="256"/>
+                    <a:pt x="0" y="1041"/>
+                    <a:pt x="355" y="1440"/>
+                  </a:cubicBezTo>
+                </a:path>
+              </a:pathLst>
+            </a:custGeom>
+            <a:noFill/>
+            <a:ln w="9525" cap="flat">
+              <a:solidFill>
+                <a:schemeClr val="tx1">
+                  <a:alpha val="20000"/>
+                </a:schemeClr>
+              </a:solidFill>
+              <a:prstDash val="solid"/>
+              <a:miter lim="800000"/>
+              <a:headEnd/>
+              <a:tailEnd/>
+            </a:ln>
+            <a:extLst>
+              <a:ext uri="{909E8E84-426E-40DD-AFC4-6F175D3DCCD1}">
+                <a14:hiddenFill xmlns:a14="http://schemas.microsoft.com/office/drawing/2010/main">
+                  <a:solidFill>
+                    <a:srgbClr val="FFFFFF"/>
+                  </a:solidFill>
+                </a14:hiddenFill>
+              </a:ext>
+            </a:extLst>
+          </p:spPr>
+          <p:txBody>
+            <a:bodyPr vert="horz" wrap="square" lIns="91440" tIns="45720" rIns="91440" bIns="45720" numCol="1" anchor="t" anchorCtr="0" compatLnSpc="1">
+              <a:prstTxWarp prst="textNoShape">
+                <a:avLst/>
+              </a:prstTxWarp>
+            </a:bodyPr>
+            <a:lstStyle/>
+            <a:p>
+              <a:endParaRPr lang="en-US"/>
+            </a:p>
+          </p:txBody>
+        </p:sp>
+        <p:sp>
+          <p:nvSpPr>
+            <p:cNvPr id="50" name="Freeform 15">
+              <a:extLst>
+                <a:ext uri="{FF2B5EF4-FFF2-40B4-BE49-F238E27FC236}">
+                  <a16:creationId xmlns:a16="http://schemas.microsoft.com/office/drawing/2014/main" id="{EDBF35BD-D1DA-49B1-AE30-289189DACD51}"/>
+                </a:ext>
+                <a:ext uri="{C183D7F6-B498-43B3-948B-1728B52AA6E4}">
+                  <adec:decorative xmlns:adec="http://schemas.microsoft.com/office/drawing/2017/decorative" val="1"/>
+                </a:ext>
+              </a:extLst>
+            </p:cNvPr>
+            <p:cNvSpPr>
+              <a:spLocks/>
+            </p:cNvSpPr>
+            <p:nvPr>
+              <p:extLst>
+                <p:ext uri="{386F3935-93C4-4BCD-93E2-E3B085C9AB24}">
+                  <p16:designElem xmlns:p16="http://schemas.microsoft.com/office/powerpoint/2015/main" val="1"/>
+                </p:ext>
+              </p:extLst>
+            </p:nvPr>
+          </p:nvSpPr>
+          <p:spPr bwMode="auto">
+            <a:xfrm>
+              <a:off x="10802938" y="5518150"/>
+              <a:ext cx="1363663" cy="1325563"/>
+            </a:xfrm>
+            <a:custGeom>
+              <a:avLst/>
+              <a:gdLst>
+                <a:gd name="T0" fmla="*/ 0 w 287"/>
+                <a:gd name="T1" fmla="*/ 279 h 279"/>
+                <a:gd name="T2" fmla="*/ 287 w 287"/>
+                <a:gd name="T3" fmla="*/ 0 h 279"/>
+              </a:gdLst>
+              <a:ahLst/>
+              <a:cxnLst>
+                <a:cxn ang="0">
+                  <a:pos x="T0" y="T1"/>
+                </a:cxn>
+                <a:cxn ang="0">
+                  <a:pos x="T2" y="T3"/>
+                </a:cxn>
+              </a:cxnLst>
+              <a:rect l="0" t="0" r="r" b="b"/>
+              <a:pathLst>
+                <a:path w="287" h="279">
+                  <a:moveTo>
+                    <a:pt x="0" y="279"/>
+                  </a:moveTo>
+                  <a:cubicBezTo>
+                    <a:pt x="101" y="193"/>
+                    <a:pt x="198" y="100"/>
+                    <a:pt x="287" y="0"/>
+                  </a:cubicBezTo>
+                </a:path>
+              </a:pathLst>
+            </a:custGeom>
+            <a:noFill/>
+            <a:ln w="9525" cap="flat">
+              <a:solidFill>
+                <a:schemeClr val="tx1">
+                  <a:alpha val="20000"/>
+                </a:schemeClr>
+              </a:solidFill>
+              <a:prstDash val="solid"/>
+              <a:miter lim="800000"/>
+              <a:headEnd/>
+              <a:tailEnd/>
+            </a:ln>
+            <a:extLst>
+              <a:ext uri="{909E8E84-426E-40DD-AFC4-6F175D3DCCD1}">
+                <a14:hiddenFill xmlns:a14="http://schemas.microsoft.com/office/drawing/2010/main">
+                  <a:solidFill>
+                    <a:srgbClr val="FFFFFF"/>
+                  </a:solidFill>
+                </a14:hiddenFill>
+              </a:ext>
+            </a:extLst>
+          </p:spPr>
+          <p:txBody>
+            <a:bodyPr vert="horz" wrap="square" lIns="91440" tIns="45720" rIns="91440" bIns="45720" numCol="1" anchor="t" anchorCtr="0" compatLnSpc="1">
+              <a:prstTxWarp prst="textNoShape">
+                <a:avLst/>
+              </a:prstTxWarp>
+            </a:bodyPr>
+            <a:lstStyle/>
+            <a:p>
+              <a:endParaRPr lang="en-US"/>
+            </a:p>
+          </p:txBody>
+        </p:sp>
+        <p:sp>
+          <p:nvSpPr>
+            <p:cNvPr id="51" name="Freeform 16">
+              <a:extLst>
+                <a:ext uri="{FF2B5EF4-FFF2-40B4-BE49-F238E27FC236}">
+                  <a16:creationId xmlns:a16="http://schemas.microsoft.com/office/drawing/2014/main" id="{69198BEC-A3B6-4562-AB0F-3E7760026C43}"/>
+                </a:ext>
+                <a:ext uri="{C183D7F6-B498-43B3-948B-1728B52AA6E4}">
+                  <adec:decorative xmlns:adec="http://schemas.microsoft.com/office/drawing/2017/decorative" val="1"/>
+                </a:ext>
+              </a:extLst>
+            </p:cNvPr>
+            <p:cNvSpPr>
+              <a:spLocks/>
+            </p:cNvSpPr>
+            <p:nvPr>
+              <p:extLst>
+                <p:ext uri="{386F3935-93C4-4BCD-93E2-E3B085C9AB24}">
+                  <p16:designElem xmlns:p16="http://schemas.microsoft.com/office/powerpoint/2015/main" val="1"/>
+                </p:ext>
+              </p:extLst>
+            </p:nvPr>
+          </p:nvSpPr>
+          <p:spPr bwMode="auto">
+            <a:xfrm>
+              <a:off x="889000" y="0"/>
+              <a:ext cx="3230563" cy="6843713"/>
+            </a:xfrm>
+            <a:custGeom>
+              <a:avLst/>
+              <a:gdLst>
+                <a:gd name="T0" fmla="*/ 680 w 680"/>
+                <a:gd name="T1" fmla="*/ 0 h 1440"/>
+                <a:gd name="T2" fmla="*/ 337 w 680"/>
+                <a:gd name="T3" fmla="*/ 1440 h 1440"/>
+              </a:gdLst>
+              <a:ahLst/>
+              <a:cxnLst>
+                <a:cxn ang="0">
+                  <a:pos x="T0" y="T1"/>
+                </a:cxn>
+                <a:cxn ang="0">
+                  <a:pos x="T2" y="T3"/>
+                </a:cxn>
+              </a:cxnLst>
+              <a:rect l="0" t="0" r="r" b="b"/>
+              <a:pathLst>
+                <a:path w="680" h="1440">
+                  <a:moveTo>
+                    <a:pt x="680" y="0"/>
+                  </a:moveTo>
+                  <a:cubicBezTo>
+                    <a:pt x="257" y="265"/>
+                    <a:pt x="0" y="1026"/>
+                    <a:pt x="337" y="1440"/>
+                  </a:cubicBezTo>
+                </a:path>
+              </a:pathLst>
+            </a:custGeom>
+            <a:noFill/>
+            <a:ln w="9525" cap="flat">
+              <a:solidFill>
+                <a:schemeClr val="tx1">
+                  <a:alpha val="20000"/>
+                </a:schemeClr>
+              </a:solidFill>
+              <a:prstDash val="solid"/>
+              <a:miter lim="800000"/>
+              <a:headEnd/>
+              <a:tailEnd/>
+            </a:ln>
+            <a:extLst>
+              <a:ext uri="{909E8E84-426E-40DD-AFC4-6F175D3DCCD1}">
+                <a14:hiddenFill xmlns:a14="http://schemas.microsoft.com/office/drawing/2010/main">
+                  <a:solidFill>
+                    <a:srgbClr val="FFFFFF"/>
+                  </a:solidFill>
+                </a14:hiddenFill>
+              </a:ext>
+            </a:extLst>
+          </p:spPr>
+          <p:txBody>
+            <a:bodyPr vert="horz" wrap="square" lIns="91440" tIns="45720" rIns="91440" bIns="45720" numCol="1" anchor="t" anchorCtr="0" compatLnSpc="1">
+              <a:prstTxWarp prst="textNoShape">
+                <a:avLst/>
+              </a:prstTxWarp>
+            </a:bodyPr>
+            <a:lstStyle/>
+            <a:p>
+              <a:endParaRPr lang="en-US"/>
+            </a:p>
+          </p:txBody>
+        </p:sp>
+        <p:sp>
+          <p:nvSpPr>
+            <p:cNvPr id="52" name="Freeform 17">
+              <a:extLst>
+                <a:ext uri="{FF2B5EF4-FFF2-40B4-BE49-F238E27FC236}">
+                  <a16:creationId xmlns:a16="http://schemas.microsoft.com/office/drawing/2014/main" id="{9AB30D45-77AB-4323-83A2-1A637D07D54A}"/>
+                </a:ext>
+                <a:ext uri="{C183D7F6-B498-43B3-948B-1728B52AA6E4}">
+                  <adec:decorative xmlns:adec="http://schemas.microsoft.com/office/drawing/2017/decorative" val="1"/>
+                </a:ext>
+              </a:extLst>
+            </p:cNvPr>
+            <p:cNvSpPr>
+              <a:spLocks/>
+            </p:cNvSpPr>
+            <p:nvPr>
+              <p:extLst>
+                <p:ext uri="{386F3935-93C4-4BCD-93E2-E3B085C9AB24}">
+                  <p16:designElem xmlns:p16="http://schemas.microsoft.com/office/powerpoint/2015/main" val="1"/>
+                </p:ext>
+              </p:extLst>
+            </p:nvPr>
+          </p:nvSpPr>
+          <p:spPr bwMode="auto">
+            <a:xfrm>
+              <a:off x="10979150" y="5694363"/>
+              <a:ext cx="1187450" cy="1149350"/>
+            </a:xfrm>
+            <a:custGeom>
+              <a:avLst/>
+              <a:gdLst>
+                <a:gd name="T0" fmla="*/ 0 w 250"/>
+                <a:gd name="T1" fmla="*/ 242 h 242"/>
+                <a:gd name="T2" fmla="*/ 250 w 250"/>
+                <a:gd name="T3" fmla="*/ 0 h 242"/>
+              </a:gdLst>
+              <a:ahLst/>
+              <a:cxnLst>
+                <a:cxn ang="0">
+                  <a:pos x="T0" y="T1"/>
+                </a:cxn>
+                <a:cxn ang="0">
+                  <a:pos x="T2" y="T3"/>
+                </a:cxn>
+              </a:cxnLst>
+              <a:rect l="0" t="0" r="r" b="b"/>
+              <a:pathLst>
+                <a:path w="250" h="242">
+                  <a:moveTo>
+                    <a:pt x="0" y="242"/>
+                  </a:moveTo>
+                  <a:cubicBezTo>
+                    <a:pt x="88" y="166"/>
+                    <a:pt x="172" y="85"/>
+                    <a:pt x="250" y="0"/>
+                  </a:cubicBezTo>
+                </a:path>
+              </a:pathLst>
+            </a:custGeom>
+            <a:noFill/>
+            <a:ln w="9525" cap="flat">
+              <a:solidFill>
+                <a:schemeClr val="tx1">
+                  <a:alpha val="20000"/>
+                </a:schemeClr>
+              </a:solidFill>
+              <a:prstDash val="solid"/>
+              <a:miter lim="800000"/>
+              <a:headEnd/>
+              <a:tailEnd/>
+            </a:ln>
+            <a:extLst>
+              <a:ext uri="{909E8E84-426E-40DD-AFC4-6F175D3DCCD1}">
+                <a14:hiddenFill xmlns:a14="http://schemas.microsoft.com/office/drawing/2010/main">
+                  <a:solidFill>
+                    <a:srgbClr val="FFFFFF"/>
+                  </a:solidFill>
+                </a14:hiddenFill>
+              </a:ext>
+            </a:extLst>
+          </p:spPr>
+          <p:txBody>
+            <a:bodyPr vert="horz" wrap="square" lIns="91440" tIns="45720" rIns="91440" bIns="45720" numCol="1" anchor="t" anchorCtr="0" compatLnSpc="1">
+              <a:prstTxWarp prst="textNoShape">
+                <a:avLst/>
+              </a:prstTxWarp>
+            </a:bodyPr>
+            <a:lstStyle/>
+            <a:p>
+              <a:endParaRPr lang="en-US"/>
+            </a:p>
+          </p:txBody>
+        </p:sp>
+        <p:sp>
+          <p:nvSpPr>
+            <p:cNvPr id="53" name="Freeform 18">
+              <a:extLst>
+                <a:ext uri="{FF2B5EF4-FFF2-40B4-BE49-F238E27FC236}">
+                  <a16:creationId xmlns:a16="http://schemas.microsoft.com/office/drawing/2014/main" id="{D1AD137E-7B63-434C-9D0D-5A64BB496859}"/>
+                </a:ext>
+                <a:ext uri="{C183D7F6-B498-43B3-948B-1728B52AA6E4}">
+                  <adec:decorative xmlns:adec="http://schemas.microsoft.com/office/drawing/2017/decorative" val="1"/>
+                </a:ext>
+              </a:extLst>
+            </p:cNvPr>
+            <p:cNvSpPr>
+              <a:spLocks/>
+            </p:cNvSpPr>
+            <p:nvPr>
+              <p:extLst>
+                <p:ext uri="{386F3935-93C4-4BCD-93E2-E3B085C9AB24}">
+                  <p16:designElem xmlns:p16="http://schemas.microsoft.com/office/powerpoint/2015/main" val="1"/>
+                </p:ext>
+              </p:extLst>
+            </p:nvPr>
+          </p:nvSpPr>
+          <p:spPr bwMode="auto">
+            <a:xfrm>
+              <a:off x="484188" y="0"/>
+              <a:ext cx="3421063" cy="6843713"/>
+            </a:xfrm>
+            <a:custGeom>
+              <a:avLst/>
+              <a:gdLst>
+                <a:gd name="T0" fmla="*/ 720 w 720"/>
+                <a:gd name="T1" fmla="*/ 0 h 1440"/>
+                <a:gd name="T2" fmla="*/ 362 w 720"/>
+                <a:gd name="T3" fmla="*/ 1440 h 1440"/>
+              </a:gdLst>
+              <a:ahLst/>
+              <a:cxnLst>
+                <a:cxn ang="0">
+                  <a:pos x="T0" y="T1"/>
+                </a:cxn>
+                <a:cxn ang="0">
+                  <a:pos x="T2" y="T3"/>
+                </a:cxn>
+              </a:cxnLst>
+              <a:rect l="0" t="0" r="r" b="b"/>
+              <a:pathLst>
+                <a:path w="720" h="1440">
+                  <a:moveTo>
+                    <a:pt x="720" y="0"/>
+                  </a:moveTo>
+                  <a:cubicBezTo>
+                    <a:pt x="316" y="282"/>
+                    <a:pt x="0" y="1018"/>
+                    <a:pt x="362" y="1440"/>
+                  </a:cubicBezTo>
+                </a:path>
+              </a:pathLst>
+            </a:custGeom>
+            <a:noFill/>
+            <a:ln w="9525" cap="flat">
+              <a:solidFill>
+                <a:schemeClr val="tx1">
+                  <a:alpha val="20000"/>
+                </a:schemeClr>
+              </a:solidFill>
+              <a:prstDash val="solid"/>
+              <a:miter lim="800000"/>
+              <a:headEnd/>
+              <a:tailEnd/>
+            </a:ln>
+            <a:extLst>
+              <a:ext uri="{909E8E84-426E-40DD-AFC4-6F175D3DCCD1}">
+                <a14:hiddenFill xmlns:a14="http://schemas.microsoft.com/office/drawing/2010/main">
+                  <a:solidFill>
+                    <a:srgbClr val="FFFFFF"/>
+                  </a:solidFill>
+                </a14:hiddenFill>
+              </a:ext>
+            </a:extLst>
+          </p:spPr>
+          <p:txBody>
+            <a:bodyPr vert="horz" wrap="square" lIns="91440" tIns="45720" rIns="91440" bIns="45720" numCol="1" anchor="t" anchorCtr="0" compatLnSpc="1">
+              <a:prstTxWarp prst="textNoShape">
+                <a:avLst/>
+              </a:prstTxWarp>
+            </a:bodyPr>
+            <a:lstStyle/>
+            <a:p>
+              <a:endParaRPr lang="en-US"/>
+            </a:p>
+          </p:txBody>
+        </p:sp>
+        <p:sp>
+          <p:nvSpPr>
+            <p:cNvPr id="54" name="Freeform 19">
+              <a:extLst>
+                <a:ext uri="{FF2B5EF4-FFF2-40B4-BE49-F238E27FC236}">
+                  <a16:creationId xmlns:a16="http://schemas.microsoft.com/office/drawing/2014/main" id="{8B32BE2D-36DC-4BD0-952E-8FE32A70DB88}"/>
+                </a:ext>
+                <a:ext uri="{C183D7F6-B498-43B3-948B-1728B52AA6E4}">
+                  <adec:decorative xmlns:adec="http://schemas.microsoft.com/office/drawing/2017/decorative" val="1"/>
+                </a:ext>
+              </a:extLst>
+            </p:cNvPr>
+            <p:cNvSpPr>
+              <a:spLocks/>
+            </p:cNvSpPr>
+            <p:nvPr>
+              <p:extLst>
+                <p:ext uri="{386F3935-93C4-4BCD-93E2-E3B085C9AB24}">
+                  <p16:designElem xmlns:p16="http://schemas.microsoft.com/office/powerpoint/2015/main" val="1"/>
+                </p:ext>
+              </p:extLst>
+            </p:nvPr>
+          </p:nvSpPr>
+          <p:spPr bwMode="auto">
+            <a:xfrm>
+              <a:off x="11287125" y="6049963"/>
+              <a:ext cx="879475" cy="793750"/>
+            </a:xfrm>
+            <a:custGeom>
+              <a:avLst/>
+              <a:gdLst>
+                <a:gd name="T0" fmla="*/ 0 w 185"/>
+                <a:gd name="T1" fmla="*/ 167 h 167"/>
+                <a:gd name="T2" fmla="*/ 185 w 185"/>
+                <a:gd name="T3" fmla="*/ 0 h 167"/>
+              </a:gdLst>
+              <a:ahLst/>
+              <a:cxnLst>
+                <a:cxn ang="0">
+                  <a:pos x="T0" y="T1"/>
+                </a:cxn>
+                <a:cxn ang="0">
+                  <a:pos x="T2" y="T3"/>
+                </a:cxn>
+              </a:cxnLst>
+              <a:rect l="0" t="0" r="r" b="b"/>
+              <a:pathLst>
+                <a:path w="185" h="167">
+                  <a:moveTo>
+                    <a:pt x="0" y="167"/>
+                  </a:moveTo>
+                  <a:cubicBezTo>
+                    <a:pt x="63" y="114"/>
+                    <a:pt x="125" y="58"/>
+                    <a:pt x="185" y="0"/>
+                  </a:cubicBezTo>
+                </a:path>
+              </a:pathLst>
+            </a:custGeom>
+            <a:noFill/>
+            <a:ln w="9525" cap="flat">
+              <a:solidFill>
+                <a:schemeClr val="tx1">
+                  <a:alpha val="20000"/>
+                </a:schemeClr>
+              </a:solidFill>
+              <a:prstDash val="solid"/>
+              <a:miter lim="800000"/>
+              <a:headEnd/>
+              <a:tailEnd/>
+            </a:ln>
+            <a:extLst>
+              <a:ext uri="{909E8E84-426E-40DD-AFC4-6F175D3DCCD1}">
+                <a14:hiddenFill xmlns:a14="http://schemas.microsoft.com/office/drawing/2010/main">
+                  <a:solidFill>
+                    <a:srgbClr val="FFFFFF"/>
+                  </a:solidFill>
+                </a14:hiddenFill>
+              </a:ext>
+            </a:extLst>
+          </p:spPr>
+          <p:txBody>
+            <a:bodyPr vert="horz" wrap="square" lIns="91440" tIns="45720" rIns="91440" bIns="45720" numCol="1" anchor="t" anchorCtr="0" compatLnSpc="1">
+              <a:prstTxWarp prst="textNoShape">
+                <a:avLst/>
+              </a:prstTxWarp>
+            </a:bodyPr>
+            <a:lstStyle/>
+            <a:p>
+              <a:endParaRPr lang="en-US"/>
+            </a:p>
+          </p:txBody>
+        </p:sp>
+        <p:sp>
+          <p:nvSpPr>
+            <p:cNvPr id="55" name="Freeform 20">
+              <a:extLst>
+                <a:ext uri="{FF2B5EF4-FFF2-40B4-BE49-F238E27FC236}">
+                  <a16:creationId xmlns:a16="http://schemas.microsoft.com/office/drawing/2014/main" id="{930295E0-AD01-4DB0-9829-AD91BED608F7}"/>
+                </a:ext>
+                <a:ext uri="{C183D7F6-B498-43B3-948B-1728B52AA6E4}">
+                  <adec:decorative xmlns:adec="http://schemas.microsoft.com/office/drawing/2017/decorative" val="1"/>
+                </a:ext>
+              </a:extLst>
+            </p:cNvPr>
+            <p:cNvSpPr>
+              <a:spLocks/>
+            </p:cNvSpPr>
+            <p:nvPr>
+              <p:extLst>
+                <p:ext uri="{386F3935-93C4-4BCD-93E2-E3B085C9AB24}">
+                  <p16:designElem xmlns:p16="http://schemas.microsoft.com/office/powerpoint/2015/main" val="1"/>
+                </p:ext>
+              </p:extLst>
+            </p:nvPr>
+          </p:nvSpPr>
+          <p:spPr bwMode="auto">
+            <a:xfrm>
+              <a:off x="598488" y="0"/>
+              <a:ext cx="2717800" cy="6843713"/>
+            </a:xfrm>
+            <a:custGeom>
+              <a:avLst/>
+              <a:gdLst>
+                <a:gd name="T0" fmla="*/ 572 w 572"/>
+                <a:gd name="T1" fmla="*/ 0 h 1440"/>
+                <a:gd name="T2" fmla="*/ 164 w 572"/>
+                <a:gd name="T3" fmla="*/ 1440 h 1440"/>
+              </a:gdLst>
+              <a:ahLst/>
+              <a:cxnLst>
+                <a:cxn ang="0">
+                  <a:pos x="T0" y="T1"/>
+                </a:cxn>
+                <a:cxn ang="0">
+                  <a:pos x="T2" y="T3"/>
+                </a:cxn>
+              </a:cxnLst>
+              <a:rect l="0" t="0" r="r" b="b"/>
+              <a:pathLst>
+                <a:path w="572" h="1440">
+                  <a:moveTo>
+                    <a:pt x="572" y="0"/>
+                  </a:moveTo>
+                  <a:cubicBezTo>
+                    <a:pt x="213" y="320"/>
+                    <a:pt x="0" y="979"/>
+                    <a:pt x="164" y="1440"/>
+                  </a:cubicBezTo>
+                </a:path>
+              </a:pathLst>
+            </a:custGeom>
+            <a:noFill/>
+            <a:ln w="12700" cap="flat">
+              <a:solidFill>
+                <a:schemeClr val="tx1">
+                  <a:alpha val="20000"/>
+                </a:schemeClr>
+              </a:solidFill>
+              <a:prstDash val="dashDot"/>
+              <a:miter lim="800000"/>
+              <a:headEnd/>
+              <a:tailEnd/>
+            </a:ln>
+            <a:extLst>
+              <a:ext uri="{909E8E84-426E-40DD-AFC4-6F175D3DCCD1}">
+                <a14:hiddenFill xmlns:a14="http://schemas.microsoft.com/office/drawing/2010/main">
+                  <a:solidFill>
+                    <a:srgbClr val="FFFFFF"/>
+                  </a:solidFill>
+                </a14:hiddenFill>
+              </a:ext>
+            </a:extLst>
+          </p:spPr>
+          <p:txBody>
+            <a:bodyPr vert="horz" wrap="square" lIns="91440" tIns="45720" rIns="91440" bIns="45720" numCol="1" anchor="t" anchorCtr="0" compatLnSpc="1">
+              <a:prstTxWarp prst="textNoShape">
+                <a:avLst/>
+              </a:prstTxWarp>
+            </a:bodyPr>
+            <a:lstStyle/>
+            <a:p>
+              <a:endParaRPr lang="en-US"/>
+            </a:p>
+          </p:txBody>
+        </p:sp>
+        <p:sp>
+          <p:nvSpPr>
+            <p:cNvPr id="56" name="Freeform 21">
+              <a:extLst>
+                <a:ext uri="{FF2B5EF4-FFF2-40B4-BE49-F238E27FC236}">
+                  <a16:creationId xmlns:a16="http://schemas.microsoft.com/office/drawing/2014/main" id="{29807E74-6BFD-4EA7-B3F3-92C0728A7D8A}"/>
+                </a:ext>
+                <a:ext uri="{C183D7F6-B498-43B3-948B-1728B52AA6E4}">
+                  <adec:decorative xmlns:adec="http://schemas.microsoft.com/office/drawing/2017/decorative" val="1"/>
+                </a:ext>
+              </a:extLst>
+            </p:cNvPr>
+            <p:cNvSpPr>
+              <a:spLocks/>
+            </p:cNvSpPr>
+            <p:nvPr>
+              <p:extLst>
+                <p:ext uri="{386F3935-93C4-4BCD-93E2-E3B085C9AB24}">
+                  <p16:designElem xmlns:p16="http://schemas.microsoft.com/office/powerpoint/2015/main" val="1"/>
+                </p:ext>
+              </p:extLst>
+            </p:nvPr>
+          </p:nvSpPr>
+          <p:spPr bwMode="auto">
+            <a:xfrm>
+              <a:off x="261938" y="0"/>
+              <a:ext cx="2944813" cy="6843713"/>
+            </a:xfrm>
+            <a:custGeom>
+              <a:avLst/>
+              <a:gdLst>
+                <a:gd name="T0" fmla="*/ 620 w 620"/>
+                <a:gd name="T1" fmla="*/ 0 h 1440"/>
+                <a:gd name="T2" fmla="*/ 186 w 620"/>
+                <a:gd name="T3" fmla="*/ 1440 h 1440"/>
+              </a:gdLst>
+              <a:ahLst/>
+              <a:cxnLst>
+                <a:cxn ang="0">
+                  <a:pos x="T0" y="T1"/>
+                </a:cxn>
+                <a:cxn ang="0">
+                  <a:pos x="T2" y="T3"/>
+                </a:cxn>
+              </a:cxnLst>
+              <a:rect l="0" t="0" r="r" b="b"/>
+              <a:pathLst>
+                <a:path w="620" h="1440">
+                  <a:moveTo>
+                    <a:pt x="620" y="0"/>
+                  </a:moveTo>
+                  <a:cubicBezTo>
+                    <a:pt x="248" y="325"/>
+                    <a:pt x="0" y="960"/>
+                    <a:pt x="186" y="1440"/>
+                  </a:cubicBezTo>
+                </a:path>
+              </a:pathLst>
+            </a:custGeom>
+            <a:noFill/>
+            <a:ln w="9525" cap="flat">
+              <a:solidFill>
+                <a:schemeClr val="tx1">
+                  <a:alpha val="20000"/>
+                </a:schemeClr>
+              </a:solidFill>
+              <a:prstDash val="lgDash"/>
+              <a:miter lim="800000"/>
+              <a:headEnd/>
+              <a:tailEnd/>
+            </a:ln>
+            <a:extLst>
+              <a:ext uri="{909E8E84-426E-40DD-AFC4-6F175D3DCCD1}">
+                <a14:hiddenFill xmlns:a14="http://schemas.microsoft.com/office/drawing/2010/main">
+                  <a:solidFill>
+                    <a:srgbClr val="FFFFFF"/>
+                  </a:solidFill>
+                </a14:hiddenFill>
+              </a:ext>
+            </a:extLst>
+          </p:spPr>
+          <p:txBody>
+            <a:bodyPr vert="horz" wrap="square" lIns="91440" tIns="45720" rIns="91440" bIns="45720" numCol="1" anchor="t" anchorCtr="0" compatLnSpc="1">
+              <a:prstTxWarp prst="textNoShape">
+                <a:avLst/>
+              </a:prstTxWarp>
+            </a:bodyPr>
+            <a:lstStyle/>
+            <a:p>
+              <a:endParaRPr lang="en-US"/>
+            </a:p>
+          </p:txBody>
+        </p:sp>
+        <p:sp>
+          <p:nvSpPr>
+            <p:cNvPr id="57" name="Freeform 22">
+              <a:extLst>
+                <a:ext uri="{FF2B5EF4-FFF2-40B4-BE49-F238E27FC236}">
+                  <a16:creationId xmlns:a16="http://schemas.microsoft.com/office/drawing/2014/main" id="{C9EDBF49-4B87-4B6F-BEE6-DDC4A63CE60D}"/>
+                </a:ext>
+                <a:ext uri="{C183D7F6-B498-43B3-948B-1728B52AA6E4}">
+                  <adec:decorative xmlns:adec="http://schemas.microsoft.com/office/drawing/2017/decorative" val="1"/>
+                </a:ext>
+              </a:extLst>
+            </p:cNvPr>
+            <p:cNvSpPr>
+              <a:spLocks/>
+            </p:cNvSpPr>
+            <p:nvPr>
+              <p:extLst>
+                <p:ext uri="{386F3935-93C4-4BCD-93E2-E3B085C9AB24}">
+                  <p16:designElem xmlns:p16="http://schemas.microsoft.com/office/powerpoint/2015/main" val="1"/>
+                </p:ext>
+              </p:extLst>
+            </p:nvPr>
+          </p:nvSpPr>
+          <p:spPr bwMode="auto">
+            <a:xfrm>
+              <a:off x="-417513" y="0"/>
+              <a:ext cx="2403475" cy="6843713"/>
+            </a:xfrm>
+            <a:custGeom>
+              <a:avLst/>
+              <a:gdLst>
+                <a:gd name="T0" fmla="*/ 506 w 506"/>
+                <a:gd name="T1" fmla="*/ 0 h 1440"/>
+                <a:gd name="T2" fmla="*/ 171 w 506"/>
+                <a:gd name="T3" fmla="*/ 1440 h 1440"/>
+              </a:gdLst>
+              <a:ahLst/>
+              <a:cxnLst>
+                <a:cxn ang="0">
+                  <a:pos x="T0" y="T1"/>
+                </a:cxn>
+                <a:cxn ang="0">
+                  <a:pos x="T2" y="T3"/>
+                </a:cxn>
+              </a:cxnLst>
+              <a:rect l="0" t="0" r="r" b="b"/>
+              <a:pathLst>
+                <a:path w="506" h="1440">
+                  <a:moveTo>
+                    <a:pt x="506" y="0"/>
+                  </a:moveTo>
+                  <a:cubicBezTo>
+                    <a:pt x="109" y="356"/>
+                    <a:pt x="0" y="943"/>
+                    <a:pt x="171" y="1440"/>
+                  </a:cubicBezTo>
+                </a:path>
+              </a:pathLst>
+            </a:custGeom>
+            <a:noFill/>
+            <a:ln w="9525" cap="flat">
+              <a:solidFill>
+                <a:schemeClr val="tx1">
+                  <a:alpha val="20000"/>
+                </a:schemeClr>
+              </a:solidFill>
+              <a:prstDash val="solid"/>
+              <a:miter lim="800000"/>
+              <a:headEnd/>
+              <a:tailEnd/>
+            </a:ln>
+            <a:extLst>
+              <a:ext uri="{909E8E84-426E-40DD-AFC4-6F175D3DCCD1}">
+                <a14:hiddenFill xmlns:a14="http://schemas.microsoft.com/office/drawing/2010/main">
+                  <a:solidFill>
+                    <a:srgbClr val="FFFFFF"/>
+                  </a:solidFill>
+                </a14:hiddenFill>
+              </a:ext>
+            </a:extLst>
+          </p:spPr>
+          <p:txBody>
+            <a:bodyPr vert="horz" wrap="square" lIns="91440" tIns="45720" rIns="91440" bIns="45720" numCol="1" anchor="t" anchorCtr="0" compatLnSpc="1">
+              <a:prstTxWarp prst="textNoShape">
+                <a:avLst/>
+              </a:prstTxWarp>
+            </a:bodyPr>
+            <a:lstStyle/>
+            <a:p>
+              <a:endParaRPr lang="en-US"/>
+            </a:p>
+          </p:txBody>
+        </p:sp>
+        <p:sp>
+          <p:nvSpPr>
+            <p:cNvPr id="58" name="Freeform 23">
+              <a:extLst>
+                <a:ext uri="{FF2B5EF4-FFF2-40B4-BE49-F238E27FC236}">
+                  <a16:creationId xmlns:a16="http://schemas.microsoft.com/office/drawing/2014/main" id="{7738C468-1405-4ED9-8392-F93FA995EE04}"/>
+                </a:ext>
+                <a:ext uri="{C183D7F6-B498-43B3-948B-1728B52AA6E4}">
+                  <adec:decorative xmlns:adec="http://schemas.microsoft.com/office/drawing/2017/decorative" val="1"/>
+                </a:ext>
+              </a:extLst>
+            </p:cNvPr>
+            <p:cNvSpPr>
+              <a:spLocks/>
+            </p:cNvSpPr>
+            <p:nvPr>
+              <p:extLst>
+                <p:ext uri="{386F3935-93C4-4BCD-93E2-E3B085C9AB24}">
+                  <p16:designElem xmlns:p16="http://schemas.microsoft.com/office/powerpoint/2015/main" val="1"/>
+                </p:ext>
+              </p:extLst>
+            </p:nvPr>
+          </p:nvSpPr>
+          <p:spPr bwMode="auto">
+            <a:xfrm>
+              <a:off x="14288" y="9525"/>
+              <a:ext cx="1771650" cy="3198813"/>
+            </a:xfrm>
+            <a:custGeom>
+              <a:avLst/>
+              <a:gdLst>
+                <a:gd name="T0" fmla="*/ 373 w 373"/>
+                <a:gd name="T1" fmla="*/ 0 h 673"/>
+                <a:gd name="T2" fmla="*/ 0 w 373"/>
+                <a:gd name="T3" fmla="*/ 673 h 673"/>
+              </a:gdLst>
+              <a:ahLst/>
+              <a:cxnLst>
+                <a:cxn ang="0">
+                  <a:pos x="T0" y="T1"/>
+                </a:cxn>
+                <a:cxn ang="0">
+                  <a:pos x="T2" y="T3"/>
+                </a:cxn>
+              </a:cxnLst>
+              <a:rect l="0" t="0" r="r" b="b"/>
+              <a:pathLst>
+                <a:path w="373" h="673">
+                  <a:moveTo>
+                    <a:pt x="373" y="0"/>
+                  </a:moveTo>
+                  <a:cubicBezTo>
+                    <a:pt x="175" y="183"/>
+                    <a:pt x="51" y="409"/>
+                    <a:pt x="0" y="673"/>
+                  </a:cubicBezTo>
+                </a:path>
+              </a:pathLst>
+            </a:custGeom>
+            <a:noFill/>
+            <a:ln w="9525" cap="flat">
+              <a:solidFill>
+                <a:schemeClr val="tx1">
+                  <a:alpha val="20000"/>
+                </a:schemeClr>
+              </a:solidFill>
+              <a:prstDash val="solid"/>
+              <a:miter lim="800000"/>
+              <a:headEnd/>
+              <a:tailEnd/>
+            </a:ln>
+            <a:extLst>
+              <a:ext uri="{909E8E84-426E-40DD-AFC4-6F175D3DCCD1}">
+                <a14:hiddenFill xmlns:a14="http://schemas.microsoft.com/office/drawing/2010/main">
+                  <a:solidFill>
+                    <a:srgbClr val="FFFFFF"/>
+                  </a:solidFill>
+                </a14:hiddenFill>
+              </a:ext>
+            </a:extLst>
+          </p:spPr>
+          <p:txBody>
+            <a:bodyPr vert="horz" wrap="square" lIns="91440" tIns="45720" rIns="91440" bIns="45720" numCol="1" anchor="t" anchorCtr="0" compatLnSpc="1">
+              <a:prstTxWarp prst="textNoShape">
+                <a:avLst/>
+              </a:prstTxWarp>
+            </a:bodyPr>
+            <a:lstStyle/>
+            <a:p>
+              <a:endParaRPr lang="en-US"/>
+            </a:p>
+          </p:txBody>
+        </p:sp>
+        <p:sp>
+          <p:nvSpPr>
+            <p:cNvPr id="59" name="Freeform 24">
+              <a:extLst>
+                <a:ext uri="{FF2B5EF4-FFF2-40B4-BE49-F238E27FC236}">
+                  <a16:creationId xmlns:a16="http://schemas.microsoft.com/office/drawing/2014/main" id="{F16402CF-F511-450A-8584-8C8A5B7E9D9A}"/>
+                </a:ext>
+                <a:ext uri="{C183D7F6-B498-43B3-948B-1728B52AA6E4}">
+                  <adec:decorative xmlns:adec="http://schemas.microsoft.com/office/drawing/2017/decorative" val="1"/>
+                </a:ext>
+              </a:extLst>
+            </p:cNvPr>
+            <p:cNvSpPr>
+              <a:spLocks/>
+            </p:cNvSpPr>
+            <p:nvPr>
+              <p:extLst>
+                <p:ext uri="{386F3935-93C4-4BCD-93E2-E3B085C9AB24}">
+                  <p16:designElem xmlns:p16="http://schemas.microsoft.com/office/powerpoint/2015/main" val="1"/>
+                </p:ext>
+              </p:extLst>
+            </p:nvPr>
+          </p:nvSpPr>
+          <p:spPr bwMode="auto">
+            <a:xfrm>
+              <a:off x="4763" y="6016625"/>
+              <a:ext cx="214313" cy="827088"/>
+            </a:xfrm>
+            <a:custGeom>
+              <a:avLst/>
+              <a:gdLst>
+                <a:gd name="T0" fmla="*/ 0 w 45"/>
+                <a:gd name="T1" fmla="*/ 0 h 174"/>
+                <a:gd name="T2" fmla="*/ 45 w 45"/>
+                <a:gd name="T3" fmla="*/ 174 h 174"/>
+              </a:gdLst>
+              <a:ahLst/>
+              <a:cxnLst>
+                <a:cxn ang="0">
+                  <a:pos x="T0" y="T1"/>
+                </a:cxn>
+                <a:cxn ang="0">
+                  <a:pos x="T2" y="T3"/>
+                </a:cxn>
+              </a:cxnLst>
+              <a:rect l="0" t="0" r="r" b="b"/>
+              <a:pathLst>
+                <a:path w="45" h="174">
+                  <a:moveTo>
+                    <a:pt x="0" y="0"/>
+                  </a:moveTo>
+                  <a:cubicBezTo>
+                    <a:pt x="11" y="59"/>
+                    <a:pt x="26" y="118"/>
+                    <a:pt x="45" y="174"/>
+                  </a:cubicBezTo>
+                </a:path>
+              </a:pathLst>
+            </a:custGeom>
+            <a:noFill/>
+            <a:ln w="9525" cap="flat">
+              <a:solidFill>
+                <a:schemeClr val="tx1">
+                  <a:alpha val="20000"/>
+                </a:schemeClr>
+              </a:solidFill>
+              <a:prstDash val="solid"/>
+              <a:miter lim="800000"/>
+              <a:headEnd/>
+              <a:tailEnd/>
+            </a:ln>
+            <a:extLst>
+              <a:ext uri="{909E8E84-426E-40DD-AFC4-6F175D3DCCD1}">
+                <a14:hiddenFill xmlns:a14="http://schemas.microsoft.com/office/drawing/2010/main">
+                  <a:solidFill>
+                    <a:srgbClr val="FFFFFF"/>
+                  </a:solidFill>
+                </a14:hiddenFill>
+              </a:ext>
+            </a:extLst>
+          </p:spPr>
+          <p:txBody>
+            <a:bodyPr vert="horz" wrap="square" lIns="91440" tIns="45720" rIns="91440" bIns="45720" numCol="1" anchor="t" anchorCtr="0" compatLnSpc="1">
+              <a:prstTxWarp prst="textNoShape">
+                <a:avLst/>
+              </a:prstTxWarp>
+            </a:bodyPr>
+            <a:lstStyle/>
+            <a:p>
+              <a:endParaRPr lang="en-US"/>
+            </a:p>
+          </p:txBody>
+        </p:sp>
+        <p:sp>
+          <p:nvSpPr>
+            <p:cNvPr id="60" name="Freeform 25">
+              <a:extLst>
+                <a:ext uri="{FF2B5EF4-FFF2-40B4-BE49-F238E27FC236}">
+                  <a16:creationId xmlns:a16="http://schemas.microsoft.com/office/drawing/2014/main" id="{85E5B49A-CFC2-4019-9BA6-528095F788CC}"/>
+                </a:ext>
+                <a:ext uri="{C183D7F6-B498-43B3-948B-1728B52AA6E4}">
+                  <adec:decorative xmlns:adec="http://schemas.microsoft.com/office/drawing/2017/decorative" val="1"/>
+                </a:ext>
+              </a:extLst>
+            </p:cNvPr>
+            <p:cNvSpPr>
+              <a:spLocks/>
+            </p:cNvSpPr>
+            <p:nvPr>
+              <p:extLst>
+                <p:ext uri="{386F3935-93C4-4BCD-93E2-E3B085C9AB24}">
+                  <p16:designElem xmlns:p16="http://schemas.microsoft.com/office/powerpoint/2015/main" val="1"/>
+                </p:ext>
+              </p:extLst>
+            </p:nvPr>
+          </p:nvSpPr>
+          <p:spPr bwMode="auto">
+            <a:xfrm>
+              <a:off x="14288" y="0"/>
+              <a:ext cx="1562100" cy="2228850"/>
+            </a:xfrm>
+            <a:custGeom>
+              <a:avLst/>
+              <a:gdLst>
+                <a:gd name="T0" fmla="*/ 329 w 329"/>
+                <a:gd name="T1" fmla="*/ 0 h 469"/>
+                <a:gd name="T2" fmla="*/ 0 w 329"/>
+                <a:gd name="T3" fmla="*/ 469 h 469"/>
+              </a:gdLst>
+              <a:ahLst/>
+              <a:cxnLst>
+                <a:cxn ang="0">
+                  <a:pos x="T0" y="T1"/>
+                </a:cxn>
+                <a:cxn ang="0">
+                  <a:pos x="T2" y="T3"/>
+                </a:cxn>
+              </a:cxnLst>
+              <a:rect l="0" t="0" r="r" b="b"/>
+              <a:pathLst>
+                <a:path w="329" h="469">
+                  <a:moveTo>
+                    <a:pt x="329" y="0"/>
+                  </a:moveTo>
+                  <a:cubicBezTo>
+                    <a:pt x="189" y="133"/>
+                    <a:pt x="69" y="288"/>
+                    <a:pt x="0" y="469"/>
+                  </a:cubicBezTo>
+                </a:path>
+              </a:pathLst>
+            </a:custGeom>
+            <a:noFill/>
+            <a:ln w="9525" cap="flat">
+              <a:solidFill>
+                <a:schemeClr val="tx1">
+                  <a:alpha val="20000"/>
+                </a:schemeClr>
+              </a:solidFill>
+              <a:prstDash val="solid"/>
+              <a:miter lim="800000"/>
+              <a:headEnd/>
+              <a:tailEnd/>
+            </a:ln>
+            <a:extLst>
+              <a:ext uri="{909E8E84-426E-40DD-AFC4-6F175D3DCCD1}">
+                <a14:hiddenFill xmlns:a14="http://schemas.microsoft.com/office/drawing/2010/main">
+                  <a:solidFill>
+                    <a:srgbClr val="FFFFFF"/>
+                  </a:solidFill>
+                </a14:hiddenFill>
+              </a:ext>
+            </a:extLst>
+          </p:spPr>
+          <p:txBody>
+            <a:bodyPr vert="horz" wrap="square" lIns="91440" tIns="45720" rIns="91440" bIns="45720" numCol="1" anchor="t" anchorCtr="0" compatLnSpc="1">
+              <a:prstTxWarp prst="textNoShape">
+                <a:avLst/>
+              </a:prstTxWarp>
+            </a:bodyPr>
+            <a:lstStyle/>
+            <a:p>
+              <a:endParaRPr lang="en-US"/>
+            </a:p>
+          </p:txBody>
+        </p:sp>
+      </p:grpSp>
       <p:sp>
         <p:nvSpPr>
-          <p:cNvPr id="2" name="Title 1">
+          <p:cNvPr id="62" name="Rectangle 61">
             <a:extLst>
               <a:ext uri="{FF2B5EF4-FFF2-40B4-BE49-F238E27FC236}">
-                <a16:creationId xmlns:a16="http://schemas.microsoft.com/office/drawing/2014/main" id="{4E380FE9-B9B8-4046-8481-431C79F69C77}"/>
+                <a16:creationId xmlns:a16="http://schemas.microsoft.com/office/drawing/2014/main" id="{E972DE0D-2E53-4159-ABD3-C601524262C2}"/>
+              </a:ext>
+              <a:ext uri="{C183D7F6-B498-43B3-948B-1728B52AA6E4}">
+                <adec:decorative xmlns:adec="http://schemas.microsoft.com/office/drawing/2017/decorative" val="1"/>
               </a:ext>
             </a:extLst>
           </p:cNvPr>
           <p:cNvSpPr>
-            <a:spLocks noGrp="1"/>
+            <a:spLocks noGrp="1" noRot="1" noChangeAspect="1" noMove="1" noResize="1" noEditPoints="1" noAdjustHandles="1" noChangeArrowheads="1" noChangeShapeType="1" noTextEdit="1"/>
           </p:cNvSpPr>
           <p:nvPr>
-            <p:ph type="title"/>
+            <p:extLst>
+              <p:ext uri="{386F3935-93C4-4BCD-93E2-E3B085C9AB24}">
+                <p16:designElem xmlns:p16="http://schemas.microsoft.com/office/powerpoint/2015/main" val="1"/>
+              </p:ext>
+            </p:extLst>
           </p:nvPr>
         </p:nvSpPr>
-        <p:spPr/>
+        <p:spPr>
+          <a:xfrm>
+            <a:off x="807720" y="795527"/>
+            <a:ext cx="5970638" cy="5248847"/>
+          </a:xfrm>
+          <a:prstGeom prst="rect">
+            <a:avLst/>
+          </a:prstGeom>
+          <a:solidFill>
+            <a:schemeClr val="bg1"/>
+          </a:solidFill>
+          <a:ln w="19050">
+            <a:solidFill>
+              <a:srgbClr val="FFB36E"/>
+            </a:solidFill>
+            <a:miter lim="800000"/>
+          </a:ln>
+        </p:spPr>
+        <p:style>
+          <a:lnRef idx="2">
+            <a:schemeClr val="accent1">
+              <a:shade val="50000"/>
+            </a:schemeClr>
+          </a:lnRef>
+          <a:fillRef idx="1">
+            <a:schemeClr val="accent1"/>
+          </a:fillRef>
+          <a:effectRef idx="0">
+            <a:schemeClr val="accent1"/>
+          </a:effectRef>
+          <a:fontRef idx="minor">
+            <a:schemeClr val="lt1"/>
+          </a:fontRef>
+        </p:style>
         <p:txBody>
-          <a:bodyPr/>
+          <a:bodyPr rtlCol="0" anchor="ctr"/>
           <a:lstStyle/>
           <a:p>
-            <a:r>
-              <a:rPr lang="en-US"/>
-              <a:t>Conclusion</a:t>
-            </a:r>
-            <a:endParaRPr lang="en-US" dirty="0"/>
+            <a:pPr algn="ctr"/>
+            <a:endParaRPr lang="en-US"/>
           </a:p>
         </p:txBody>
       </p:sp>
       <p:sp>
         <p:nvSpPr>
-          <p:cNvPr id="3" name="Content Placeholder 2">
+          <p:cNvPr id="2" name="TextBox 1">
             <a:extLst>
               <a:ext uri="{FF2B5EF4-FFF2-40B4-BE49-F238E27FC236}">
-                <a16:creationId xmlns:a16="http://schemas.microsoft.com/office/drawing/2014/main" id="{CF5932BA-0AD6-C742-81D1-188E4DCAED58}"/>
+                <a16:creationId xmlns:a16="http://schemas.microsoft.com/office/drawing/2014/main" id="{E1880109-1A86-8341-ACD1-3F4C52509BEB}"/>
               </a:ext>
             </a:extLst>
           </p:cNvPr>
-          <p:cNvSpPr>
-            <a:spLocks noGrp="1"/>
-          </p:cNvSpPr>
-          <p:nvPr>
-            <p:ph idx="1"/>
-          </p:nvPr>
+          <p:cNvSpPr txBox="1"/>
+          <p:nvPr/>
         </p:nvSpPr>
-        <p:spPr/>
+        <p:spPr>
+          <a:xfrm>
+            <a:off x="7312025" y="827088"/>
+            <a:ext cx="4081400" cy="5189537"/>
+          </a:xfrm>
+          <a:prstGeom prst="rect">
+            <a:avLst/>
+          </a:prstGeom>
+        </p:spPr>
         <p:txBody>
-          <a:bodyPr/>
+          <a:bodyPr vert="horz" lIns="91440" tIns="45720" rIns="91440" bIns="45720" rtlCol="0" anchor="ctr">
+            <a:normAutofit/>
+          </a:bodyPr>
           <a:lstStyle/>
           <a:p>
-            <a:pPr marL="0" indent="0">
-              <a:buNone/>
+            <a:pPr indent="-228600" defTabSz="914400">
+              <a:lnSpc>
+                <a:spcPct val="110000"/>
+              </a:lnSpc>
+              <a:spcAft>
+                <a:spcPts val="600"/>
+              </a:spcAft>
+              <a:buClr>
+                <a:srgbClr val="FFB36E"/>
+              </a:buClr>
+              <a:buSzPct val="110000"/>
+              <a:buFont typeface="Wingdings" panose="05000000000000000000" pitchFamily="2" charset="2"/>
+              <a:buChar char="§"/>
             </a:pPr>
             <a:r>
-              <a:rPr lang="en-US" dirty="0"/>
+              <a:rPr lang="en-US" sz="1600" dirty="0"/>
               <a:t>It is evident from the analysis of the models that were run that there does not exist any real correlation in the data that would indicate whether a person who downloads the app will become a user. </a:t>
             </a:r>
           </a:p>
           <a:p>
-            <a:pPr marL="0" indent="0">
-              <a:buNone/>
+            <a:pPr indent="-228600" defTabSz="914400">
+              <a:lnSpc>
+                <a:spcPct val="110000"/>
+              </a:lnSpc>
+              <a:spcAft>
+                <a:spcPts val="600"/>
+              </a:spcAft>
+              <a:buClr>
+                <a:srgbClr val="FFB36E"/>
+              </a:buClr>
+              <a:buSzPct val="110000"/>
+              <a:buFont typeface="Wingdings" panose="05000000000000000000" pitchFamily="2" charset="2"/>
+              <a:buChar char="§"/>
+            </a:pPr>
+            <a:endParaRPr lang="en-US" sz="1600" dirty="0"/>
+          </a:p>
+          <a:p>
+            <a:pPr indent="-228600" defTabSz="914400">
+              <a:lnSpc>
+                <a:spcPct val="110000"/>
+              </a:lnSpc>
+              <a:spcAft>
+                <a:spcPts val="600"/>
+              </a:spcAft>
+              <a:buClr>
+                <a:srgbClr val="FFB36E"/>
+              </a:buClr>
+              <a:buSzPct val="110000"/>
+              <a:buFont typeface="Wingdings" panose="05000000000000000000" pitchFamily="2" charset="2"/>
+              <a:buChar char="§"/>
             </a:pPr>
             <a:r>
-              <a:rPr lang="en-US" dirty="0"/>
-              <a:t>This conclusion can be seen pre balancing which resulted in an 80% accuracy which is the close to the split of non users vs post balancing of 50% which is the split on the balanced data. </a:t>
+              <a:rPr lang="en-US" sz="1600" dirty="0"/>
+              <a:t>This conclusion can be seen pre balancing which resulted in an 80% accuracy which is the close to the split of non-users vs post balancing of 50% which is the split on the balanced data. </a:t>
             </a:r>
           </a:p>
           <a:p>
-            <a:pPr marL="0" indent="0">
-              <a:buNone/>
+            <a:pPr indent="-228600" defTabSz="914400">
+              <a:lnSpc>
+                <a:spcPct val="110000"/>
+              </a:lnSpc>
+              <a:spcAft>
+                <a:spcPts val="600"/>
+              </a:spcAft>
+              <a:buClr>
+                <a:srgbClr val="FFB36E"/>
+              </a:buClr>
+              <a:buSzPct val="110000"/>
+              <a:buFont typeface="Wingdings" panose="05000000000000000000" pitchFamily="2" charset="2"/>
+              <a:buChar char="§"/>
             </a:pPr>
-            <a:endParaRPr lang="en-US" dirty="0"/>
+            <a:endParaRPr lang="en-US" sz="1600" dirty="0"/>
           </a:p>
           <a:p>
-            <a:pPr marL="0" indent="0">
-              <a:buNone/>
+            <a:pPr indent="-228600" defTabSz="914400">
+              <a:lnSpc>
+                <a:spcPct val="110000"/>
+              </a:lnSpc>
+              <a:spcAft>
+                <a:spcPts val="600"/>
+              </a:spcAft>
+              <a:buClr>
+                <a:srgbClr val="FFB36E"/>
+              </a:buClr>
+              <a:buSzPct val="110000"/>
+              <a:buFont typeface="Wingdings" panose="05000000000000000000" pitchFamily="2" charset="2"/>
+              <a:buChar char="§"/>
             </a:pPr>
             <a:r>
-              <a:rPr lang="en-US" dirty="0"/>
-              <a:t>Conclusion is that marketing need to be done to all user who download to entice them to use the app. </a:t>
+              <a:rPr lang="en-US" sz="1600" dirty="0"/>
+              <a:t>Conclusion is that marketing needs to focused on all users who download to entice them to use the app. </a:t>
             </a:r>
           </a:p>
           <a:p>
-            <a:pPr marL="0" indent="0">
-              <a:buNone/>
+            <a:pPr indent="-228600" defTabSz="914400">
+              <a:lnSpc>
+                <a:spcPct val="110000"/>
+              </a:lnSpc>
+              <a:spcAft>
+                <a:spcPts val="600"/>
+              </a:spcAft>
+              <a:buClr>
+                <a:srgbClr val="FFB36E"/>
+              </a:buClr>
+              <a:buSzPct val="110000"/>
+              <a:buFont typeface="Wingdings" panose="05000000000000000000" pitchFamily="2" charset="2"/>
+              <a:buChar char="§"/>
             </a:pPr>
+            <a:endParaRPr lang="en-US" sz="1600" dirty="0"/>
+          </a:p>
+          <a:p>
+            <a:pPr indent="-228600" defTabSz="914400">
+              <a:lnSpc>
+                <a:spcPct val="110000"/>
+              </a:lnSpc>
+              <a:spcAft>
+                <a:spcPts val="600"/>
+              </a:spcAft>
+              <a:buClr>
+                <a:srgbClr val="FFB36E"/>
+              </a:buClr>
+              <a:buSzPct val="110000"/>
+              <a:buFont typeface="Wingdings" panose="05000000000000000000" pitchFamily="2" charset="2"/>
+              <a:buChar char="§"/>
+            </a:pPr>
+            <a:endParaRPr lang="en-US" sz="1100" dirty="0"/>
+          </a:p>
+        </p:txBody>
+      </p:sp>
+      <p:pic>
+        <p:nvPicPr>
+          <p:cNvPr id="6" name="Picture 5" descr="Chart, box and whisker chart&#10;&#10;Description automatically generated">
+            <a:extLst>
+              <a:ext uri="{FF2B5EF4-FFF2-40B4-BE49-F238E27FC236}">
+                <a16:creationId xmlns:a16="http://schemas.microsoft.com/office/drawing/2014/main" id="{B02960A2-BF0C-714B-8348-B8954E326ED2}"/>
+              </a:ext>
+            </a:extLst>
+          </p:cNvPr>
+          <p:cNvPicPr>
+            <a:picLocks noChangeAspect="1"/>
+          </p:cNvPicPr>
+          <p:nvPr/>
+        </p:nvPicPr>
+        <p:blipFill>
+          <a:blip r:embed="rId2"/>
+          <a:stretch>
+            <a:fillRect/>
+          </a:stretch>
+        </p:blipFill>
+        <p:spPr>
+          <a:xfrm>
+            <a:off x="1851495" y="836677"/>
+            <a:ext cx="3316491" cy="2228743"/>
+          </a:xfrm>
+          <a:prstGeom prst="rect">
+            <a:avLst/>
+          </a:prstGeom>
+        </p:spPr>
+      </p:pic>
+      <p:sp>
+        <p:nvSpPr>
+          <p:cNvPr id="7" name="TextBox 6">
+            <a:extLst>
+              <a:ext uri="{FF2B5EF4-FFF2-40B4-BE49-F238E27FC236}">
+                <a16:creationId xmlns:a16="http://schemas.microsoft.com/office/drawing/2014/main" id="{5F7CFFAF-0F67-5242-9466-C820380ED9E9}"/>
+              </a:ext>
+            </a:extLst>
+          </p:cNvPr>
+          <p:cNvSpPr txBox="1"/>
+          <p:nvPr/>
+        </p:nvSpPr>
+        <p:spPr>
+          <a:xfrm>
+            <a:off x="4246563" y="114148"/>
+            <a:ext cx="3683218" cy="461665"/>
+          </a:xfrm>
+          <a:prstGeom prst="rect">
+            <a:avLst/>
+          </a:prstGeom>
+          <a:solidFill>
+            <a:schemeClr val="accent1"/>
+          </a:solidFill>
+        </p:spPr>
+        <p:txBody>
+          <a:bodyPr wrap="square" rtlCol="0">
+            <a:spAutoFit/>
+          </a:bodyPr>
+          <a:lstStyle/>
+          <a:p>
+            <a:pPr algn="ctr"/>
             <a:r>
-              <a:rPr lang="en-US" dirty="0"/>
-              <a:t>In addition, more data should be collected at registration which will help in future data analysis. </a:t>
+              <a:rPr lang="en-US" sz="2400" dirty="0">
+                <a:solidFill>
+                  <a:schemeClr val="bg1"/>
+                </a:solidFill>
+              </a:rPr>
+              <a:t>Conclusion</a:t>
+            </a:r>
+          </a:p>
+        </p:txBody>
+      </p:sp>
+      <p:pic>
+        <p:nvPicPr>
+          <p:cNvPr id="31" name="Picture 30" descr="Chart, box and whisker chart&#10;&#10;Description automatically generated">
+            <a:extLst>
+              <a:ext uri="{FF2B5EF4-FFF2-40B4-BE49-F238E27FC236}">
+                <a16:creationId xmlns:a16="http://schemas.microsoft.com/office/drawing/2014/main" id="{A5D9B998-0460-8544-B60C-5317C3605981}"/>
+              </a:ext>
+            </a:extLst>
+          </p:cNvPr>
+          <p:cNvPicPr>
+            <a:picLocks noChangeAspect="1"/>
+          </p:cNvPicPr>
+          <p:nvPr/>
+        </p:nvPicPr>
+        <p:blipFill>
+          <a:blip r:embed="rId3"/>
+          <a:stretch>
+            <a:fillRect/>
+          </a:stretch>
+        </p:blipFill>
+        <p:spPr>
+          <a:xfrm>
+            <a:off x="1776178" y="3447127"/>
+            <a:ext cx="3509513" cy="2358457"/>
+          </a:xfrm>
+          <a:prstGeom prst="rect">
+            <a:avLst/>
+          </a:prstGeom>
+        </p:spPr>
+      </p:pic>
+      <p:sp>
+        <p:nvSpPr>
+          <p:cNvPr id="36" name="TextBox 35">
+            <a:extLst>
+              <a:ext uri="{FF2B5EF4-FFF2-40B4-BE49-F238E27FC236}">
+                <a16:creationId xmlns:a16="http://schemas.microsoft.com/office/drawing/2014/main" id="{958DC563-6AC1-B84A-8B38-C3AAC795A15D}"/>
+              </a:ext>
+            </a:extLst>
+          </p:cNvPr>
+          <p:cNvSpPr txBox="1"/>
+          <p:nvPr/>
+        </p:nvSpPr>
+        <p:spPr>
+          <a:xfrm rot="20428481">
+            <a:off x="997301" y="1699589"/>
+            <a:ext cx="737043" cy="400110"/>
+          </a:xfrm>
+          <a:prstGeom prst="rect">
+            <a:avLst/>
+          </a:prstGeom>
+          <a:noFill/>
+        </p:spPr>
+        <p:txBody>
+          <a:bodyPr wrap="square" rtlCol="0">
+            <a:spAutoFit/>
+          </a:bodyPr>
+          <a:lstStyle/>
+          <a:p>
+            <a:r>
+              <a:rPr lang="en-US" sz="2000" dirty="0">
+                <a:solidFill>
+                  <a:srgbClr val="FF0000"/>
+                </a:solidFill>
+              </a:rPr>
+              <a:t>BMI</a:t>
+            </a:r>
+          </a:p>
+        </p:txBody>
+      </p:sp>
+      <p:sp>
+        <p:nvSpPr>
+          <p:cNvPr id="38" name="TextBox 37">
+            <a:extLst>
+              <a:ext uri="{FF2B5EF4-FFF2-40B4-BE49-F238E27FC236}">
+                <a16:creationId xmlns:a16="http://schemas.microsoft.com/office/drawing/2014/main" id="{F96EF978-F661-6544-94E8-8A7CD0A37EDD}"/>
+              </a:ext>
+            </a:extLst>
+          </p:cNvPr>
+          <p:cNvSpPr txBox="1"/>
+          <p:nvPr/>
+        </p:nvSpPr>
+        <p:spPr>
+          <a:xfrm rot="20399039">
+            <a:off x="997301" y="4353134"/>
+            <a:ext cx="778877" cy="400110"/>
+          </a:xfrm>
+          <a:prstGeom prst="rect">
+            <a:avLst/>
+          </a:prstGeom>
+          <a:noFill/>
+        </p:spPr>
+        <p:txBody>
+          <a:bodyPr wrap="square" rtlCol="0">
+            <a:spAutoFit/>
+          </a:bodyPr>
+          <a:lstStyle/>
+          <a:p>
+            <a:r>
+              <a:rPr lang="en-US" sz="2000" dirty="0">
+                <a:solidFill>
+                  <a:srgbClr val="FF0000"/>
+                </a:solidFill>
+              </a:rPr>
+              <a:t>AGE</a:t>
             </a:r>
           </a:p>
         </p:txBody>
@@ -16451,13 +20512,16 @@
     </p:spTree>
     <p:extLst>
       <p:ext uri="{BB962C8B-B14F-4D97-AF65-F5344CB8AC3E}">
-        <p14:creationId xmlns:p14="http://schemas.microsoft.com/office/powerpoint/2010/main" val="2005733745"/>
+        <p14:creationId xmlns:p14="http://schemas.microsoft.com/office/powerpoint/2010/main" val="1223195014"/>
       </p:ext>
     </p:extLst>
   </p:cSld>
   <p:clrMapOvr>
     <a:masterClrMapping/>
   </p:clrMapOvr>
+  <p:transition spd="slow">
+    <p:push dir="u"/>
+  </p:transition>
 </p:sld>
 </file>
 
@@ -20039,7 +24103,7 @@
         </p:spPr>
         <p:txBody>
           <a:bodyPr vert="horz" lIns="228600" tIns="228600" rIns="228600" bIns="0" rtlCol="0" anchor="b">
-            <a:normAutofit/>
+            <a:normAutofit fontScale="90000"/>
           </a:bodyPr>
           <a:lstStyle/>
           <a:p>
@@ -20055,9 +24119,12 @@
             <a:br>
               <a:rPr lang="en-US" sz="4800" dirty="0"/>
             </a:br>
+            <a:br>
+              <a:rPr lang="en-US" sz="4800" dirty="0"/>
+            </a:br>
             <a:r>
               <a:rPr lang="en-US" sz="4800" dirty="0"/>
-              <a:t>Next models </a:t>
+              <a:t>Future </a:t>
             </a:r>
           </a:p>
         </p:txBody>
@@ -20072,6 +24139,9 @@
   <p:clrMapOvr>
     <a:masterClrMapping/>
   </p:clrMapOvr>
+  <p:transition spd="slow">
+    <p:push dir="u"/>
+  </p:transition>
 </p:sld>
 </file>
 
@@ -20207,6 +24277,24 @@
               <a:buFont typeface="Arial" panose="020B0604020202020204" pitchFamily="34" charset="0"/>
               <a:buChar char="•"/>
             </a:pPr>
+            <a:r>
+              <a:rPr lang="en-US" dirty="0"/>
+              <a:t>Collect more relevant </a:t>
+            </a:r>
+            <a:r>
+              <a:rPr lang="en-US"/>
+              <a:t>data at </a:t>
+            </a:r>
+            <a:r>
+              <a:rPr lang="en-US" dirty="0"/>
+              <a:t>registration which will help in future data analysis. </a:t>
+            </a:r>
+          </a:p>
+          <a:p>
+            <a:pPr lvl="1">
+              <a:buFont typeface="Arial" panose="020B0604020202020204" pitchFamily="34" charset="0"/>
+              <a:buChar char="•"/>
+            </a:pPr>
             <a:endParaRPr lang="en-US" dirty="0"/>
           </a:p>
         </p:txBody>
@@ -20221,6 +24309,9 @@
   <p:clrMapOvr>
     <a:masterClrMapping/>
   </p:clrMapOvr>
+  <p:transition spd="slow">
+    <p:push dir="u"/>
+  </p:transition>
 </p:sld>
 </file>
 
@@ -20354,6 +24445,9 @@
   <p:clrMapOvr>
     <a:masterClrMapping/>
   </p:clrMapOvr>
+  <p:transition spd="slow">
+    <p:push dir="u"/>
+  </p:transition>
 </p:sld>
 </file>
 
@@ -20480,6 +24574,9 @@
   <p:clrMapOvr>
     <a:masterClrMapping/>
   </p:clrMapOvr>
+  <p:transition spd="slow">
+    <p:push dir="u"/>
+  </p:transition>
 </p:sld>
 </file>
 
@@ -20518,151 +24615,26 @@
         </p:nvSpPr>
         <p:spPr>
           <a:xfrm>
-            <a:off x="888631" y="2349925"/>
-            <a:ext cx="3498979" cy="2505854"/>
+            <a:off x="388883" y="1681655"/>
+            <a:ext cx="4593020" cy="3174124"/>
           </a:xfrm>
         </p:spPr>
         <p:txBody>
           <a:bodyPr>
-            <a:normAutofit fontScale="90000"/>
+            <a:normAutofit/>
           </a:bodyPr>
           <a:lstStyle/>
           <a:p>
             <a:r>
-              <a:rPr lang="en-US" sz="2000" dirty="0"/>
+              <a:rPr lang="en-US" dirty="0"/>
               <a:t>Data</a:t>
             </a:r>
             <a:br>
               <a:rPr lang="en-US" dirty="0"/>
             </a:br>
-            <a:br>
-              <a:rPr lang="en-US" sz="1400" dirty="0">
-                <a:latin typeface="Arial" panose="020B0604020202020204" pitchFamily="34" charset="0"/>
-                <a:cs typeface="Arial" panose="020B0604020202020204" pitchFamily="34" charset="0"/>
-              </a:rPr>
-            </a:br>
-            <a:r>
-              <a:rPr lang="en-US" sz="1400" dirty="0">
-                <a:latin typeface="Arial" panose="020B0604020202020204" pitchFamily="34" charset="0"/>
-                <a:cs typeface="Arial" panose="020B0604020202020204" pitchFamily="34" charset="0"/>
-              </a:rPr>
-              <a:t>The following features were eliminated from the analysis</a:t>
-            </a:r>
-            <a:br>
-              <a:rPr lang="en-US" sz="1400" dirty="0">
-                <a:latin typeface="Arial" panose="020B0604020202020204" pitchFamily="34" charset="0"/>
-                <a:cs typeface="Arial" panose="020B0604020202020204" pitchFamily="34" charset="0"/>
-              </a:rPr>
-            </a:br>
-            <a:br>
-              <a:rPr lang="en-US" sz="1400" dirty="0">
-                <a:latin typeface="Arial" panose="020B0604020202020204" pitchFamily="34" charset="0"/>
-                <a:cs typeface="Arial" panose="020B0604020202020204" pitchFamily="34" charset="0"/>
-              </a:rPr>
-            </a:br>
-            <a:r>
-              <a:rPr lang="en-US" sz="1400" dirty="0">
-                <a:latin typeface="Arial" panose="020B0604020202020204" pitchFamily="34" charset="0"/>
-                <a:cs typeface="Arial" panose="020B0604020202020204" pitchFamily="34" charset="0"/>
-              </a:rPr>
-              <a:t>FirstName,  </a:t>
-            </a:r>
-            <a:r>
-              <a:rPr lang="en-US" sz="1400" dirty="0" err="1">
-                <a:latin typeface="Arial" panose="020B0604020202020204" pitchFamily="34" charset="0"/>
-                <a:cs typeface="Arial" panose="020B0604020202020204" pitchFamily="34" charset="0"/>
-              </a:rPr>
-              <a:t>lastName</a:t>
-            </a:r>
-            <a:r>
-              <a:rPr lang="en-US" sz="1400" dirty="0">
-                <a:latin typeface="Arial" panose="020B0604020202020204" pitchFamily="34" charset="0"/>
-                <a:cs typeface="Arial" panose="020B0604020202020204" pitchFamily="34" charset="0"/>
-              </a:rPr>
-              <a:t>, </a:t>
-            </a:r>
-            <a:r>
-              <a:rPr lang="en-US" sz="1400" dirty="0" err="1">
-                <a:latin typeface="Arial" panose="020B0604020202020204" pitchFamily="34" charset="0"/>
-                <a:cs typeface="Arial" panose="020B0604020202020204" pitchFamily="34" charset="0"/>
-              </a:rPr>
-              <a:t>birthday,creationDa</a:t>
-            </a:r>
-            <a:r>
-              <a:rPr lang="en-US" sz="1400" dirty="0">
-                <a:latin typeface="Arial" panose="020B0604020202020204" pitchFamily="34" charset="0"/>
-                <a:cs typeface="Arial" panose="020B0604020202020204" pitchFamily="34" charset="0"/>
-              </a:rPr>
-              <a:t>,</a:t>
-            </a:r>
-            <a:br>
-              <a:rPr lang="en-US" sz="1400" dirty="0">
-                <a:latin typeface="Arial" panose="020B0604020202020204" pitchFamily="34" charset="0"/>
-                <a:cs typeface="Arial" panose="020B0604020202020204" pitchFamily="34" charset="0"/>
-              </a:rPr>
-            </a:br>
-            <a:r>
-              <a:rPr lang="en-US" sz="1400" dirty="0" err="1">
-                <a:latin typeface="Arial" panose="020B0604020202020204" pitchFamily="34" charset="0"/>
-                <a:cs typeface="Arial" panose="020B0604020202020204" pitchFamily="34" charset="0"/>
-              </a:rPr>
-              <a:t>emailAddr</a:t>
-            </a:r>
-            <a:br>
-              <a:rPr lang="en-US" sz="1400" dirty="0">
-                <a:latin typeface="Arial" panose="020B0604020202020204" pitchFamily="34" charset="0"/>
-                <a:cs typeface="Arial" panose="020B0604020202020204" pitchFamily="34" charset="0"/>
-              </a:rPr>
-            </a:br>
-            <a:br>
-              <a:rPr lang="en-US" sz="1400" dirty="0">
-                <a:latin typeface="Arial" panose="020B0604020202020204" pitchFamily="34" charset="0"/>
-                <a:cs typeface="Arial" panose="020B0604020202020204" pitchFamily="34" charset="0"/>
-              </a:rPr>
-            </a:br>
-            <a:r>
-              <a:rPr lang="en-US" sz="1400" dirty="0">
-                <a:latin typeface="Arial" panose="020B0604020202020204" pitchFamily="34" charset="0"/>
-                <a:cs typeface="Arial" panose="020B0604020202020204" pitchFamily="34" charset="0"/>
-              </a:rPr>
-              <a:t>The following features were categorical and  were treated as such:</a:t>
-            </a:r>
-            <a:br>
-              <a:rPr lang="en-US" sz="1400" dirty="0">
-                <a:latin typeface="Arial" panose="020B0604020202020204" pitchFamily="34" charset="0"/>
-                <a:cs typeface="Arial" panose="020B0604020202020204" pitchFamily="34" charset="0"/>
-              </a:rPr>
-            </a:br>
-            <a:br>
-              <a:rPr lang="en-US" sz="1400" dirty="0">
-                <a:latin typeface="Arial" panose="020B0604020202020204" pitchFamily="34" charset="0"/>
-                <a:cs typeface="Arial" panose="020B0604020202020204" pitchFamily="34" charset="0"/>
-              </a:rPr>
-            </a:br>
-            <a:r>
-              <a:rPr lang="en-US" sz="1400" dirty="0" err="1">
-                <a:latin typeface="Arial" panose="020B0604020202020204" pitchFamily="34" charset="0"/>
-                <a:cs typeface="Arial" panose="020B0604020202020204" pitchFamily="34" charset="0"/>
-              </a:rPr>
-              <a:t>age_brackets</a:t>
-            </a:r>
-            <a:r>
-              <a:rPr lang="en-US" sz="1400" dirty="0">
-                <a:latin typeface="Arial" panose="020B0604020202020204" pitchFamily="34" charset="0"/>
-                <a:cs typeface="Arial" panose="020B0604020202020204" pitchFamily="34" charset="0"/>
-              </a:rPr>
-              <a:t>, </a:t>
-            </a:r>
-            <a:r>
-              <a:rPr lang="en-US" sz="1400" dirty="0" err="1">
-                <a:latin typeface="Arial" panose="020B0604020202020204" pitchFamily="34" charset="0"/>
-                <a:cs typeface="Arial" panose="020B0604020202020204" pitchFamily="34" charset="0"/>
-              </a:rPr>
-              <a:t>bmi_descript</a:t>
-            </a:r>
             <a:endParaRPr lang="en-US" sz="1400" dirty="0">
-              <a:latin typeface="Arial" panose="020B0604020202020204" pitchFamily="34" charset="0"/>
-              <a:cs typeface="Arial" panose="020B0604020202020204" pitchFamily="34" charset="0"/>
+              <a:latin typeface="Arial Narrow" panose="020B0604020202020204" pitchFamily="34" charset="0"/>
+              <a:cs typeface="Arial Narrow" panose="020B0604020202020204" pitchFamily="34" charset="0"/>
             </a:endParaRPr>
           </a:p>
         </p:txBody>
@@ -20691,11 +24663,163 @@
         </p:blipFill>
         <p:spPr>
           <a:xfrm>
-            <a:off x="5249069" y="1363662"/>
+            <a:off x="5448766" y="2446228"/>
             <a:ext cx="6019800" cy="4127500"/>
           </a:xfrm>
         </p:spPr>
       </p:pic>
+      <p:sp>
+        <p:nvSpPr>
+          <p:cNvPr id="6" name="TextBox 5">
+            <a:extLst>
+              <a:ext uri="{FF2B5EF4-FFF2-40B4-BE49-F238E27FC236}">
+                <a16:creationId xmlns:a16="http://schemas.microsoft.com/office/drawing/2014/main" id="{3A475909-B4CE-0C46-8BA9-4AAE21788CE4}"/>
+              </a:ext>
+            </a:extLst>
+          </p:cNvPr>
+          <p:cNvSpPr txBox="1"/>
+          <p:nvPr/>
+        </p:nvSpPr>
+        <p:spPr>
+          <a:xfrm>
+            <a:off x="5448766" y="284271"/>
+            <a:ext cx="6019800" cy="1384995"/>
+          </a:xfrm>
+          <a:prstGeom prst="rect">
+            <a:avLst/>
+          </a:prstGeom>
+          <a:noFill/>
+        </p:spPr>
+        <p:txBody>
+          <a:bodyPr wrap="square" rtlCol="0">
+            <a:spAutoFit/>
+          </a:bodyPr>
+          <a:lstStyle/>
+          <a:p>
+            <a:r>
+              <a:rPr lang="en-US" sz="1200" dirty="0">
+                <a:latin typeface="Arial Narrow" panose="020B0604020202020204" pitchFamily="34" charset="0"/>
+                <a:cs typeface="Arial Narrow" panose="020B0604020202020204" pitchFamily="34" charset="0"/>
+              </a:rPr>
+              <a:t>The following features were eliminated from the analysis</a:t>
+            </a:r>
+            <a:br>
+              <a:rPr lang="en-US" sz="1200" dirty="0">
+                <a:latin typeface="Arial Narrow" panose="020B0604020202020204" pitchFamily="34" charset="0"/>
+                <a:cs typeface="Arial Narrow" panose="020B0604020202020204" pitchFamily="34" charset="0"/>
+              </a:rPr>
+            </a:br>
+            <a:br>
+              <a:rPr lang="en-US" sz="1200" dirty="0">
+                <a:latin typeface="Arial Narrow" panose="020B0604020202020204" pitchFamily="34" charset="0"/>
+                <a:cs typeface="Arial Narrow" panose="020B0604020202020204" pitchFamily="34" charset="0"/>
+              </a:rPr>
+            </a:br>
+            <a:r>
+              <a:rPr lang="en-US" sz="1200" dirty="0">
+                <a:latin typeface="Arial Narrow" panose="020B0604020202020204" pitchFamily="34" charset="0"/>
+                <a:cs typeface="Arial Narrow" panose="020B0604020202020204" pitchFamily="34" charset="0"/>
+              </a:rPr>
+              <a:t>	FirstName,  </a:t>
+            </a:r>
+            <a:r>
+              <a:rPr lang="en-US" sz="1200" dirty="0" err="1">
+                <a:latin typeface="Arial Narrow" panose="020B0604020202020204" pitchFamily="34" charset="0"/>
+                <a:cs typeface="Arial Narrow" panose="020B0604020202020204" pitchFamily="34" charset="0"/>
+              </a:rPr>
+              <a:t>lastName</a:t>
+            </a:r>
+            <a:r>
+              <a:rPr lang="en-US" sz="1200" dirty="0">
+                <a:latin typeface="Arial Narrow" panose="020B0604020202020204" pitchFamily="34" charset="0"/>
+                <a:cs typeface="Arial Narrow" panose="020B0604020202020204" pitchFamily="34" charset="0"/>
+              </a:rPr>
+              <a:t>, birthday, </a:t>
+            </a:r>
+            <a:r>
+              <a:rPr lang="en-US" sz="1200" dirty="0" err="1">
+                <a:latin typeface="Arial Narrow" panose="020B0604020202020204" pitchFamily="34" charset="0"/>
+                <a:cs typeface="Arial Narrow" panose="020B0604020202020204" pitchFamily="34" charset="0"/>
+              </a:rPr>
+              <a:t>creationDa</a:t>
+            </a:r>
+            <a:r>
+              <a:rPr lang="en-US" sz="1200" dirty="0">
+                <a:latin typeface="Arial Narrow" panose="020B0604020202020204" pitchFamily="34" charset="0"/>
+                <a:cs typeface="Arial Narrow" panose="020B0604020202020204" pitchFamily="34" charset="0"/>
+              </a:rPr>
+              <a:t>, </a:t>
+            </a:r>
+            <a:r>
+              <a:rPr lang="en-US" sz="1200" dirty="0" err="1">
+                <a:latin typeface="Arial Narrow" panose="020B0604020202020204" pitchFamily="34" charset="0"/>
+                <a:cs typeface="Arial Narrow" panose="020B0604020202020204" pitchFamily="34" charset="0"/>
+              </a:rPr>
+              <a:t>emailAddr</a:t>
+            </a:r>
+            <a:br>
+              <a:rPr lang="en-US" sz="1200" dirty="0">
+                <a:latin typeface="Arial Narrow" panose="020B0604020202020204" pitchFamily="34" charset="0"/>
+                <a:cs typeface="Arial Narrow" panose="020B0604020202020204" pitchFamily="34" charset="0"/>
+              </a:rPr>
+            </a:br>
+            <a:br>
+              <a:rPr lang="en-US" sz="1200" dirty="0">
+                <a:latin typeface="Arial Narrow" panose="020B0604020202020204" pitchFamily="34" charset="0"/>
+                <a:cs typeface="Arial Narrow" panose="020B0604020202020204" pitchFamily="34" charset="0"/>
+              </a:rPr>
+            </a:br>
+            <a:r>
+              <a:rPr lang="en-US" sz="1200" dirty="0">
+                <a:latin typeface="Arial Narrow" panose="020B0604020202020204" pitchFamily="34" charset="0"/>
+                <a:cs typeface="Arial Narrow" panose="020B0604020202020204" pitchFamily="34" charset="0"/>
+              </a:rPr>
+              <a:t>The following features were categorical and  were treated as such:</a:t>
+            </a:r>
+            <a:br>
+              <a:rPr lang="en-US" sz="1200" dirty="0">
+                <a:latin typeface="Arial Narrow" panose="020B0604020202020204" pitchFamily="34" charset="0"/>
+                <a:cs typeface="Arial Narrow" panose="020B0604020202020204" pitchFamily="34" charset="0"/>
+              </a:rPr>
+            </a:br>
+            <a:br>
+              <a:rPr lang="en-US" sz="1200" dirty="0">
+                <a:latin typeface="Arial Narrow" panose="020B0604020202020204" pitchFamily="34" charset="0"/>
+                <a:cs typeface="Arial Narrow" panose="020B0604020202020204" pitchFamily="34" charset="0"/>
+              </a:rPr>
+            </a:br>
+            <a:r>
+              <a:rPr lang="en-US" sz="1200" dirty="0">
+                <a:latin typeface="Arial Narrow" panose="020B0604020202020204" pitchFamily="34" charset="0"/>
+                <a:cs typeface="Arial Narrow" panose="020B0604020202020204" pitchFamily="34" charset="0"/>
+              </a:rPr>
+              <a:t>	</a:t>
+            </a:r>
+            <a:r>
+              <a:rPr lang="en-US" sz="1200" dirty="0" err="1">
+                <a:latin typeface="Arial Narrow" panose="020B0604020202020204" pitchFamily="34" charset="0"/>
+                <a:cs typeface="Arial Narrow" panose="020B0604020202020204" pitchFamily="34" charset="0"/>
+              </a:rPr>
+              <a:t>age_brackets</a:t>
+            </a:r>
+            <a:r>
+              <a:rPr lang="en-US" sz="1200" dirty="0">
+                <a:latin typeface="Arial Narrow" panose="020B0604020202020204" pitchFamily="34" charset="0"/>
+                <a:cs typeface="Arial Narrow" panose="020B0604020202020204" pitchFamily="34" charset="0"/>
+              </a:rPr>
+              <a:t>, </a:t>
+            </a:r>
+            <a:r>
+              <a:rPr lang="en-US" sz="1200" dirty="0" err="1">
+                <a:latin typeface="Arial Narrow" panose="020B0604020202020204" pitchFamily="34" charset="0"/>
+                <a:cs typeface="Arial Narrow" panose="020B0604020202020204" pitchFamily="34" charset="0"/>
+              </a:rPr>
+              <a:t>bmi_descript</a:t>
+            </a:r>
+            <a:endParaRPr lang="en-US" sz="1200" dirty="0"/>
+          </a:p>
+        </p:txBody>
+      </p:sp>
     </p:spTree>
     <p:extLst>
       <p:ext uri="{BB962C8B-B14F-4D97-AF65-F5344CB8AC3E}">
@@ -20706,6 +24830,9 @@
   <p:clrMapOvr>
     <a:masterClrMapping/>
   </p:clrMapOvr>
+  <p:transition spd="slow">
+    <p:push dir="u"/>
+  </p:transition>
 </p:sld>
 </file>
 
@@ -24320,6 +28447,9 @@
   <p:clrMapOvr>
     <a:masterClrMapping/>
   </p:clrMapOvr>
+  <p:transition spd="slow">
+    <p:push dir="u"/>
+  </p:transition>
 </p:sld>
 </file>
 
@@ -28274,7 +32404,7 @@
               <a:rPr lang="en-US" sz="2000" dirty="0">
                 <a:latin typeface="+mn-lt"/>
               </a:rPr>
-              <a:t>Customers who have done done workouts</a:t>
+              <a:t>Customers who have done workouts</a:t>
             </a:r>
             <a:br>
               <a:rPr lang="en-US" sz="2000" dirty="0">
@@ -28286,17 +32416,9 @@
                 <a:latin typeface="+mn-lt"/>
               </a:rPr>
             </a:br>
-            <a:br>
-              <a:rPr lang="en-US" sz="2000" dirty="0">
-                <a:latin typeface="+mn-lt"/>
-              </a:rPr>
-            </a:br>
-            <a:r>
-              <a:rPr lang="en-US" sz="2000" dirty="0">
-                <a:latin typeface="+mn-lt"/>
-              </a:rPr>
-              <a:t>data was not balanced so for modeling, balancing was applied </a:t>
-            </a:r>
+            <a:endParaRPr lang="en-US" sz="2000" dirty="0">
+              <a:latin typeface="+mn-lt"/>
+            </a:endParaRPr>
           </a:p>
         </p:txBody>
       </p:sp>
@@ -28391,7 +32513,7 @@
         </p:blipFill>
         <p:spPr>
           <a:xfrm>
-            <a:off x="6772965" y="1586185"/>
+            <a:off x="6793424" y="1630161"/>
             <a:ext cx="3919973" cy="3858723"/>
           </a:xfrm>
           <a:prstGeom prst="rect">
@@ -28402,6 +32524,76 @@
           </a:ln>
         </p:spPr>
       </p:pic>
+      <p:sp>
+        <p:nvSpPr>
+          <p:cNvPr id="6" name="TextBox 5">
+            <a:extLst>
+              <a:ext uri="{FF2B5EF4-FFF2-40B4-BE49-F238E27FC236}">
+                <a16:creationId xmlns:a16="http://schemas.microsoft.com/office/drawing/2014/main" id="{441E5A07-C75E-244D-8AFE-E1F0354C3844}"/>
+              </a:ext>
+            </a:extLst>
+          </p:cNvPr>
+          <p:cNvSpPr txBox="1"/>
+          <p:nvPr/>
+        </p:nvSpPr>
+        <p:spPr>
+          <a:xfrm>
+            <a:off x="8109967" y="2346345"/>
+            <a:ext cx="778054" cy="369332"/>
+          </a:xfrm>
+          <a:prstGeom prst="rect">
+            <a:avLst/>
+          </a:prstGeom>
+          <a:noFill/>
+        </p:spPr>
+        <p:txBody>
+          <a:bodyPr wrap="square" rtlCol="0">
+            <a:spAutoFit/>
+          </a:bodyPr>
+          <a:lstStyle/>
+          <a:p>
+            <a:r>
+              <a:rPr lang="en-US" dirty="0"/>
+              <a:t>20%</a:t>
+            </a:r>
+          </a:p>
+        </p:txBody>
+      </p:sp>
+      <p:sp>
+        <p:nvSpPr>
+          <p:cNvPr id="7" name="TextBox 6">
+            <a:extLst>
+              <a:ext uri="{FF2B5EF4-FFF2-40B4-BE49-F238E27FC236}">
+                <a16:creationId xmlns:a16="http://schemas.microsoft.com/office/drawing/2014/main" id="{2E378EF4-730B-A441-AADC-F7BB09FB49BA}"/>
+              </a:ext>
+            </a:extLst>
+          </p:cNvPr>
+          <p:cNvSpPr txBox="1"/>
+          <p:nvPr/>
+        </p:nvSpPr>
+        <p:spPr>
+          <a:xfrm>
+            <a:off x="8495180" y="3881296"/>
+            <a:ext cx="785682" cy="369332"/>
+          </a:xfrm>
+          <a:prstGeom prst="rect">
+            <a:avLst/>
+          </a:prstGeom>
+          <a:noFill/>
+        </p:spPr>
+        <p:txBody>
+          <a:bodyPr wrap="square" rtlCol="0">
+            <a:spAutoFit/>
+          </a:bodyPr>
+          <a:lstStyle/>
+          <a:p>
+            <a:r>
+              <a:rPr lang="en-US" dirty="0"/>
+              <a:t>80%</a:t>
+            </a:r>
+          </a:p>
+        </p:txBody>
+      </p:sp>
     </p:spTree>
     <p:extLst>
       <p:ext uri="{BB962C8B-B14F-4D97-AF65-F5344CB8AC3E}">
@@ -28412,6 +32604,9 @@
   <p:clrMapOvr>
     <a:masterClrMapping/>
   </p:clrMapOvr>
+  <p:transition spd="slow">
+    <p:push dir="u"/>
+  </p:transition>
 </p:sld>
 </file>
 
@@ -28504,6 +32699,9 @@
   <p:clrMapOvr>
     <a:masterClrMapping/>
   </p:clrMapOvr>
+  <p:transition spd="slow">
+    <p:push dir="u"/>
+  </p:transition>
 </p:sld>
 </file>
 
@@ -28591,6 +32789,9 @@
   <p:clrMapOvr>
     <a:masterClrMapping/>
   </p:clrMapOvr>
+  <p:transition spd="slow">
+    <p:push dir="u"/>
+  </p:transition>
 </p:sld>
 </file>
 
@@ -32205,6 +36406,9 @@
   <p:clrMapOvr>
     <a:masterClrMapping/>
   </p:clrMapOvr>
+  <p:transition spd="slow">
+    <p:push dir="u"/>
+  </p:transition>
 </p:sld>
 </file>
 
